--- a/Other/Hons Meeting 3 Presentation.pptx
+++ b/Other/Hons Meeting 3 Presentation.pptx
@@ -5,19 +5,23 @@
     <p:sldMasterId id="2147483658" r:id="rId1"/>
   </p:sldMasterIdLst>
   <p:notesMasterIdLst>
-    <p:notesMasterId r:id="rId12"/>
+    <p:notesMasterId r:id="rId16"/>
   </p:notesMasterIdLst>
   <p:sldIdLst>
     <p:sldId id="256" r:id="rId2"/>
-    <p:sldId id="294" r:id="rId3"/>
-    <p:sldId id="314" r:id="rId4"/>
-    <p:sldId id="312" r:id="rId5"/>
+    <p:sldId id="314" r:id="rId3"/>
+    <p:sldId id="312" r:id="rId4"/>
+    <p:sldId id="320" r:id="rId5"/>
     <p:sldId id="316" r:id="rId6"/>
     <p:sldId id="315" r:id="rId7"/>
-    <p:sldId id="317" r:id="rId8"/>
-    <p:sldId id="319" r:id="rId9"/>
-    <p:sldId id="313" r:id="rId10"/>
-    <p:sldId id="299" r:id="rId11"/>
+    <p:sldId id="321" r:id="rId8"/>
+    <p:sldId id="322" r:id="rId9"/>
+    <p:sldId id="317" r:id="rId10"/>
+    <p:sldId id="319" r:id="rId11"/>
+    <p:sldId id="323" r:id="rId12"/>
+    <p:sldId id="324" r:id="rId13"/>
+    <p:sldId id="313" r:id="rId14"/>
+    <p:sldId id="299" r:id="rId15"/>
   </p:sldIdLst>
   <p:sldSz cx="9144000" cy="6858000" type="screen4x3"/>
   <p:notesSz cx="6858000" cy="9144000"/>
@@ -908,6 +912,442 @@
     </p:spTree>
     <p:extLst>
       <p:ext uri="{BB962C8B-B14F-4D97-AF65-F5344CB8AC3E}">
+        <p14:creationId xmlns:p14="http://schemas.microsoft.com/office/powerpoint/2010/main" val="3519968284"/>
+      </p:ext>
+    </p:extLst>
+  </p:cSld>
+  <p:clrMapOvr>
+    <a:masterClrMapping/>
+  </p:clrMapOvr>
+</p:notes>
+</file>
+
+<file path=ppt/notesSlides/notesSlide11.xml><?xml version="1.0" encoding="utf-8"?>
+<p:notes xmlns:a="http://schemas.openxmlformats.org/drawingml/2006/main" xmlns:r="http://schemas.openxmlformats.org/officeDocument/2006/relationships" xmlns:p="http://schemas.openxmlformats.org/presentationml/2006/main" showMasterSp="0" showMasterPhAnim="0">
+  <p:cSld>
+    <p:spTree>
+      <p:nvGrpSpPr>
+        <p:cNvPr id="1" name="Shape 254"/>
+        <p:cNvGrpSpPr/>
+        <p:nvPr/>
+      </p:nvGrpSpPr>
+      <p:grpSpPr>
+        <a:xfrm>
+          <a:off x="0" y="0"/>
+          <a:ext cx="0" cy="0"/>
+          <a:chOff x="0" y="0"/>
+          <a:chExt cx="0" cy="0"/>
+        </a:xfrm>
+      </p:grpSpPr>
+      <p:sp>
+        <p:nvSpPr>
+          <p:cNvPr id="255" name="Google Shape;255;g35ed75ccf_0113:notes"/>
+          <p:cNvSpPr>
+            <a:spLocks noGrp="1" noRot="1" noChangeAspect="1"/>
+          </p:cNvSpPr>
+          <p:nvPr>
+            <p:ph type="sldImg" idx="2"/>
+          </p:nvPr>
+        </p:nvSpPr>
+        <p:spPr>
+          <a:xfrm>
+            <a:off x="1143000" y="685800"/>
+            <a:ext cx="4572000" cy="3429000"/>
+          </a:xfrm>
+          <a:custGeom>
+            <a:avLst/>
+            <a:gdLst/>
+            <a:ahLst/>
+            <a:cxnLst/>
+            <a:rect l="l" t="t" r="r" b="b"/>
+            <a:pathLst>
+              <a:path w="120000" h="120000" extrusionOk="0">
+                <a:moveTo>
+                  <a:pt x="0" y="0"/>
+                </a:moveTo>
+                <a:lnTo>
+                  <a:pt x="120000" y="0"/>
+                </a:lnTo>
+                <a:lnTo>
+                  <a:pt x="120000" y="120000"/>
+                </a:lnTo>
+                <a:lnTo>
+                  <a:pt x="0" y="120000"/>
+                </a:lnTo>
+                <a:close/>
+              </a:path>
+            </a:pathLst>
+          </a:custGeom>
+        </p:spPr>
+      </p:sp>
+      <p:sp>
+        <p:nvSpPr>
+          <p:cNvPr id="256" name="Google Shape;256;g35ed75ccf_0113:notes"/>
+          <p:cNvSpPr txBox="1">
+            <a:spLocks noGrp="1"/>
+          </p:cNvSpPr>
+          <p:nvPr>
+            <p:ph type="body" idx="1"/>
+          </p:nvPr>
+        </p:nvSpPr>
+        <p:spPr>
+          <a:xfrm>
+            <a:off x="685800" y="4343400"/>
+            <a:ext cx="5486400" cy="4114800"/>
+          </a:xfrm>
+          <a:prstGeom prst="rect">
+            <a:avLst/>
+          </a:prstGeom>
+        </p:spPr>
+        <p:txBody>
+          <a:bodyPr spcFirstLastPara="1" wrap="square" lIns="91425" tIns="91425" rIns="91425" bIns="91425" anchor="t" anchorCtr="0">
+            <a:noAutofit/>
+          </a:bodyPr>
+          <a:lstStyle/>
+          <a:p>
+            <a:pPr marL="0" lvl="0" indent="0" rtl="0">
+              <a:spcBef>
+                <a:spcPts val="0"/>
+              </a:spcBef>
+              <a:spcAft>
+                <a:spcPts val="0"/>
+              </a:spcAft>
+              <a:buNone/>
+            </a:pPr>
+            <a:endParaRPr dirty="0"/>
+          </a:p>
+        </p:txBody>
+      </p:sp>
+    </p:spTree>
+    <p:extLst>
+      <p:ext uri="{BB962C8B-B14F-4D97-AF65-F5344CB8AC3E}">
+        <p14:creationId xmlns:p14="http://schemas.microsoft.com/office/powerpoint/2010/main" val="3745078999"/>
+      </p:ext>
+    </p:extLst>
+  </p:cSld>
+  <p:clrMapOvr>
+    <a:masterClrMapping/>
+  </p:clrMapOvr>
+</p:notes>
+</file>
+
+<file path=ppt/notesSlides/notesSlide12.xml><?xml version="1.0" encoding="utf-8"?>
+<p:notes xmlns:a="http://schemas.openxmlformats.org/drawingml/2006/main" xmlns:r="http://schemas.openxmlformats.org/officeDocument/2006/relationships" xmlns:p="http://schemas.openxmlformats.org/presentationml/2006/main" showMasterSp="0" showMasterPhAnim="0">
+  <p:cSld>
+    <p:spTree>
+      <p:nvGrpSpPr>
+        <p:cNvPr id="1" name="Shape 254"/>
+        <p:cNvGrpSpPr/>
+        <p:nvPr/>
+      </p:nvGrpSpPr>
+      <p:grpSpPr>
+        <a:xfrm>
+          <a:off x="0" y="0"/>
+          <a:ext cx="0" cy="0"/>
+          <a:chOff x="0" y="0"/>
+          <a:chExt cx="0" cy="0"/>
+        </a:xfrm>
+      </p:grpSpPr>
+      <p:sp>
+        <p:nvSpPr>
+          <p:cNvPr id="255" name="Google Shape;255;g35ed75ccf_0113:notes"/>
+          <p:cNvSpPr>
+            <a:spLocks noGrp="1" noRot="1" noChangeAspect="1"/>
+          </p:cNvSpPr>
+          <p:nvPr>
+            <p:ph type="sldImg" idx="2"/>
+          </p:nvPr>
+        </p:nvSpPr>
+        <p:spPr>
+          <a:xfrm>
+            <a:off x="1143000" y="685800"/>
+            <a:ext cx="4572000" cy="3429000"/>
+          </a:xfrm>
+          <a:custGeom>
+            <a:avLst/>
+            <a:gdLst/>
+            <a:ahLst/>
+            <a:cxnLst/>
+            <a:rect l="l" t="t" r="r" b="b"/>
+            <a:pathLst>
+              <a:path w="120000" h="120000" extrusionOk="0">
+                <a:moveTo>
+                  <a:pt x="0" y="0"/>
+                </a:moveTo>
+                <a:lnTo>
+                  <a:pt x="120000" y="0"/>
+                </a:lnTo>
+                <a:lnTo>
+                  <a:pt x="120000" y="120000"/>
+                </a:lnTo>
+                <a:lnTo>
+                  <a:pt x="0" y="120000"/>
+                </a:lnTo>
+                <a:close/>
+              </a:path>
+            </a:pathLst>
+          </a:custGeom>
+        </p:spPr>
+      </p:sp>
+      <p:sp>
+        <p:nvSpPr>
+          <p:cNvPr id="256" name="Google Shape;256;g35ed75ccf_0113:notes"/>
+          <p:cNvSpPr txBox="1">
+            <a:spLocks noGrp="1"/>
+          </p:cNvSpPr>
+          <p:nvPr>
+            <p:ph type="body" idx="1"/>
+          </p:nvPr>
+        </p:nvSpPr>
+        <p:spPr>
+          <a:xfrm>
+            <a:off x="685800" y="4343400"/>
+            <a:ext cx="5486400" cy="4114800"/>
+          </a:xfrm>
+          <a:prstGeom prst="rect">
+            <a:avLst/>
+          </a:prstGeom>
+        </p:spPr>
+        <p:txBody>
+          <a:bodyPr spcFirstLastPara="1" wrap="square" lIns="91425" tIns="91425" rIns="91425" bIns="91425" anchor="t" anchorCtr="0">
+            <a:noAutofit/>
+          </a:bodyPr>
+          <a:lstStyle/>
+          <a:p>
+            <a:pPr marL="0" lvl="0" indent="0" rtl="0">
+              <a:spcBef>
+                <a:spcPts val="0"/>
+              </a:spcBef>
+              <a:spcAft>
+                <a:spcPts val="0"/>
+              </a:spcAft>
+              <a:buNone/>
+            </a:pPr>
+            <a:endParaRPr dirty="0"/>
+          </a:p>
+        </p:txBody>
+      </p:sp>
+    </p:spTree>
+    <p:extLst>
+      <p:ext uri="{BB962C8B-B14F-4D97-AF65-F5344CB8AC3E}">
+        <p14:creationId xmlns:p14="http://schemas.microsoft.com/office/powerpoint/2010/main" val="2902555440"/>
+      </p:ext>
+    </p:extLst>
+  </p:cSld>
+  <p:clrMapOvr>
+    <a:masterClrMapping/>
+  </p:clrMapOvr>
+</p:notes>
+</file>
+
+<file path=ppt/notesSlides/notesSlide13.xml><?xml version="1.0" encoding="utf-8"?>
+<p:notes xmlns:a="http://schemas.openxmlformats.org/drawingml/2006/main" xmlns:r="http://schemas.openxmlformats.org/officeDocument/2006/relationships" xmlns:p="http://schemas.openxmlformats.org/presentationml/2006/main" showMasterSp="0" showMasterPhAnim="0">
+  <p:cSld>
+    <p:spTree>
+      <p:nvGrpSpPr>
+        <p:cNvPr id="1" name="Shape 254"/>
+        <p:cNvGrpSpPr/>
+        <p:nvPr/>
+      </p:nvGrpSpPr>
+      <p:grpSpPr>
+        <a:xfrm>
+          <a:off x="0" y="0"/>
+          <a:ext cx="0" cy="0"/>
+          <a:chOff x="0" y="0"/>
+          <a:chExt cx="0" cy="0"/>
+        </a:xfrm>
+      </p:grpSpPr>
+      <p:sp>
+        <p:nvSpPr>
+          <p:cNvPr id="255" name="Google Shape;255;g35ed75ccf_0113:notes"/>
+          <p:cNvSpPr>
+            <a:spLocks noGrp="1" noRot="1" noChangeAspect="1"/>
+          </p:cNvSpPr>
+          <p:nvPr>
+            <p:ph type="sldImg" idx="2"/>
+          </p:nvPr>
+        </p:nvSpPr>
+        <p:spPr>
+          <a:xfrm>
+            <a:off x="1143000" y="685800"/>
+            <a:ext cx="4572000" cy="3429000"/>
+          </a:xfrm>
+          <a:custGeom>
+            <a:avLst/>
+            <a:gdLst/>
+            <a:ahLst/>
+            <a:cxnLst/>
+            <a:rect l="l" t="t" r="r" b="b"/>
+            <a:pathLst>
+              <a:path w="120000" h="120000" extrusionOk="0">
+                <a:moveTo>
+                  <a:pt x="0" y="0"/>
+                </a:moveTo>
+                <a:lnTo>
+                  <a:pt x="120000" y="0"/>
+                </a:lnTo>
+                <a:lnTo>
+                  <a:pt x="120000" y="120000"/>
+                </a:lnTo>
+                <a:lnTo>
+                  <a:pt x="0" y="120000"/>
+                </a:lnTo>
+                <a:close/>
+              </a:path>
+            </a:pathLst>
+          </a:custGeom>
+        </p:spPr>
+      </p:sp>
+      <p:sp>
+        <p:nvSpPr>
+          <p:cNvPr id="256" name="Google Shape;256;g35ed75ccf_0113:notes"/>
+          <p:cNvSpPr txBox="1">
+            <a:spLocks noGrp="1"/>
+          </p:cNvSpPr>
+          <p:nvPr>
+            <p:ph type="body" idx="1"/>
+          </p:nvPr>
+        </p:nvSpPr>
+        <p:spPr>
+          <a:xfrm>
+            <a:off x="685800" y="4343400"/>
+            <a:ext cx="5486400" cy="4114800"/>
+          </a:xfrm>
+          <a:prstGeom prst="rect">
+            <a:avLst/>
+          </a:prstGeom>
+        </p:spPr>
+        <p:txBody>
+          <a:bodyPr spcFirstLastPara="1" wrap="square" lIns="91425" tIns="91425" rIns="91425" bIns="91425" anchor="t" anchorCtr="0">
+            <a:noAutofit/>
+          </a:bodyPr>
+          <a:lstStyle/>
+          <a:p>
+            <a:pPr marL="0" lvl="0" indent="0" rtl="0">
+              <a:spcBef>
+                <a:spcPts val="0"/>
+              </a:spcBef>
+              <a:spcAft>
+                <a:spcPts val="0"/>
+              </a:spcAft>
+              <a:buNone/>
+            </a:pPr>
+            <a:endParaRPr dirty="0"/>
+          </a:p>
+        </p:txBody>
+      </p:sp>
+    </p:spTree>
+    <p:extLst>
+      <p:ext uri="{BB962C8B-B14F-4D97-AF65-F5344CB8AC3E}">
+        <p14:creationId xmlns:p14="http://schemas.microsoft.com/office/powerpoint/2010/main" val="788706854"/>
+      </p:ext>
+    </p:extLst>
+  </p:cSld>
+  <p:clrMapOvr>
+    <a:masterClrMapping/>
+  </p:clrMapOvr>
+</p:notes>
+</file>
+
+<file path=ppt/notesSlides/notesSlide14.xml><?xml version="1.0" encoding="utf-8"?>
+<p:notes xmlns:a="http://schemas.openxmlformats.org/drawingml/2006/main" xmlns:r="http://schemas.openxmlformats.org/officeDocument/2006/relationships" xmlns:p="http://schemas.openxmlformats.org/presentationml/2006/main" showMasterSp="0" showMasterPhAnim="0">
+  <p:cSld>
+    <p:spTree>
+      <p:nvGrpSpPr>
+        <p:cNvPr id="1" name="Shape 254"/>
+        <p:cNvGrpSpPr/>
+        <p:nvPr/>
+      </p:nvGrpSpPr>
+      <p:grpSpPr>
+        <a:xfrm>
+          <a:off x="0" y="0"/>
+          <a:ext cx="0" cy="0"/>
+          <a:chOff x="0" y="0"/>
+          <a:chExt cx="0" cy="0"/>
+        </a:xfrm>
+      </p:grpSpPr>
+      <p:sp>
+        <p:nvSpPr>
+          <p:cNvPr id="255" name="Google Shape;255;g35ed75ccf_0113:notes"/>
+          <p:cNvSpPr>
+            <a:spLocks noGrp="1" noRot="1" noChangeAspect="1"/>
+          </p:cNvSpPr>
+          <p:nvPr>
+            <p:ph type="sldImg" idx="2"/>
+          </p:nvPr>
+        </p:nvSpPr>
+        <p:spPr>
+          <a:xfrm>
+            <a:off x="1143000" y="685800"/>
+            <a:ext cx="4572000" cy="3429000"/>
+          </a:xfrm>
+          <a:custGeom>
+            <a:avLst/>
+            <a:gdLst/>
+            <a:ahLst/>
+            <a:cxnLst/>
+            <a:rect l="l" t="t" r="r" b="b"/>
+            <a:pathLst>
+              <a:path w="120000" h="120000" extrusionOk="0">
+                <a:moveTo>
+                  <a:pt x="0" y="0"/>
+                </a:moveTo>
+                <a:lnTo>
+                  <a:pt x="120000" y="0"/>
+                </a:lnTo>
+                <a:lnTo>
+                  <a:pt x="120000" y="120000"/>
+                </a:lnTo>
+                <a:lnTo>
+                  <a:pt x="0" y="120000"/>
+                </a:lnTo>
+                <a:close/>
+              </a:path>
+            </a:pathLst>
+          </a:custGeom>
+        </p:spPr>
+      </p:sp>
+      <p:sp>
+        <p:nvSpPr>
+          <p:cNvPr id="256" name="Google Shape;256;g35ed75ccf_0113:notes"/>
+          <p:cNvSpPr txBox="1">
+            <a:spLocks noGrp="1"/>
+          </p:cNvSpPr>
+          <p:nvPr>
+            <p:ph type="body" idx="1"/>
+          </p:nvPr>
+        </p:nvSpPr>
+        <p:spPr>
+          <a:xfrm>
+            <a:off x="685800" y="4343400"/>
+            <a:ext cx="5486400" cy="4114800"/>
+          </a:xfrm>
+          <a:prstGeom prst="rect">
+            <a:avLst/>
+          </a:prstGeom>
+        </p:spPr>
+        <p:txBody>
+          <a:bodyPr spcFirstLastPara="1" wrap="square" lIns="91425" tIns="91425" rIns="91425" bIns="91425" anchor="t" anchorCtr="0">
+            <a:noAutofit/>
+          </a:bodyPr>
+          <a:lstStyle/>
+          <a:p>
+            <a:pPr marL="0" lvl="0" indent="0" rtl="0">
+              <a:spcBef>
+                <a:spcPts val="0"/>
+              </a:spcBef>
+              <a:spcAft>
+                <a:spcPts val="0"/>
+              </a:spcAft>
+              <a:buNone/>
+            </a:pPr>
+            <a:endParaRPr dirty="0"/>
+          </a:p>
+        </p:txBody>
+      </p:sp>
+    </p:spTree>
+    <p:extLst>
+      <p:ext uri="{BB962C8B-B14F-4D97-AF65-F5344CB8AC3E}">
         <p14:creationId xmlns:p14="http://schemas.microsoft.com/office/powerpoint/2010/main" val="2043396051"/>
       </p:ext>
     </p:extLst>
@@ -1017,7 +1457,7 @@
     </p:spTree>
     <p:extLst>
       <p:ext uri="{BB962C8B-B14F-4D97-AF65-F5344CB8AC3E}">
-        <p14:creationId xmlns:p14="http://schemas.microsoft.com/office/powerpoint/2010/main" val="2308067179"/>
+        <p14:creationId xmlns:p14="http://schemas.microsoft.com/office/powerpoint/2010/main" val="3518914676"/>
       </p:ext>
     </p:extLst>
   </p:cSld>
@@ -1126,7 +1566,7 @@
     </p:spTree>
     <p:extLst>
       <p:ext uri="{BB962C8B-B14F-4D97-AF65-F5344CB8AC3E}">
-        <p14:creationId xmlns:p14="http://schemas.microsoft.com/office/powerpoint/2010/main" val="3518914676"/>
+        <p14:creationId xmlns:p14="http://schemas.microsoft.com/office/powerpoint/2010/main" val="2322955420"/>
       </p:ext>
     </p:extLst>
   </p:cSld>
@@ -1235,7 +1675,7 @@
     </p:spTree>
     <p:extLst>
       <p:ext uri="{BB962C8B-B14F-4D97-AF65-F5344CB8AC3E}">
-        <p14:creationId xmlns:p14="http://schemas.microsoft.com/office/powerpoint/2010/main" val="2322955420"/>
+        <p14:creationId xmlns:p14="http://schemas.microsoft.com/office/powerpoint/2010/main" val="2276282436"/>
       </p:ext>
     </p:extLst>
   </p:cSld>
@@ -1562,7 +2002,7 @@
     </p:spTree>
     <p:extLst>
       <p:ext uri="{BB962C8B-B14F-4D97-AF65-F5344CB8AC3E}">
-        <p14:creationId xmlns:p14="http://schemas.microsoft.com/office/powerpoint/2010/main" val="4004284679"/>
+        <p14:creationId xmlns:p14="http://schemas.microsoft.com/office/powerpoint/2010/main" val="124783453"/>
       </p:ext>
     </p:extLst>
   </p:cSld>
@@ -1671,7 +2111,7 @@
     </p:spTree>
     <p:extLst>
       <p:ext uri="{BB962C8B-B14F-4D97-AF65-F5344CB8AC3E}">
-        <p14:creationId xmlns:p14="http://schemas.microsoft.com/office/powerpoint/2010/main" val="3519968284"/>
+        <p14:creationId xmlns:p14="http://schemas.microsoft.com/office/powerpoint/2010/main" val="2518811731"/>
       </p:ext>
     </p:extLst>
   </p:cSld>
@@ -1780,7 +2220,7 @@
     </p:spTree>
     <p:extLst>
       <p:ext uri="{BB962C8B-B14F-4D97-AF65-F5344CB8AC3E}">
-        <p14:creationId xmlns:p14="http://schemas.microsoft.com/office/powerpoint/2010/main" val="788706854"/>
+        <p14:creationId xmlns:p14="http://schemas.microsoft.com/office/powerpoint/2010/main" val="4004284679"/>
       </p:ext>
     </p:extLst>
   </p:cSld>
@@ -4297,6 +4737,2294 @@
       </p:grpSpPr>
       <p:sp>
         <p:nvSpPr>
+          <p:cNvPr id="14" name="Google Shape;115;p19"/>
+          <p:cNvSpPr txBox="1">
+            <a:spLocks noGrp="1"/>
+          </p:cNvSpPr>
+          <p:nvPr>
+            <p:ph type="body" idx="1"/>
+          </p:nvPr>
+        </p:nvSpPr>
+        <p:spPr>
+          <a:xfrm>
+            <a:off x="449942" y="1154286"/>
+            <a:ext cx="8244116" cy="766007"/>
+          </a:xfrm>
+          <a:prstGeom prst="rect">
+            <a:avLst/>
+          </a:prstGeom>
+          <a:noFill/>
+          <a:ln>
+            <a:noFill/>
+          </a:ln>
+        </p:spPr>
+        <p:style>
+          <a:lnRef idx="0">
+            <a:scrgbClr r="0" g="0" b="0"/>
+          </a:lnRef>
+          <a:fillRef idx="0">
+            <a:scrgbClr r="0" g="0" b="0"/>
+          </a:fillRef>
+          <a:effectRef idx="0">
+            <a:scrgbClr r="0" g="0" b="0"/>
+          </a:effectRef>
+          <a:fontRef idx="minor">
+            <a:schemeClr val="dk1"/>
+          </a:fontRef>
+        </p:style>
+        <p:txBody>
+          <a:bodyPr spcFirstLastPara="1" wrap="square" lIns="91425" tIns="91425" rIns="91425" bIns="91425" anchor="t" anchorCtr="0">
+            <a:noAutofit/>
+          </a:bodyPr>
+          <a:lstStyle/>
+          <a:p>
+            <a:pPr marL="0" lvl="0" indent="0">
+              <a:buNone/>
+            </a:pPr>
+            <a:r>
+              <a:rPr lang="en-GB" sz="2800" dirty="0">
+                <a:solidFill>
+                  <a:srgbClr val="0091EA"/>
+                </a:solidFill>
+              </a:rPr>
+              <a:t>Univariate 3-step Baseline (more training data)</a:t>
+            </a:r>
+          </a:p>
+        </p:txBody>
+      </p:sp>
+      <p:sp>
+        <p:nvSpPr>
+          <p:cNvPr id="17" name="Rectangle 16"/>
+          <p:cNvSpPr/>
+          <p:nvPr/>
+        </p:nvSpPr>
+        <p:spPr>
+          <a:xfrm>
+            <a:off x="449942" y="-790628"/>
+            <a:ext cx="4496131" cy="1944914"/>
+          </a:xfrm>
+          <a:prstGeom prst="rect">
+            <a:avLst/>
+          </a:prstGeom>
+          <a:noFill/>
+          <a:ln w="9525" cap="flat" cmpd="sng" algn="ctr">
+            <a:solidFill>
+              <a:schemeClr val="accent1"/>
+            </a:solidFill>
+            <a:prstDash val="solid"/>
+            <a:round/>
+            <a:headEnd type="none" w="med" len="med"/>
+            <a:tailEnd type="none" w="med" len="med"/>
+          </a:ln>
+        </p:spPr>
+        <p:style>
+          <a:lnRef idx="0">
+            <a:scrgbClr r="0" g="0" b="0"/>
+          </a:lnRef>
+          <a:fillRef idx="0">
+            <a:scrgbClr r="0" g="0" b="0"/>
+          </a:fillRef>
+          <a:effectRef idx="0">
+            <a:scrgbClr r="0" g="0" b="0"/>
+          </a:effectRef>
+          <a:fontRef idx="minor">
+            <a:schemeClr val="accent1"/>
+          </a:fontRef>
+        </p:style>
+        <p:txBody>
+          <a:bodyPr rtlCol="0" anchor="b"/>
+          <a:lstStyle/>
+          <a:p>
+            <a:pPr algn="ctr"/>
+            <a:r>
+              <a:rPr lang="en-US" sz="3200" b="1" dirty="0">
+                <a:solidFill>
+                  <a:srgbClr val="0091EA"/>
+                </a:solidFill>
+                <a:latin typeface="Roboto Slab"/>
+              </a:rPr>
+              <a:t>Current Progress: Achieved</a:t>
+            </a:r>
+            <a:endParaRPr lang="en-GB" sz="3200" dirty="0"/>
+          </a:p>
+        </p:txBody>
+      </p:sp>
+      <p:sp>
+        <p:nvSpPr>
+          <p:cNvPr id="7" name="Rectangle 6">
+            <a:extLst>
+              <a:ext uri="{FF2B5EF4-FFF2-40B4-BE49-F238E27FC236}">
+                <a16:creationId xmlns:a16="http://schemas.microsoft.com/office/drawing/2014/main" id="{B110BA66-323F-4557-8FEA-C92666DD4FF7}"/>
+              </a:ext>
+            </a:extLst>
+          </p:cNvPr>
+          <p:cNvSpPr/>
+          <p:nvPr/>
+        </p:nvSpPr>
+        <p:spPr>
+          <a:xfrm>
+            <a:off x="850037" y="5859379"/>
+            <a:ext cx="7443926" cy="584775"/>
+          </a:xfrm>
+          <a:prstGeom prst="rect">
+            <a:avLst/>
+          </a:prstGeom>
+        </p:spPr>
+        <p:txBody>
+          <a:bodyPr wrap="square">
+            <a:spAutoFit/>
+          </a:bodyPr>
+          <a:lstStyle/>
+          <a:p>
+            <a:pPr marL="342900" indent="-342900" fontAlgn="base">
+              <a:buFont typeface="+mj-lt"/>
+              <a:buAutoNum type="arabicPeriod"/>
+            </a:pPr>
+            <a:r>
+              <a:rPr lang="fr-FR" sz="1600" dirty="0">
+                <a:latin typeface="Source Sans Pro" panose="020B0503030403020204" pitchFamily="34" charset="0"/>
+                <a:ea typeface="Source Sans Pro" panose="020B0503030403020204" pitchFamily="34" charset="0"/>
+              </a:rPr>
+              <a:t>RMSE:  	t+1:  1.446,  t+2:  1.775,  t+3:  2.047   </a:t>
+            </a:r>
+            <a:r>
+              <a:rPr lang="en-GB" sz="1600" dirty="0">
+                <a:latin typeface="Source Sans Pro" panose="020B0503030403020204" pitchFamily="34" charset="0"/>
+                <a:ea typeface="Source Sans Pro" panose="020B0503030403020204" pitchFamily="34" charset="0"/>
+              </a:rPr>
+              <a:t>US dollar </a:t>
+            </a:r>
+          </a:p>
+          <a:p>
+            <a:pPr marL="342900" indent="-342900" fontAlgn="base">
+              <a:buFont typeface="+mj-lt"/>
+              <a:buAutoNum type="arabicPeriod"/>
+            </a:pPr>
+            <a:r>
+              <a:rPr lang="en-GB" sz="1600" dirty="0">
+                <a:latin typeface="Source Sans Pro" panose="020B0503030403020204" pitchFamily="34" charset="0"/>
+                <a:ea typeface="Source Sans Pro" panose="020B0503030403020204" pitchFamily="34" charset="0"/>
+              </a:rPr>
+              <a:t>Trend Score:          t+1: 0%     ,  t+2:  0%     ,  t+3: 0%</a:t>
+            </a:r>
+          </a:p>
+        </p:txBody>
+      </p:sp>
+      <p:sp>
+        <p:nvSpPr>
+          <p:cNvPr id="2" name="Rectangle 3">
+            <a:extLst>
+              <a:ext uri="{FF2B5EF4-FFF2-40B4-BE49-F238E27FC236}">
+                <a16:creationId xmlns:a16="http://schemas.microsoft.com/office/drawing/2014/main" id="{FF628130-C000-4674-B6C1-19DC9A941D11}"/>
+              </a:ext>
+            </a:extLst>
+          </p:cNvPr>
+          <p:cNvSpPr>
+            <a:spLocks noChangeArrowheads="1"/>
+          </p:cNvSpPr>
+          <p:nvPr/>
+        </p:nvSpPr>
+        <p:spPr bwMode="auto">
+          <a:xfrm>
+            <a:off x="0" y="90100"/>
+            <a:ext cx="65" cy="276999"/>
+          </a:xfrm>
+          <a:prstGeom prst="rect">
+            <a:avLst/>
+          </a:prstGeom>
+          <a:noFill/>
+          <a:ln>
+            <a:noFill/>
+          </a:ln>
+          <a:effectLst/>
+          <a:extLst>
+            <a:ext uri="{909E8E84-426E-40DD-AFC4-6F175D3DCCD1}">
+              <a14:hiddenFill xmlns:a14="http://schemas.microsoft.com/office/drawing/2010/main">
+                <a:solidFill>
+                  <a:schemeClr val="accent1"/>
+                </a:solidFill>
+              </a14:hiddenFill>
+            </a:ext>
+            <a:ext uri="{91240B29-F687-4F45-9708-019B960494DF}">
+              <a14:hiddenLine xmlns:a14="http://schemas.microsoft.com/office/drawing/2010/main" w="9525">
+                <a:solidFill>
+                  <a:schemeClr val="tx1"/>
+                </a:solidFill>
+                <a:miter lim="800000"/>
+                <a:headEnd/>
+                <a:tailEnd/>
+              </a14:hiddenLine>
+            </a:ext>
+            <a:ext uri="{AF507438-7753-43E0-B8FC-AC1667EBCBE1}">
+              <a14:hiddenEffects xmlns:a14="http://schemas.microsoft.com/office/drawing/2010/main">
+                <a:effectLst>
+                  <a:outerShdw dist="35921" dir="2700000" algn="ctr" rotWithShape="0">
+                    <a:schemeClr val="bg2"/>
+                  </a:outerShdw>
+                </a:effectLst>
+              </a14:hiddenEffects>
+            </a:ext>
+          </a:extLst>
+        </p:spPr>
+        <p:txBody>
+          <a:bodyPr vert="horz" wrap="none" lIns="0" tIns="0" rIns="0" bIns="0" numCol="1" anchor="ctr" anchorCtr="0" compatLnSpc="1">
+            <a:prstTxWarp prst="textNoShape">
+              <a:avLst/>
+            </a:prstTxWarp>
+            <a:spAutoFit/>
+          </a:bodyPr>
+          <a:lstStyle/>
+          <a:p>
+            <a:pPr marL="0" marR="0" lvl="0" indent="0" algn="l" defTabSz="914400" rtl="0" eaLnBrk="0" fontAlgn="base" latinLnBrk="0" hangingPunct="0">
+              <a:lnSpc>
+                <a:spcPct val="100000"/>
+              </a:lnSpc>
+              <a:spcBef>
+                <a:spcPct val="0"/>
+              </a:spcBef>
+              <a:spcAft>
+                <a:spcPct val="0"/>
+              </a:spcAft>
+              <a:buClrTx/>
+              <a:buSzTx/>
+              <a:buFontTx/>
+              <a:buNone/>
+              <a:tabLst/>
+            </a:pPr>
+            <a:endParaRPr kumimoji="0" lang="en-US" altLang="en-US" sz="1800" b="0" i="0" u="none" strike="noStrike" cap="none" normalizeH="0" baseline="0" dirty="0">
+              <a:ln>
+                <a:noFill/>
+              </a:ln>
+              <a:solidFill>
+                <a:schemeClr val="tx1"/>
+              </a:solidFill>
+              <a:effectLst/>
+              <a:latin typeface="Arial" panose="020B0604020202020204" pitchFamily="34" charset="0"/>
+            </a:endParaRPr>
+          </a:p>
+        </p:txBody>
+      </p:sp>
+      <p:pic>
+        <p:nvPicPr>
+          <p:cNvPr id="5122" name="Picture 2">
+            <a:extLst>
+              <a:ext uri="{FF2B5EF4-FFF2-40B4-BE49-F238E27FC236}">
+                <a16:creationId xmlns:a16="http://schemas.microsoft.com/office/drawing/2014/main" id="{125323F1-9B69-4792-B9E9-21ABE64A4849}"/>
+              </a:ext>
+            </a:extLst>
+          </p:cNvPr>
+          <p:cNvPicPr>
+            <a:picLocks noChangeAspect="1" noChangeArrowheads="1"/>
+          </p:cNvPicPr>
+          <p:nvPr/>
+        </p:nvPicPr>
+        <p:blipFill>
+          <a:blip r:embed="rId3">
+            <a:extLst>
+              <a:ext uri="{28A0092B-C50C-407E-A947-70E740481C1C}">
+                <a14:useLocalDpi xmlns:a14="http://schemas.microsoft.com/office/drawing/2010/main" val="0"/>
+              </a:ext>
+            </a:extLst>
+          </a:blip>
+          <a:srcRect/>
+          <a:stretch>
+            <a:fillRect/>
+          </a:stretch>
+        </p:blipFill>
+        <p:spPr bwMode="auto">
+          <a:xfrm>
+            <a:off x="449942" y="1920293"/>
+            <a:ext cx="7844021" cy="3783421"/>
+          </a:xfrm>
+          <a:prstGeom prst="rect">
+            <a:avLst/>
+          </a:prstGeom>
+          <a:noFill/>
+          <a:extLst>
+            <a:ext uri="{909E8E84-426E-40DD-AFC4-6F175D3DCCD1}">
+              <a14:hiddenFill xmlns:a14="http://schemas.microsoft.com/office/drawing/2010/main">
+                <a:solidFill>
+                  <a:srgbClr val="FFFFFF"/>
+                </a:solidFill>
+              </a14:hiddenFill>
+            </a:ext>
+          </a:extLst>
+        </p:spPr>
+      </p:pic>
+    </p:spTree>
+    <p:extLst>
+      <p:ext uri="{BB962C8B-B14F-4D97-AF65-F5344CB8AC3E}">
+        <p14:creationId xmlns:p14="http://schemas.microsoft.com/office/powerpoint/2010/main" val="1003872142"/>
+      </p:ext>
+    </p:extLst>
+  </p:cSld>
+  <p:clrMapOvr>
+    <a:masterClrMapping/>
+  </p:clrMapOvr>
+  <p:timing>
+    <p:tnLst>
+      <p:par>
+        <p:cTn id="1" dur="indefinite" restart="never" nodeType="tmRoot">
+          <p:childTnLst>
+            <p:seq concurrent="1" nextAc="seek">
+              <p:cTn id="2" dur="indefinite" nodeType="mainSeq">
+                <p:childTnLst>
+                  <p:par>
+                    <p:cTn id="3" fill="hold">
+                      <p:stCondLst>
+                        <p:cond delay="indefinite"/>
+                        <p:cond evt="onBegin" delay="0">
+                          <p:tn val="2"/>
+                        </p:cond>
+                      </p:stCondLst>
+                      <p:childTnLst>
+                        <p:par>
+                          <p:cTn id="4" fill="hold">
+                            <p:stCondLst>
+                              <p:cond delay="0"/>
+                            </p:stCondLst>
+                            <p:childTnLst>
+                              <p:par>
+                                <p:cTn id="5" presetID="10" presetClass="entr" presetSubtype="0" fill="hold" grpId="0" nodeType="withEffect">
+                                  <p:stCondLst>
+                                    <p:cond delay="0"/>
+                                  </p:stCondLst>
+                                  <p:childTnLst>
+                                    <p:set>
+                                      <p:cBhvr>
+                                        <p:cTn id="6" dur="1" fill="hold">
+                                          <p:stCondLst>
+                                            <p:cond delay="0"/>
+                                          </p:stCondLst>
+                                        </p:cTn>
+                                        <p:tgtEl>
+                                          <p:spTgt spid="17"/>
+                                        </p:tgtEl>
+                                        <p:attrNameLst>
+                                          <p:attrName>style.visibility</p:attrName>
+                                        </p:attrNameLst>
+                                      </p:cBhvr>
+                                      <p:to>
+                                        <p:strVal val="visible"/>
+                                      </p:to>
+                                    </p:set>
+                                    <p:animEffect transition="in" filter="fade">
+                                      <p:cBhvr>
+                                        <p:cTn id="7" dur="500"/>
+                                        <p:tgtEl>
+                                          <p:spTgt spid="17"/>
+                                        </p:tgtEl>
+                                      </p:cBhvr>
+                                    </p:animEffect>
+                                  </p:childTnLst>
+                                </p:cTn>
+                              </p:par>
+                            </p:childTnLst>
+                          </p:cTn>
+                        </p:par>
+                        <p:par>
+                          <p:cTn id="8" fill="hold">
+                            <p:stCondLst>
+                              <p:cond delay="500"/>
+                            </p:stCondLst>
+                            <p:childTnLst>
+                              <p:par>
+                                <p:cTn id="9" presetID="10" presetClass="entr" presetSubtype="0" fill="hold" grpId="0" nodeType="afterEffect">
+                                  <p:stCondLst>
+                                    <p:cond delay="0"/>
+                                  </p:stCondLst>
+                                  <p:childTnLst>
+                                    <p:set>
+                                      <p:cBhvr>
+                                        <p:cTn id="10" dur="1" fill="hold">
+                                          <p:stCondLst>
+                                            <p:cond delay="0"/>
+                                          </p:stCondLst>
+                                        </p:cTn>
+                                        <p:tgtEl>
+                                          <p:spTgt spid="14">
+                                            <p:txEl>
+                                              <p:pRg st="0" end="0"/>
+                                            </p:txEl>
+                                          </p:spTgt>
+                                        </p:tgtEl>
+                                        <p:attrNameLst>
+                                          <p:attrName>style.visibility</p:attrName>
+                                        </p:attrNameLst>
+                                      </p:cBhvr>
+                                      <p:to>
+                                        <p:strVal val="visible"/>
+                                      </p:to>
+                                    </p:set>
+                                    <p:animEffect transition="in" filter="fade">
+                                      <p:cBhvr>
+                                        <p:cTn id="11" dur="500"/>
+                                        <p:tgtEl>
+                                          <p:spTgt spid="14">
+                                            <p:txEl>
+                                              <p:pRg st="0" end="0"/>
+                                            </p:txEl>
+                                          </p:spTgt>
+                                        </p:tgtEl>
+                                      </p:cBhvr>
+                                    </p:animEffect>
+                                  </p:childTnLst>
+                                </p:cTn>
+                              </p:par>
+                            </p:childTnLst>
+                          </p:cTn>
+                        </p:par>
+                      </p:childTnLst>
+                    </p:cTn>
+                  </p:par>
+                </p:childTnLst>
+              </p:cTn>
+              <p:prevCondLst>
+                <p:cond evt="onPrev" delay="0">
+                  <p:tgtEl>
+                    <p:sldTgt/>
+                  </p:tgtEl>
+                </p:cond>
+              </p:prevCondLst>
+              <p:nextCondLst>
+                <p:cond evt="onNext" delay="0">
+                  <p:tgtEl>
+                    <p:sldTgt/>
+                  </p:tgtEl>
+                </p:cond>
+              </p:nextCondLst>
+            </p:seq>
+          </p:childTnLst>
+        </p:cTn>
+      </p:par>
+    </p:tnLst>
+    <p:bldLst>
+      <p:bldP spid="14" grpId="0" uiExpand="1" build="p"/>
+      <p:bldP spid="17" grpId="0" animBg="1"/>
+    </p:bldLst>
+  </p:timing>
+</p:sld>
+</file>
+
+<file path=ppt/slides/slide11.xml><?xml version="1.0" encoding="utf-8"?>
+<p:sld xmlns:a="http://schemas.openxmlformats.org/drawingml/2006/main" xmlns:r="http://schemas.openxmlformats.org/officeDocument/2006/relationships" xmlns:p="http://schemas.openxmlformats.org/presentationml/2006/main">
+  <p:cSld>
+    <p:spTree>
+      <p:nvGrpSpPr>
+        <p:cNvPr id="1" name="Shape 257"/>
+        <p:cNvGrpSpPr/>
+        <p:nvPr/>
+      </p:nvGrpSpPr>
+      <p:grpSpPr>
+        <a:xfrm>
+          <a:off x="0" y="0"/>
+          <a:ext cx="0" cy="0"/>
+          <a:chOff x="0" y="0"/>
+          <a:chExt cx="0" cy="0"/>
+        </a:xfrm>
+      </p:grpSpPr>
+      <p:sp>
+        <p:nvSpPr>
+          <p:cNvPr id="14" name="Google Shape;115;p19"/>
+          <p:cNvSpPr txBox="1">
+            <a:spLocks noGrp="1"/>
+          </p:cNvSpPr>
+          <p:nvPr>
+            <p:ph type="body" idx="1"/>
+          </p:nvPr>
+        </p:nvSpPr>
+        <p:spPr>
+          <a:xfrm>
+            <a:off x="449942" y="1154286"/>
+            <a:ext cx="8244116" cy="766007"/>
+          </a:xfrm>
+          <a:prstGeom prst="rect">
+            <a:avLst/>
+          </a:prstGeom>
+          <a:noFill/>
+          <a:ln>
+            <a:noFill/>
+          </a:ln>
+        </p:spPr>
+        <p:style>
+          <a:lnRef idx="0">
+            <a:scrgbClr r="0" g="0" b="0"/>
+          </a:lnRef>
+          <a:fillRef idx="0">
+            <a:scrgbClr r="0" g="0" b="0"/>
+          </a:fillRef>
+          <a:effectRef idx="0">
+            <a:scrgbClr r="0" g="0" b="0"/>
+          </a:effectRef>
+          <a:fontRef idx="minor">
+            <a:schemeClr val="dk1"/>
+          </a:fontRef>
+        </p:style>
+        <p:txBody>
+          <a:bodyPr spcFirstLastPara="1" wrap="square" lIns="91425" tIns="91425" rIns="91425" bIns="91425" anchor="t" anchorCtr="0">
+            <a:noAutofit/>
+          </a:bodyPr>
+          <a:lstStyle/>
+          <a:p>
+            <a:pPr marL="0" lvl="0" indent="0">
+              <a:buNone/>
+            </a:pPr>
+            <a:r>
+              <a:rPr lang="en-GB" sz="2800" dirty="0">
+                <a:solidFill>
+                  <a:srgbClr val="0091EA"/>
+                </a:solidFill>
+              </a:rPr>
+              <a:t>Univariate 3-step Forecasting (a quick example)</a:t>
+            </a:r>
+          </a:p>
+        </p:txBody>
+      </p:sp>
+      <p:sp>
+        <p:nvSpPr>
+          <p:cNvPr id="17" name="Rectangle 16"/>
+          <p:cNvSpPr/>
+          <p:nvPr/>
+        </p:nvSpPr>
+        <p:spPr>
+          <a:xfrm>
+            <a:off x="449942" y="-790628"/>
+            <a:ext cx="4496131" cy="1944914"/>
+          </a:xfrm>
+          <a:prstGeom prst="rect">
+            <a:avLst/>
+          </a:prstGeom>
+          <a:noFill/>
+          <a:ln w="9525" cap="flat" cmpd="sng" algn="ctr">
+            <a:solidFill>
+              <a:schemeClr val="accent1"/>
+            </a:solidFill>
+            <a:prstDash val="solid"/>
+            <a:round/>
+            <a:headEnd type="none" w="med" len="med"/>
+            <a:tailEnd type="none" w="med" len="med"/>
+          </a:ln>
+        </p:spPr>
+        <p:style>
+          <a:lnRef idx="0">
+            <a:scrgbClr r="0" g="0" b="0"/>
+          </a:lnRef>
+          <a:fillRef idx="0">
+            <a:scrgbClr r="0" g="0" b="0"/>
+          </a:fillRef>
+          <a:effectRef idx="0">
+            <a:scrgbClr r="0" g="0" b="0"/>
+          </a:effectRef>
+          <a:fontRef idx="minor">
+            <a:schemeClr val="accent1"/>
+          </a:fontRef>
+        </p:style>
+        <p:txBody>
+          <a:bodyPr rtlCol="0" anchor="b"/>
+          <a:lstStyle/>
+          <a:p>
+            <a:pPr algn="ctr"/>
+            <a:r>
+              <a:rPr lang="en-US" sz="3200" b="1" dirty="0">
+                <a:solidFill>
+                  <a:srgbClr val="0091EA"/>
+                </a:solidFill>
+                <a:latin typeface="Roboto Slab"/>
+              </a:rPr>
+              <a:t>Current Progress: Achieved</a:t>
+            </a:r>
+            <a:endParaRPr lang="en-GB" sz="3200" dirty="0"/>
+          </a:p>
+        </p:txBody>
+      </p:sp>
+      <p:sp>
+        <p:nvSpPr>
+          <p:cNvPr id="7" name="Rectangle 6">
+            <a:extLst>
+              <a:ext uri="{FF2B5EF4-FFF2-40B4-BE49-F238E27FC236}">
+                <a16:creationId xmlns:a16="http://schemas.microsoft.com/office/drawing/2014/main" id="{B110BA66-323F-4557-8FEA-C92666DD4FF7}"/>
+              </a:ext>
+            </a:extLst>
+          </p:cNvPr>
+          <p:cNvSpPr/>
+          <p:nvPr/>
+        </p:nvSpPr>
+        <p:spPr>
+          <a:xfrm>
+            <a:off x="850037" y="5859379"/>
+            <a:ext cx="7443926" cy="830997"/>
+          </a:xfrm>
+          <a:prstGeom prst="rect">
+            <a:avLst/>
+          </a:prstGeom>
+        </p:spPr>
+        <p:txBody>
+          <a:bodyPr wrap="square">
+            <a:spAutoFit/>
+          </a:bodyPr>
+          <a:lstStyle/>
+          <a:p>
+            <a:pPr marL="342900" indent="-342900" fontAlgn="base">
+              <a:buFont typeface="+mj-lt"/>
+              <a:buAutoNum type="arabicPeriod"/>
+            </a:pPr>
+            <a:r>
+              <a:rPr lang="fr-FR" sz="1600" dirty="0">
+                <a:latin typeface="Source Sans Pro" panose="020B0503030403020204" pitchFamily="34" charset="0"/>
+                <a:ea typeface="Source Sans Pro" panose="020B0503030403020204" pitchFamily="34" charset="0"/>
+              </a:rPr>
+              <a:t>RMSE:  	t+1:  5.095,  t+2:  4.266,  t+3:  6.202   </a:t>
+            </a:r>
+            <a:r>
+              <a:rPr lang="en-GB" sz="1600" dirty="0">
+                <a:latin typeface="Source Sans Pro" panose="020B0503030403020204" pitchFamily="34" charset="0"/>
+                <a:ea typeface="Source Sans Pro" panose="020B0503030403020204" pitchFamily="34" charset="0"/>
+              </a:rPr>
+              <a:t>US dollar </a:t>
+            </a:r>
+          </a:p>
+          <a:p>
+            <a:pPr marL="342900" indent="-342900" fontAlgn="base">
+              <a:buFont typeface="+mj-lt"/>
+              <a:buAutoNum type="arabicPeriod"/>
+            </a:pPr>
+            <a:r>
+              <a:rPr lang="en-GB" sz="1600" dirty="0">
+                <a:latin typeface="Source Sans Pro" panose="020B0503030403020204" pitchFamily="34" charset="0"/>
+                <a:ea typeface="Source Sans Pro" panose="020B0503030403020204" pitchFamily="34" charset="0"/>
+              </a:rPr>
+              <a:t>Trend Score:          t+1: 31.5%,  t+2:  31.5%  ,  t+3: 42.1%</a:t>
+            </a:r>
+          </a:p>
+          <a:p>
+            <a:pPr marL="342900" indent="-342900" fontAlgn="base">
+              <a:buFont typeface="+mj-lt"/>
+              <a:buAutoNum type="arabicPeriod"/>
+            </a:pPr>
+            <a:r>
+              <a:rPr lang="en-GB" sz="1600" dirty="0">
+                <a:latin typeface="Source Sans Pro" panose="020B0503030403020204" pitchFamily="34" charset="0"/>
+                <a:ea typeface="Source Sans Pro" panose="020B0503030403020204" pitchFamily="34" charset="0"/>
+              </a:rPr>
+              <a:t>Took 72 second to train!</a:t>
+            </a:r>
+          </a:p>
+        </p:txBody>
+      </p:sp>
+      <p:pic>
+        <p:nvPicPr>
+          <p:cNvPr id="5122" name="Picture 2">
+            <a:extLst>
+              <a:ext uri="{FF2B5EF4-FFF2-40B4-BE49-F238E27FC236}">
+                <a16:creationId xmlns:a16="http://schemas.microsoft.com/office/drawing/2014/main" id="{CB195A27-1905-4A34-93C0-81DC687B24C8}"/>
+              </a:ext>
+            </a:extLst>
+          </p:cNvPr>
+          <p:cNvPicPr>
+            <a:picLocks noChangeAspect="1" noChangeArrowheads="1"/>
+          </p:cNvPicPr>
+          <p:nvPr/>
+        </p:nvPicPr>
+        <p:blipFill>
+          <a:blip r:embed="rId3">
+            <a:extLst>
+              <a:ext uri="{28A0092B-C50C-407E-A947-70E740481C1C}">
+                <a14:useLocalDpi xmlns:a14="http://schemas.microsoft.com/office/drawing/2010/main" val="0"/>
+              </a:ext>
+            </a:extLst>
+          </a:blip>
+          <a:srcRect/>
+          <a:stretch>
+            <a:fillRect/>
+          </a:stretch>
+        </p:blipFill>
+        <p:spPr bwMode="auto">
+          <a:xfrm>
+            <a:off x="449942" y="1778596"/>
+            <a:ext cx="7635280" cy="4080783"/>
+          </a:xfrm>
+          <a:prstGeom prst="rect">
+            <a:avLst/>
+          </a:prstGeom>
+          <a:noFill/>
+          <a:extLst>
+            <a:ext uri="{909E8E84-426E-40DD-AFC4-6F175D3DCCD1}">
+              <a14:hiddenFill xmlns:a14="http://schemas.microsoft.com/office/drawing/2010/main">
+                <a:solidFill>
+                  <a:srgbClr val="FFFFFF"/>
+                </a:solidFill>
+              </a14:hiddenFill>
+            </a:ext>
+          </a:extLst>
+        </p:spPr>
+      </p:pic>
+      <p:sp>
+        <p:nvSpPr>
+          <p:cNvPr id="2" name="Rectangle 3">
+            <a:extLst>
+              <a:ext uri="{FF2B5EF4-FFF2-40B4-BE49-F238E27FC236}">
+                <a16:creationId xmlns:a16="http://schemas.microsoft.com/office/drawing/2014/main" id="{FF628130-C000-4674-B6C1-19DC9A941D11}"/>
+              </a:ext>
+            </a:extLst>
+          </p:cNvPr>
+          <p:cNvSpPr>
+            <a:spLocks noChangeArrowheads="1"/>
+          </p:cNvSpPr>
+          <p:nvPr/>
+        </p:nvSpPr>
+        <p:spPr bwMode="auto">
+          <a:xfrm>
+            <a:off x="0" y="90100"/>
+            <a:ext cx="65" cy="276999"/>
+          </a:xfrm>
+          <a:prstGeom prst="rect">
+            <a:avLst/>
+          </a:prstGeom>
+          <a:noFill/>
+          <a:ln>
+            <a:noFill/>
+          </a:ln>
+          <a:effectLst/>
+          <a:extLst>
+            <a:ext uri="{909E8E84-426E-40DD-AFC4-6F175D3DCCD1}">
+              <a14:hiddenFill xmlns:a14="http://schemas.microsoft.com/office/drawing/2010/main">
+                <a:solidFill>
+                  <a:schemeClr val="accent1"/>
+                </a:solidFill>
+              </a14:hiddenFill>
+            </a:ext>
+            <a:ext uri="{91240B29-F687-4F45-9708-019B960494DF}">
+              <a14:hiddenLine xmlns:a14="http://schemas.microsoft.com/office/drawing/2010/main" w="9525">
+                <a:solidFill>
+                  <a:schemeClr val="tx1"/>
+                </a:solidFill>
+                <a:miter lim="800000"/>
+                <a:headEnd/>
+                <a:tailEnd/>
+              </a14:hiddenLine>
+            </a:ext>
+            <a:ext uri="{AF507438-7753-43E0-B8FC-AC1667EBCBE1}">
+              <a14:hiddenEffects xmlns:a14="http://schemas.microsoft.com/office/drawing/2010/main">
+                <a:effectLst>
+                  <a:outerShdw dist="35921" dir="2700000" algn="ctr" rotWithShape="0">
+                    <a:schemeClr val="bg2"/>
+                  </a:outerShdw>
+                </a:effectLst>
+              </a14:hiddenEffects>
+            </a:ext>
+          </a:extLst>
+        </p:spPr>
+        <p:txBody>
+          <a:bodyPr vert="horz" wrap="none" lIns="0" tIns="0" rIns="0" bIns="0" numCol="1" anchor="ctr" anchorCtr="0" compatLnSpc="1">
+            <a:prstTxWarp prst="textNoShape">
+              <a:avLst/>
+            </a:prstTxWarp>
+            <a:spAutoFit/>
+          </a:bodyPr>
+          <a:lstStyle/>
+          <a:p>
+            <a:pPr marL="0" marR="0" lvl="0" indent="0" algn="l" defTabSz="914400" rtl="0" eaLnBrk="0" fontAlgn="base" latinLnBrk="0" hangingPunct="0">
+              <a:lnSpc>
+                <a:spcPct val="100000"/>
+              </a:lnSpc>
+              <a:spcBef>
+                <a:spcPct val="0"/>
+              </a:spcBef>
+              <a:spcAft>
+                <a:spcPct val="0"/>
+              </a:spcAft>
+              <a:buClrTx/>
+              <a:buSzTx/>
+              <a:buFontTx/>
+              <a:buNone/>
+              <a:tabLst/>
+            </a:pPr>
+            <a:endParaRPr kumimoji="0" lang="en-US" altLang="en-US" sz="1800" b="0" i="0" u="none" strike="noStrike" cap="none" normalizeH="0" baseline="0" dirty="0">
+              <a:ln>
+                <a:noFill/>
+              </a:ln>
+              <a:solidFill>
+                <a:schemeClr val="tx1"/>
+              </a:solidFill>
+              <a:effectLst/>
+              <a:latin typeface="Arial" panose="020B0604020202020204" pitchFamily="34" charset="0"/>
+            </a:endParaRPr>
+          </a:p>
+        </p:txBody>
+      </p:sp>
+    </p:spTree>
+    <p:extLst>
+      <p:ext uri="{BB962C8B-B14F-4D97-AF65-F5344CB8AC3E}">
+        <p14:creationId xmlns:p14="http://schemas.microsoft.com/office/powerpoint/2010/main" val="2162310513"/>
+      </p:ext>
+    </p:extLst>
+  </p:cSld>
+  <p:clrMapOvr>
+    <a:masterClrMapping/>
+  </p:clrMapOvr>
+  <p:timing>
+    <p:tnLst>
+      <p:par>
+        <p:cTn id="1" dur="indefinite" restart="never" nodeType="tmRoot">
+          <p:childTnLst>
+            <p:seq concurrent="1" nextAc="seek">
+              <p:cTn id="2" dur="indefinite" nodeType="mainSeq">
+                <p:childTnLst>
+                  <p:par>
+                    <p:cTn id="3" fill="hold">
+                      <p:stCondLst>
+                        <p:cond delay="indefinite"/>
+                        <p:cond evt="onBegin" delay="0">
+                          <p:tn val="2"/>
+                        </p:cond>
+                      </p:stCondLst>
+                      <p:childTnLst>
+                        <p:par>
+                          <p:cTn id="4" fill="hold">
+                            <p:stCondLst>
+                              <p:cond delay="0"/>
+                            </p:stCondLst>
+                            <p:childTnLst>
+                              <p:par>
+                                <p:cTn id="5" presetID="10" presetClass="entr" presetSubtype="0" fill="hold" grpId="0" nodeType="withEffect">
+                                  <p:stCondLst>
+                                    <p:cond delay="0"/>
+                                  </p:stCondLst>
+                                  <p:childTnLst>
+                                    <p:set>
+                                      <p:cBhvr>
+                                        <p:cTn id="6" dur="1" fill="hold">
+                                          <p:stCondLst>
+                                            <p:cond delay="0"/>
+                                          </p:stCondLst>
+                                        </p:cTn>
+                                        <p:tgtEl>
+                                          <p:spTgt spid="17"/>
+                                        </p:tgtEl>
+                                        <p:attrNameLst>
+                                          <p:attrName>style.visibility</p:attrName>
+                                        </p:attrNameLst>
+                                      </p:cBhvr>
+                                      <p:to>
+                                        <p:strVal val="visible"/>
+                                      </p:to>
+                                    </p:set>
+                                    <p:animEffect transition="in" filter="fade">
+                                      <p:cBhvr>
+                                        <p:cTn id="7" dur="500"/>
+                                        <p:tgtEl>
+                                          <p:spTgt spid="17"/>
+                                        </p:tgtEl>
+                                      </p:cBhvr>
+                                    </p:animEffect>
+                                  </p:childTnLst>
+                                </p:cTn>
+                              </p:par>
+                            </p:childTnLst>
+                          </p:cTn>
+                        </p:par>
+                        <p:par>
+                          <p:cTn id="8" fill="hold">
+                            <p:stCondLst>
+                              <p:cond delay="500"/>
+                            </p:stCondLst>
+                            <p:childTnLst>
+                              <p:par>
+                                <p:cTn id="9" presetID="10" presetClass="entr" presetSubtype="0" fill="hold" grpId="0" nodeType="afterEffect">
+                                  <p:stCondLst>
+                                    <p:cond delay="0"/>
+                                  </p:stCondLst>
+                                  <p:childTnLst>
+                                    <p:set>
+                                      <p:cBhvr>
+                                        <p:cTn id="10" dur="1" fill="hold">
+                                          <p:stCondLst>
+                                            <p:cond delay="0"/>
+                                          </p:stCondLst>
+                                        </p:cTn>
+                                        <p:tgtEl>
+                                          <p:spTgt spid="14">
+                                            <p:txEl>
+                                              <p:pRg st="0" end="0"/>
+                                            </p:txEl>
+                                          </p:spTgt>
+                                        </p:tgtEl>
+                                        <p:attrNameLst>
+                                          <p:attrName>style.visibility</p:attrName>
+                                        </p:attrNameLst>
+                                      </p:cBhvr>
+                                      <p:to>
+                                        <p:strVal val="visible"/>
+                                      </p:to>
+                                    </p:set>
+                                    <p:animEffect transition="in" filter="fade">
+                                      <p:cBhvr>
+                                        <p:cTn id="11" dur="500"/>
+                                        <p:tgtEl>
+                                          <p:spTgt spid="14">
+                                            <p:txEl>
+                                              <p:pRg st="0" end="0"/>
+                                            </p:txEl>
+                                          </p:spTgt>
+                                        </p:tgtEl>
+                                      </p:cBhvr>
+                                    </p:animEffect>
+                                  </p:childTnLst>
+                                </p:cTn>
+                              </p:par>
+                            </p:childTnLst>
+                          </p:cTn>
+                        </p:par>
+                      </p:childTnLst>
+                    </p:cTn>
+                  </p:par>
+                </p:childTnLst>
+              </p:cTn>
+              <p:prevCondLst>
+                <p:cond evt="onPrev" delay="0">
+                  <p:tgtEl>
+                    <p:sldTgt/>
+                  </p:tgtEl>
+                </p:cond>
+              </p:prevCondLst>
+              <p:nextCondLst>
+                <p:cond evt="onNext" delay="0">
+                  <p:tgtEl>
+                    <p:sldTgt/>
+                  </p:tgtEl>
+                </p:cond>
+              </p:nextCondLst>
+            </p:seq>
+          </p:childTnLst>
+        </p:cTn>
+      </p:par>
+    </p:tnLst>
+    <p:bldLst>
+      <p:bldP spid="14" grpId="0" uiExpand="1" build="p"/>
+      <p:bldP spid="17" grpId="0" animBg="1"/>
+    </p:bldLst>
+  </p:timing>
+</p:sld>
+</file>
+
+<file path=ppt/slides/slide12.xml><?xml version="1.0" encoding="utf-8"?>
+<p:sld xmlns:a="http://schemas.openxmlformats.org/drawingml/2006/main" xmlns:r="http://schemas.openxmlformats.org/officeDocument/2006/relationships" xmlns:p="http://schemas.openxmlformats.org/presentationml/2006/main">
+  <p:cSld>
+    <p:spTree>
+      <p:nvGrpSpPr>
+        <p:cNvPr id="1" name="Shape 257"/>
+        <p:cNvGrpSpPr/>
+        <p:nvPr/>
+      </p:nvGrpSpPr>
+      <p:grpSpPr>
+        <a:xfrm>
+          <a:off x="0" y="0"/>
+          <a:ext cx="0" cy="0"/>
+          <a:chOff x="0" y="0"/>
+          <a:chExt cx="0" cy="0"/>
+        </a:xfrm>
+      </p:grpSpPr>
+      <p:sp>
+        <p:nvSpPr>
+          <p:cNvPr id="14" name="Google Shape;115;p19"/>
+          <p:cNvSpPr txBox="1">
+            <a:spLocks noGrp="1"/>
+          </p:cNvSpPr>
+          <p:nvPr>
+            <p:ph type="body" idx="1"/>
+          </p:nvPr>
+        </p:nvSpPr>
+        <p:spPr>
+          <a:xfrm>
+            <a:off x="449942" y="1154286"/>
+            <a:ext cx="8244116" cy="766007"/>
+          </a:xfrm>
+          <a:prstGeom prst="rect">
+            <a:avLst/>
+          </a:prstGeom>
+          <a:noFill/>
+          <a:ln>
+            <a:noFill/>
+          </a:ln>
+        </p:spPr>
+        <p:style>
+          <a:lnRef idx="0">
+            <a:scrgbClr r="0" g="0" b="0"/>
+          </a:lnRef>
+          <a:fillRef idx="0">
+            <a:scrgbClr r="0" g="0" b="0"/>
+          </a:fillRef>
+          <a:effectRef idx="0">
+            <a:scrgbClr r="0" g="0" b="0"/>
+          </a:effectRef>
+          <a:fontRef idx="minor">
+            <a:schemeClr val="dk1"/>
+          </a:fontRef>
+        </p:style>
+        <p:txBody>
+          <a:bodyPr spcFirstLastPara="1" wrap="square" lIns="91425" tIns="91425" rIns="91425" bIns="91425" anchor="t" anchorCtr="0">
+            <a:noAutofit/>
+          </a:bodyPr>
+          <a:lstStyle/>
+          <a:p>
+            <a:pPr marL="0" lvl="0" indent="0">
+              <a:buNone/>
+            </a:pPr>
+            <a:r>
+              <a:rPr lang="en-GB" sz="2800" dirty="0">
+                <a:solidFill>
+                  <a:srgbClr val="0091EA"/>
+                </a:solidFill>
+              </a:rPr>
+              <a:t>Univariate 3-step Forecasting (more training data)</a:t>
+            </a:r>
+          </a:p>
+        </p:txBody>
+      </p:sp>
+      <p:sp>
+        <p:nvSpPr>
+          <p:cNvPr id="17" name="Rectangle 16"/>
+          <p:cNvSpPr/>
+          <p:nvPr/>
+        </p:nvSpPr>
+        <p:spPr>
+          <a:xfrm>
+            <a:off x="449942" y="-790628"/>
+            <a:ext cx="4496131" cy="1944914"/>
+          </a:xfrm>
+          <a:prstGeom prst="rect">
+            <a:avLst/>
+          </a:prstGeom>
+          <a:noFill/>
+          <a:ln w="9525" cap="flat" cmpd="sng" algn="ctr">
+            <a:solidFill>
+              <a:schemeClr val="accent1"/>
+            </a:solidFill>
+            <a:prstDash val="solid"/>
+            <a:round/>
+            <a:headEnd type="none" w="med" len="med"/>
+            <a:tailEnd type="none" w="med" len="med"/>
+          </a:ln>
+        </p:spPr>
+        <p:style>
+          <a:lnRef idx="0">
+            <a:scrgbClr r="0" g="0" b="0"/>
+          </a:lnRef>
+          <a:fillRef idx="0">
+            <a:scrgbClr r="0" g="0" b="0"/>
+          </a:fillRef>
+          <a:effectRef idx="0">
+            <a:scrgbClr r="0" g="0" b="0"/>
+          </a:effectRef>
+          <a:fontRef idx="minor">
+            <a:schemeClr val="accent1"/>
+          </a:fontRef>
+        </p:style>
+        <p:txBody>
+          <a:bodyPr rtlCol="0" anchor="b"/>
+          <a:lstStyle/>
+          <a:p>
+            <a:pPr algn="ctr"/>
+            <a:r>
+              <a:rPr lang="en-US" sz="3200" b="1" dirty="0">
+                <a:solidFill>
+                  <a:srgbClr val="0091EA"/>
+                </a:solidFill>
+                <a:latin typeface="Roboto Slab"/>
+              </a:rPr>
+              <a:t>Current Progress: Achieved</a:t>
+            </a:r>
+            <a:endParaRPr lang="en-GB" sz="3200" dirty="0"/>
+          </a:p>
+        </p:txBody>
+      </p:sp>
+      <p:sp>
+        <p:nvSpPr>
+          <p:cNvPr id="7" name="Rectangle 6">
+            <a:extLst>
+              <a:ext uri="{FF2B5EF4-FFF2-40B4-BE49-F238E27FC236}">
+                <a16:creationId xmlns:a16="http://schemas.microsoft.com/office/drawing/2014/main" id="{B110BA66-323F-4557-8FEA-C92666DD4FF7}"/>
+              </a:ext>
+            </a:extLst>
+          </p:cNvPr>
+          <p:cNvSpPr/>
+          <p:nvPr/>
+        </p:nvSpPr>
+        <p:spPr>
+          <a:xfrm>
+            <a:off x="850037" y="5859379"/>
+            <a:ext cx="7443926" cy="830997"/>
+          </a:xfrm>
+          <a:prstGeom prst="rect">
+            <a:avLst/>
+          </a:prstGeom>
+        </p:spPr>
+        <p:txBody>
+          <a:bodyPr wrap="square">
+            <a:spAutoFit/>
+          </a:bodyPr>
+          <a:lstStyle/>
+          <a:p>
+            <a:pPr marL="342900" indent="-342900" fontAlgn="base">
+              <a:buFont typeface="+mj-lt"/>
+              <a:buAutoNum type="arabicPeriod"/>
+            </a:pPr>
+            <a:r>
+              <a:rPr lang="fr-FR" sz="1600" dirty="0">
+                <a:latin typeface="Source Sans Pro" panose="020B0503030403020204" pitchFamily="34" charset="0"/>
+                <a:ea typeface="Source Sans Pro" panose="020B0503030403020204" pitchFamily="34" charset="0"/>
+              </a:rPr>
+              <a:t>RMSE:  	t+1:  1.577,  t+2:  2.174,  t+3:  2.740   </a:t>
+            </a:r>
+            <a:r>
+              <a:rPr lang="en-GB" sz="1600" dirty="0">
+                <a:latin typeface="Source Sans Pro" panose="020B0503030403020204" pitchFamily="34" charset="0"/>
+                <a:ea typeface="Source Sans Pro" panose="020B0503030403020204" pitchFamily="34" charset="0"/>
+              </a:rPr>
+              <a:t>US dollar </a:t>
+            </a:r>
+          </a:p>
+          <a:p>
+            <a:pPr marL="342900" indent="-342900" fontAlgn="base">
+              <a:buFont typeface="+mj-lt"/>
+              <a:buAutoNum type="arabicPeriod"/>
+            </a:pPr>
+            <a:r>
+              <a:rPr lang="en-GB" sz="1600" dirty="0">
+                <a:latin typeface="Source Sans Pro" panose="020B0503030403020204" pitchFamily="34" charset="0"/>
+                <a:ea typeface="Source Sans Pro" panose="020B0503030403020204" pitchFamily="34" charset="0"/>
+              </a:rPr>
+              <a:t>Trend Score:          t+1: 48.6%,  t+2:  49.4% ,  t+3: 52.1%</a:t>
+            </a:r>
+          </a:p>
+          <a:p>
+            <a:pPr marL="342900" indent="-342900" fontAlgn="base">
+              <a:buFont typeface="+mj-lt"/>
+              <a:buAutoNum type="arabicPeriod"/>
+            </a:pPr>
+            <a:r>
+              <a:rPr lang="en-GB" sz="1600" dirty="0">
+                <a:latin typeface="Source Sans Pro" panose="020B0503030403020204" pitchFamily="34" charset="0"/>
+                <a:ea typeface="Source Sans Pro" panose="020B0503030403020204" pitchFamily="34" charset="0"/>
+              </a:rPr>
+              <a:t>Took 1 hour to train…</a:t>
+            </a:r>
+          </a:p>
+        </p:txBody>
+      </p:sp>
+      <p:sp>
+        <p:nvSpPr>
+          <p:cNvPr id="2" name="Rectangle 3">
+            <a:extLst>
+              <a:ext uri="{FF2B5EF4-FFF2-40B4-BE49-F238E27FC236}">
+                <a16:creationId xmlns:a16="http://schemas.microsoft.com/office/drawing/2014/main" id="{FF628130-C000-4674-B6C1-19DC9A941D11}"/>
+              </a:ext>
+            </a:extLst>
+          </p:cNvPr>
+          <p:cNvSpPr>
+            <a:spLocks noChangeArrowheads="1"/>
+          </p:cNvSpPr>
+          <p:nvPr/>
+        </p:nvSpPr>
+        <p:spPr bwMode="auto">
+          <a:xfrm>
+            <a:off x="0" y="90100"/>
+            <a:ext cx="65" cy="276999"/>
+          </a:xfrm>
+          <a:prstGeom prst="rect">
+            <a:avLst/>
+          </a:prstGeom>
+          <a:noFill/>
+          <a:ln>
+            <a:noFill/>
+          </a:ln>
+          <a:effectLst/>
+          <a:extLst>
+            <a:ext uri="{909E8E84-426E-40DD-AFC4-6F175D3DCCD1}">
+              <a14:hiddenFill xmlns:a14="http://schemas.microsoft.com/office/drawing/2010/main">
+                <a:solidFill>
+                  <a:schemeClr val="accent1"/>
+                </a:solidFill>
+              </a14:hiddenFill>
+            </a:ext>
+            <a:ext uri="{91240B29-F687-4F45-9708-019B960494DF}">
+              <a14:hiddenLine xmlns:a14="http://schemas.microsoft.com/office/drawing/2010/main" w="9525">
+                <a:solidFill>
+                  <a:schemeClr val="tx1"/>
+                </a:solidFill>
+                <a:miter lim="800000"/>
+                <a:headEnd/>
+                <a:tailEnd/>
+              </a14:hiddenLine>
+            </a:ext>
+            <a:ext uri="{AF507438-7753-43E0-B8FC-AC1667EBCBE1}">
+              <a14:hiddenEffects xmlns:a14="http://schemas.microsoft.com/office/drawing/2010/main">
+                <a:effectLst>
+                  <a:outerShdw dist="35921" dir="2700000" algn="ctr" rotWithShape="0">
+                    <a:schemeClr val="bg2"/>
+                  </a:outerShdw>
+                </a:effectLst>
+              </a14:hiddenEffects>
+            </a:ext>
+          </a:extLst>
+        </p:spPr>
+        <p:txBody>
+          <a:bodyPr vert="horz" wrap="none" lIns="0" tIns="0" rIns="0" bIns="0" numCol="1" anchor="ctr" anchorCtr="0" compatLnSpc="1">
+            <a:prstTxWarp prst="textNoShape">
+              <a:avLst/>
+            </a:prstTxWarp>
+            <a:spAutoFit/>
+          </a:bodyPr>
+          <a:lstStyle/>
+          <a:p>
+            <a:pPr marL="0" marR="0" lvl="0" indent="0" algn="l" defTabSz="914400" rtl="0" eaLnBrk="0" fontAlgn="base" latinLnBrk="0" hangingPunct="0">
+              <a:lnSpc>
+                <a:spcPct val="100000"/>
+              </a:lnSpc>
+              <a:spcBef>
+                <a:spcPct val="0"/>
+              </a:spcBef>
+              <a:spcAft>
+                <a:spcPct val="0"/>
+              </a:spcAft>
+              <a:buClrTx/>
+              <a:buSzTx/>
+              <a:buFontTx/>
+              <a:buNone/>
+              <a:tabLst/>
+            </a:pPr>
+            <a:endParaRPr kumimoji="0" lang="en-US" altLang="en-US" sz="1800" b="0" i="0" u="none" strike="noStrike" cap="none" normalizeH="0" baseline="0" dirty="0">
+              <a:ln>
+                <a:noFill/>
+              </a:ln>
+              <a:solidFill>
+                <a:schemeClr val="tx1"/>
+              </a:solidFill>
+              <a:effectLst/>
+              <a:latin typeface="Arial" panose="020B0604020202020204" pitchFamily="34" charset="0"/>
+            </a:endParaRPr>
+          </a:p>
+        </p:txBody>
+      </p:sp>
+      <p:pic>
+        <p:nvPicPr>
+          <p:cNvPr id="6146" name="Picture 2">
+            <a:extLst>
+              <a:ext uri="{FF2B5EF4-FFF2-40B4-BE49-F238E27FC236}">
+                <a16:creationId xmlns:a16="http://schemas.microsoft.com/office/drawing/2014/main" id="{44ACE156-ADBB-47D7-AEC5-64EFC2FBD978}"/>
+              </a:ext>
+            </a:extLst>
+          </p:cNvPr>
+          <p:cNvPicPr>
+            <a:picLocks noChangeAspect="1" noChangeArrowheads="1"/>
+          </p:cNvPicPr>
+          <p:nvPr/>
+        </p:nvPicPr>
+        <p:blipFill>
+          <a:blip r:embed="rId3">
+            <a:extLst>
+              <a:ext uri="{28A0092B-C50C-407E-A947-70E740481C1C}">
+                <a14:useLocalDpi xmlns:a14="http://schemas.microsoft.com/office/drawing/2010/main" val="0"/>
+              </a:ext>
+            </a:extLst>
+          </a:blip>
+          <a:srcRect/>
+          <a:stretch>
+            <a:fillRect/>
+          </a:stretch>
+        </p:blipFill>
+        <p:spPr bwMode="auto">
+          <a:xfrm>
+            <a:off x="449942" y="1775472"/>
+            <a:ext cx="7443926" cy="4179469"/>
+          </a:xfrm>
+          <a:prstGeom prst="rect">
+            <a:avLst/>
+          </a:prstGeom>
+          <a:noFill/>
+          <a:extLst>
+            <a:ext uri="{909E8E84-426E-40DD-AFC4-6F175D3DCCD1}">
+              <a14:hiddenFill xmlns:a14="http://schemas.microsoft.com/office/drawing/2010/main">
+                <a:solidFill>
+                  <a:srgbClr val="FFFFFF"/>
+                </a:solidFill>
+              </a14:hiddenFill>
+            </a:ext>
+          </a:extLst>
+        </p:spPr>
+      </p:pic>
+    </p:spTree>
+    <p:extLst>
+      <p:ext uri="{BB962C8B-B14F-4D97-AF65-F5344CB8AC3E}">
+        <p14:creationId xmlns:p14="http://schemas.microsoft.com/office/powerpoint/2010/main" val="2055219087"/>
+      </p:ext>
+    </p:extLst>
+  </p:cSld>
+  <p:clrMapOvr>
+    <a:masterClrMapping/>
+  </p:clrMapOvr>
+  <p:timing>
+    <p:tnLst>
+      <p:par>
+        <p:cTn id="1" dur="indefinite" restart="never" nodeType="tmRoot">
+          <p:childTnLst>
+            <p:seq concurrent="1" nextAc="seek">
+              <p:cTn id="2" dur="indefinite" nodeType="mainSeq">
+                <p:childTnLst>
+                  <p:par>
+                    <p:cTn id="3" fill="hold">
+                      <p:stCondLst>
+                        <p:cond delay="indefinite"/>
+                        <p:cond evt="onBegin" delay="0">
+                          <p:tn val="2"/>
+                        </p:cond>
+                      </p:stCondLst>
+                      <p:childTnLst>
+                        <p:par>
+                          <p:cTn id="4" fill="hold">
+                            <p:stCondLst>
+                              <p:cond delay="0"/>
+                            </p:stCondLst>
+                            <p:childTnLst>
+                              <p:par>
+                                <p:cTn id="5" presetID="10" presetClass="entr" presetSubtype="0" fill="hold" grpId="0" nodeType="withEffect">
+                                  <p:stCondLst>
+                                    <p:cond delay="0"/>
+                                  </p:stCondLst>
+                                  <p:childTnLst>
+                                    <p:set>
+                                      <p:cBhvr>
+                                        <p:cTn id="6" dur="1" fill="hold">
+                                          <p:stCondLst>
+                                            <p:cond delay="0"/>
+                                          </p:stCondLst>
+                                        </p:cTn>
+                                        <p:tgtEl>
+                                          <p:spTgt spid="17"/>
+                                        </p:tgtEl>
+                                        <p:attrNameLst>
+                                          <p:attrName>style.visibility</p:attrName>
+                                        </p:attrNameLst>
+                                      </p:cBhvr>
+                                      <p:to>
+                                        <p:strVal val="visible"/>
+                                      </p:to>
+                                    </p:set>
+                                    <p:animEffect transition="in" filter="fade">
+                                      <p:cBhvr>
+                                        <p:cTn id="7" dur="500"/>
+                                        <p:tgtEl>
+                                          <p:spTgt spid="17"/>
+                                        </p:tgtEl>
+                                      </p:cBhvr>
+                                    </p:animEffect>
+                                  </p:childTnLst>
+                                </p:cTn>
+                              </p:par>
+                            </p:childTnLst>
+                          </p:cTn>
+                        </p:par>
+                        <p:par>
+                          <p:cTn id="8" fill="hold">
+                            <p:stCondLst>
+                              <p:cond delay="500"/>
+                            </p:stCondLst>
+                            <p:childTnLst>
+                              <p:par>
+                                <p:cTn id="9" presetID="10" presetClass="entr" presetSubtype="0" fill="hold" grpId="0" nodeType="afterEffect">
+                                  <p:stCondLst>
+                                    <p:cond delay="0"/>
+                                  </p:stCondLst>
+                                  <p:childTnLst>
+                                    <p:set>
+                                      <p:cBhvr>
+                                        <p:cTn id="10" dur="1" fill="hold">
+                                          <p:stCondLst>
+                                            <p:cond delay="0"/>
+                                          </p:stCondLst>
+                                        </p:cTn>
+                                        <p:tgtEl>
+                                          <p:spTgt spid="14">
+                                            <p:txEl>
+                                              <p:pRg st="0" end="0"/>
+                                            </p:txEl>
+                                          </p:spTgt>
+                                        </p:tgtEl>
+                                        <p:attrNameLst>
+                                          <p:attrName>style.visibility</p:attrName>
+                                        </p:attrNameLst>
+                                      </p:cBhvr>
+                                      <p:to>
+                                        <p:strVal val="visible"/>
+                                      </p:to>
+                                    </p:set>
+                                    <p:animEffect transition="in" filter="fade">
+                                      <p:cBhvr>
+                                        <p:cTn id="11" dur="500"/>
+                                        <p:tgtEl>
+                                          <p:spTgt spid="14">
+                                            <p:txEl>
+                                              <p:pRg st="0" end="0"/>
+                                            </p:txEl>
+                                          </p:spTgt>
+                                        </p:tgtEl>
+                                      </p:cBhvr>
+                                    </p:animEffect>
+                                  </p:childTnLst>
+                                </p:cTn>
+                              </p:par>
+                            </p:childTnLst>
+                          </p:cTn>
+                        </p:par>
+                      </p:childTnLst>
+                    </p:cTn>
+                  </p:par>
+                </p:childTnLst>
+              </p:cTn>
+              <p:prevCondLst>
+                <p:cond evt="onPrev" delay="0">
+                  <p:tgtEl>
+                    <p:sldTgt/>
+                  </p:tgtEl>
+                </p:cond>
+              </p:prevCondLst>
+              <p:nextCondLst>
+                <p:cond evt="onNext" delay="0">
+                  <p:tgtEl>
+                    <p:sldTgt/>
+                  </p:tgtEl>
+                </p:cond>
+              </p:nextCondLst>
+            </p:seq>
+          </p:childTnLst>
+        </p:cTn>
+      </p:par>
+    </p:tnLst>
+    <p:bldLst>
+      <p:bldP spid="14" grpId="0" uiExpand="1" build="p"/>
+      <p:bldP spid="17" grpId="0" animBg="1"/>
+    </p:bldLst>
+  </p:timing>
+</p:sld>
+</file>
+
+<file path=ppt/slides/slide13.xml><?xml version="1.0" encoding="utf-8"?>
+<p:sld xmlns:a="http://schemas.openxmlformats.org/drawingml/2006/main" xmlns:r="http://schemas.openxmlformats.org/officeDocument/2006/relationships" xmlns:p="http://schemas.openxmlformats.org/presentationml/2006/main">
+  <p:cSld>
+    <p:spTree>
+      <p:nvGrpSpPr>
+        <p:cNvPr id="1" name="Shape 257"/>
+        <p:cNvGrpSpPr/>
+        <p:nvPr/>
+      </p:nvGrpSpPr>
+      <p:grpSpPr>
+        <a:xfrm>
+          <a:off x="0" y="0"/>
+          <a:ext cx="0" cy="0"/>
+          <a:chOff x="0" y="0"/>
+          <a:chExt cx="0" cy="0"/>
+        </a:xfrm>
+      </p:grpSpPr>
+      <p:sp>
+        <p:nvSpPr>
+          <p:cNvPr id="14" name="Google Shape;115;p19"/>
+          <p:cNvSpPr txBox="1">
+            <a:spLocks noGrp="1"/>
+          </p:cNvSpPr>
+          <p:nvPr>
+            <p:ph type="body" idx="1"/>
+          </p:nvPr>
+        </p:nvSpPr>
+        <p:spPr>
+          <a:xfrm>
+            <a:off x="449942" y="1325114"/>
+            <a:ext cx="8244116" cy="766007"/>
+          </a:xfrm>
+          <a:prstGeom prst="rect">
+            <a:avLst/>
+          </a:prstGeom>
+          <a:noFill/>
+          <a:ln>
+            <a:noFill/>
+          </a:ln>
+        </p:spPr>
+        <p:style>
+          <a:lnRef idx="0">
+            <a:scrgbClr r="0" g="0" b="0"/>
+          </a:lnRef>
+          <a:fillRef idx="0">
+            <a:scrgbClr r="0" g="0" b="0"/>
+          </a:fillRef>
+          <a:effectRef idx="0">
+            <a:scrgbClr r="0" g="0" b="0"/>
+          </a:effectRef>
+          <a:fontRef idx="minor">
+            <a:schemeClr val="dk1"/>
+          </a:fontRef>
+        </p:style>
+        <p:txBody>
+          <a:bodyPr spcFirstLastPara="1" wrap="square" lIns="91425" tIns="91425" rIns="91425" bIns="91425" anchor="t" anchorCtr="0">
+            <a:noAutofit/>
+          </a:bodyPr>
+          <a:lstStyle/>
+          <a:p>
+            <a:pPr marL="0" lvl="0" indent="0">
+              <a:buNone/>
+            </a:pPr>
+            <a:r>
+              <a:rPr lang="en-GB" sz="2800" dirty="0">
+                <a:solidFill>
+                  <a:srgbClr val="0091EA"/>
+                </a:solidFill>
+              </a:rPr>
+              <a:t>Evaluation</a:t>
+            </a:r>
+          </a:p>
+        </p:txBody>
+      </p:sp>
+      <p:sp>
+        <p:nvSpPr>
+          <p:cNvPr id="17" name="Rectangle 16"/>
+          <p:cNvSpPr/>
+          <p:nvPr/>
+        </p:nvSpPr>
+        <p:spPr>
+          <a:xfrm>
+            <a:off x="449942" y="-790628"/>
+            <a:ext cx="4496131" cy="1944914"/>
+          </a:xfrm>
+          <a:prstGeom prst="rect">
+            <a:avLst/>
+          </a:prstGeom>
+          <a:noFill/>
+          <a:ln w="9525" cap="flat" cmpd="sng" algn="ctr">
+            <a:solidFill>
+              <a:schemeClr val="accent1"/>
+            </a:solidFill>
+            <a:prstDash val="solid"/>
+            <a:round/>
+            <a:headEnd type="none" w="med" len="med"/>
+            <a:tailEnd type="none" w="med" len="med"/>
+          </a:ln>
+        </p:spPr>
+        <p:style>
+          <a:lnRef idx="0">
+            <a:scrgbClr r="0" g="0" b="0"/>
+          </a:lnRef>
+          <a:fillRef idx="0">
+            <a:scrgbClr r="0" g="0" b="0"/>
+          </a:fillRef>
+          <a:effectRef idx="0">
+            <a:scrgbClr r="0" g="0" b="0"/>
+          </a:effectRef>
+          <a:fontRef idx="minor">
+            <a:schemeClr val="accent1"/>
+          </a:fontRef>
+        </p:style>
+        <p:txBody>
+          <a:bodyPr rtlCol="0" anchor="b"/>
+          <a:lstStyle/>
+          <a:p>
+            <a:pPr algn="ctr"/>
+            <a:r>
+              <a:rPr lang="en-US" sz="3200" b="1" dirty="0">
+                <a:solidFill>
+                  <a:srgbClr val="0091EA"/>
+                </a:solidFill>
+                <a:latin typeface="Roboto Slab"/>
+              </a:rPr>
+              <a:t>Current Progress: Next Steps</a:t>
+            </a:r>
+            <a:endParaRPr lang="en-GB" sz="3200" dirty="0"/>
+          </a:p>
+        </p:txBody>
+      </p:sp>
+      <p:sp>
+        <p:nvSpPr>
+          <p:cNvPr id="2" name="TextBox 1">
+            <a:extLst>
+              <a:ext uri="{FF2B5EF4-FFF2-40B4-BE49-F238E27FC236}">
+                <a16:creationId xmlns:a16="http://schemas.microsoft.com/office/drawing/2014/main" id="{02F5F27B-5397-45D8-A1DA-A28D527FBDD4}"/>
+              </a:ext>
+            </a:extLst>
+          </p:cNvPr>
+          <p:cNvSpPr txBox="1"/>
+          <p:nvPr/>
+        </p:nvSpPr>
+        <p:spPr>
+          <a:xfrm>
+            <a:off x="772357" y="2074289"/>
+            <a:ext cx="5698996" cy="1477328"/>
+          </a:xfrm>
+          <a:prstGeom prst="rect">
+            <a:avLst/>
+          </a:prstGeom>
+          <a:noFill/>
+        </p:spPr>
+        <p:txBody>
+          <a:bodyPr wrap="none" rtlCol="0">
+            <a:spAutoFit/>
+          </a:bodyPr>
+          <a:lstStyle/>
+          <a:p>
+            <a:pPr marL="342900" indent="-342900" fontAlgn="base">
+              <a:buFont typeface="+mj-lt"/>
+              <a:buAutoNum type="arabicPeriod"/>
+            </a:pPr>
+            <a:r>
+              <a:rPr lang="en-GB" sz="1600" dirty="0">
+                <a:latin typeface="Source Sans Pro" panose="020B0503030403020204" pitchFamily="34" charset="0"/>
+                <a:ea typeface="Source Sans Pro" panose="020B0503030403020204" pitchFamily="34" charset="0"/>
+              </a:rPr>
+              <a:t>Compare to baseline models like Persistence Model Forecast</a:t>
+            </a:r>
+          </a:p>
+          <a:p>
+            <a:pPr marL="342900" indent="-342900" fontAlgn="base">
+              <a:buFont typeface="+mj-lt"/>
+              <a:buAutoNum type="arabicPeriod"/>
+            </a:pPr>
+            <a:r>
+              <a:rPr lang="en-GB" sz="1600" dirty="0">
+                <a:latin typeface="Source Sans Pro" panose="020B0503030403020204" pitchFamily="34" charset="0"/>
+                <a:ea typeface="Source Sans Pro" panose="020B0503030403020204" pitchFamily="34" charset="0"/>
+              </a:rPr>
+              <a:t>Training, validation, and testing set</a:t>
+            </a:r>
+          </a:p>
+          <a:p>
+            <a:pPr marL="342900" indent="-342900" fontAlgn="base">
+              <a:buFont typeface="+mj-lt"/>
+              <a:buAutoNum type="arabicPeriod"/>
+            </a:pPr>
+            <a:r>
+              <a:rPr lang="en-GB" sz="1600" dirty="0">
+                <a:latin typeface="Source Sans Pro" panose="020B0503030403020204" pitchFamily="34" charset="0"/>
+                <a:ea typeface="Source Sans Pro" panose="020B0503030403020204" pitchFamily="34" charset="0"/>
+              </a:rPr>
+              <a:t>Parameter optimisation </a:t>
+            </a:r>
+          </a:p>
+          <a:p>
+            <a:pPr marL="342900" indent="-342900" fontAlgn="base">
+              <a:buFont typeface="+mj-lt"/>
+              <a:buAutoNum type="arabicPeriod"/>
+            </a:pPr>
+            <a:endParaRPr lang="en-GB" dirty="0">
+              <a:latin typeface="Source Sans Pro" panose="020B0503030403020204" pitchFamily="34" charset="0"/>
+              <a:ea typeface="Source Sans Pro" panose="020B0503030403020204" pitchFamily="34" charset="0"/>
+            </a:endParaRPr>
+          </a:p>
+          <a:p>
+            <a:pPr fontAlgn="base"/>
+            <a:endParaRPr lang="en-GB" dirty="0">
+              <a:latin typeface="Source Sans Pro" panose="020B0503030403020204" pitchFamily="34" charset="0"/>
+              <a:ea typeface="Source Sans Pro" panose="020B0503030403020204" pitchFamily="34" charset="0"/>
+            </a:endParaRPr>
+          </a:p>
+          <a:p>
+            <a:pPr fontAlgn="base"/>
+            <a:endParaRPr lang="en-GB" dirty="0">
+              <a:latin typeface="Source Sans Pro" panose="020B0503030403020204" pitchFamily="34" charset="0"/>
+              <a:ea typeface="Source Sans Pro" panose="020B0503030403020204" pitchFamily="34" charset="0"/>
+            </a:endParaRPr>
+          </a:p>
+        </p:txBody>
+      </p:sp>
+      <p:sp>
+        <p:nvSpPr>
+          <p:cNvPr id="9" name="Rectangle 8">
+            <a:extLst>
+              <a:ext uri="{FF2B5EF4-FFF2-40B4-BE49-F238E27FC236}">
+                <a16:creationId xmlns:a16="http://schemas.microsoft.com/office/drawing/2014/main" id="{62DC7D65-7063-4899-A919-B72F9DD48024}"/>
+              </a:ext>
+            </a:extLst>
+          </p:cNvPr>
+          <p:cNvSpPr/>
+          <p:nvPr/>
+        </p:nvSpPr>
+        <p:spPr>
+          <a:xfrm>
+            <a:off x="772357" y="3874876"/>
+            <a:ext cx="7443926" cy="1077218"/>
+          </a:xfrm>
+          <a:prstGeom prst="rect">
+            <a:avLst/>
+          </a:prstGeom>
+        </p:spPr>
+        <p:txBody>
+          <a:bodyPr wrap="square">
+            <a:spAutoFit/>
+          </a:bodyPr>
+          <a:lstStyle/>
+          <a:p>
+            <a:pPr marL="342900" indent="-342900" fontAlgn="base">
+              <a:buFont typeface="+mj-lt"/>
+              <a:buAutoNum type="arabicPeriod"/>
+            </a:pPr>
+            <a:r>
+              <a:rPr lang="en-GB" sz="1600" dirty="0">
+                <a:latin typeface="Source Sans Pro" panose="020B0503030403020204" pitchFamily="34" charset="0"/>
+                <a:ea typeface="Source Sans Pro" panose="020B0503030403020204" pitchFamily="34" charset="0"/>
+              </a:rPr>
+              <a:t>Training data not only just include share price data but also other additional 52 indicators such as SMA, </a:t>
+            </a:r>
+          </a:p>
+          <a:p>
+            <a:pPr marL="342900" indent="-342900" fontAlgn="base">
+              <a:buFont typeface="+mj-lt"/>
+              <a:buAutoNum type="arabicPeriod"/>
+            </a:pPr>
+            <a:r>
+              <a:rPr lang="en-GB" sz="1600" dirty="0">
+                <a:latin typeface="Source Sans Pro" panose="020B0503030403020204" pitchFamily="34" charset="0"/>
+                <a:ea typeface="Source Sans Pro" panose="020B0503030403020204" pitchFamily="34" charset="0"/>
+              </a:rPr>
+              <a:t>Also not just price of the day prior but multiple steps prior</a:t>
+            </a:r>
+          </a:p>
+          <a:p>
+            <a:pPr marL="342900" indent="-342900" fontAlgn="base">
+              <a:buFont typeface="+mj-lt"/>
+              <a:buAutoNum type="arabicPeriod"/>
+            </a:pPr>
+            <a:endParaRPr lang="en-GB" sz="1600" dirty="0">
+              <a:latin typeface="Source Sans Pro" panose="020B0503030403020204" pitchFamily="34" charset="0"/>
+              <a:ea typeface="Source Sans Pro" panose="020B0503030403020204" pitchFamily="34" charset="0"/>
+            </a:endParaRPr>
+          </a:p>
+        </p:txBody>
+      </p:sp>
+      <p:sp>
+        <p:nvSpPr>
+          <p:cNvPr id="10" name="Google Shape;115;p19">
+            <a:extLst>
+              <a:ext uri="{FF2B5EF4-FFF2-40B4-BE49-F238E27FC236}">
+                <a16:creationId xmlns:a16="http://schemas.microsoft.com/office/drawing/2014/main" id="{BA5E5C99-3D29-4E2A-918E-F552533F3756}"/>
+              </a:ext>
+            </a:extLst>
+          </p:cNvPr>
+          <p:cNvSpPr txBox="1">
+            <a:spLocks/>
+          </p:cNvSpPr>
+          <p:nvPr/>
+        </p:nvSpPr>
+        <p:spPr>
+          <a:xfrm>
+            <a:off x="513565" y="3182379"/>
+            <a:ext cx="8244116" cy="766007"/>
+          </a:xfrm>
+          <a:prstGeom prst="rect">
+            <a:avLst/>
+          </a:prstGeom>
+        </p:spPr>
+        <p:style>
+          <a:lnRef idx="0">
+            <a:scrgbClr r="0" g="0" b="0"/>
+          </a:lnRef>
+          <a:fillRef idx="0">
+            <a:scrgbClr r="0" g="0" b="0"/>
+          </a:fillRef>
+          <a:effectRef idx="0">
+            <a:scrgbClr r="0" g="0" b="0"/>
+          </a:effectRef>
+          <a:fontRef idx="minor">
+            <a:schemeClr val="dk1"/>
+          </a:fontRef>
+        </p:style>
+        <p:txBody>
+          <a:bodyPr spcFirstLastPara="1" wrap="square" lIns="91425" tIns="91425" rIns="91425" bIns="91425" anchor="t" anchorCtr="0">
+            <a:noAutofit/>
+          </a:bodyPr>
+          <a:lstStyle>
+            <a:defPPr marR="0" lvl="0" algn="l" rtl="0">
+              <a:lnSpc>
+                <a:spcPct val="100000"/>
+              </a:lnSpc>
+              <a:spcBef>
+                <a:spcPts val="0"/>
+              </a:spcBef>
+              <a:spcAft>
+                <a:spcPts val="0"/>
+              </a:spcAft>
+            </a:defPPr>
+            <a:lvl1pPr marL="457200" marR="0" lvl="0" indent="-419100" algn="l" rtl="0">
+              <a:lnSpc>
+                <a:spcPct val="100000"/>
+              </a:lnSpc>
+              <a:spcBef>
+                <a:spcPts val="600"/>
+              </a:spcBef>
+              <a:spcAft>
+                <a:spcPts val="0"/>
+              </a:spcAft>
+              <a:buClr>
+                <a:srgbClr val="CFD8DC"/>
+              </a:buClr>
+              <a:buSzPts val="3000"/>
+              <a:buFont typeface="Source Sans Pro"/>
+              <a:buChar char="◎"/>
+              <a:defRPr sz="3000" b="0" i="0" u="none" strike="noStrike" cap="none">
+                <a:solidFill>
+                  <a:srgbClr val="263238"/>
+                </a:solidFill>
+                <a:latin typeface="Source Sans Pro"/>
+                <a:ea typeface="Source Sans Pro"/>
+                <a:cs typeface="Source Sans Pro"/>
+                <a:sym typeface="Source Sans Pro"/>
+              </a:defRPr>
+            </a:lvl1pPr>
+            <a:lvl2pPr marL="914400" marR="0" lvl="1" indent="-381000" algn="l" rtl="0">
+              <a:lnSpc>
+                <a:spcPct val="100000"/>
+              </a:lnSpc>
+              <a:spcBef>
+                <a:spcPts val="0"/>
+              </a:spcBef>
+              <a:spcAft>
+                <a:spcPts val="0"/>
+              </a:spcAft>
+              <a:buClr>
+                <a:srgbClr val="CFD8DC"/>
+              </a:buClr>
+              <a:buSzPts val="2400"/>
+              <a:buFont typeface="Source Sans Pro"/>
+              <a:buChar char="○"/>
+              <a:defRPr sz="2400" b="0" i="0" u="none" strike="noStrike" cap="none">
+                <a:solidFill>
+                  <a:srgbClr val="263238"/>
+                </a:solidFill>
+                <a:latin typeface="Source Sans Pro"/>
+                <a:ea typeface="Source Sans Pro"/>
+                <a:cs typeface="Source Sans Pro"/>
+                <a:sym typeface="Source Sans Pro"/>
+              </a:defRPr>
+            </a:lvl2pPr>
+            <a:lvl3pPr marL="1371600" marR="0" lvl="2" indent="-381000" algn="l" rtl="0">
+              <a:lnSpc>
+                <a:spcPct val="100000"/>
+              </a:lnSpc>
+              <a:spcBef>
+                <a:spcPts val="0"/>
+              </a:spcBef>
+              <a:spcAft>
+                <a:spcPts val="0"/>
+              </a:spcAft>
+              <a:buClr>
+                <a:srgbClr val="CFD8DC"/>
+              </a:buClr>
+              <a:buSzPts val="2400"/>
+              <a:buFont typeface="Source Sans Pro"/>
+              <a:buChar char="◉"/>
+              <a:defRPr sz="2400" b="0" i="0" u="none" strike="noStrike" cap="none">
+                <a:solidFill>
+                  <a:srgbClr val="263238"/>
+                </a:solidFill>
+                <a:latin typeface="Source Sans Pro"/>
+                <a:ea typeface="Source Sans Pro"/>
+                <a:cs typeface="Source Sans Pro"/>
+                <a:sym typeface="Source Sans Pro"/>
+              </a:defRPr>
+            </a:lvl3pPr>
+            <a:lvl4pPr marL="1828800" marR="0" lvl="3" indent="-342900" algn="l" rtl="0">
+              <a:lnSpc>
+                <a:spcPct val="100000"/>
+              </a:lnSpc>
+              <a:spcBef>
+                <a:spcPts val="0"/>
+              </a:spcBef>
+              <a:spcAft>
+                <a:spcPts val="0"/>
+              </a:spcAft>
+              <a:buClr>
+                <a:srgbClr val="CFD8DC"/>
+              </a:buClr>
+              <a:buSzPts val="1800"/>
+              <a:buFont typeface="Source Sans Pro"/>
+              <a:buChar char="●"/>
+              <a:defRPr sz="1800" b="0" i="0" u="none" strike="noStrike" cap="none">
+                <a:solidFill>
+                  <a:srgbClr val="263238"/>
+                </a:solidFill>
+                <a:latin typeface="Source Sans Pro"/>
+                <a:ea typeface="Source Sans Pro"/>
+                <a:cs typeface="Source Sans Pro"/>
+                <a:sym typeface="Source Sans Pro"/>
+              </a:defRPr>
+            </a:lvl4pPr>
+            <a:lvl5pPr marL="2286000" marR="0" lvl="4" indent="-342900" algn="l" rtl="0">
+              <a:lnSpc>
+                <a:spcPct val="100000"/>
+              </a:lnSpc>
+              <a:spcBef>
+                <a:spcPts val="0"/>
+              </a:spcBef>
+              <a:spcAft>
+                <a:spcPts val="0"/>
+              </a:spcAft>
+              <a:buClr>
+                <a:srgbClr val="CFD8DC"/>
+              </a:buClr>
+              <a:buSzPts val="1800"/>
+              <a:buFont typeface="Source Sans Pro"/>
+              <a:buChar char="○"/>
+              <a:defRPr sz="1800" b="0" i="0" u="none" strike="noStrike" cap="none">
+                <a:solidFill>
+                  <a:srgbClr val="263238"/>
+                </a:solidFill>
+                <a:latin typeface="Source Sans Pro"/>
+                <a:ea typeface="Source Sans Pro"/>
+                <a:cs typeface="Source Sans Pro"/>
+                <a:sym typeface="Source Sans Pro"/>
+              </a:defRPr>
+            </a:lvl5pPr>
+            <a:lvl6pPr marL="2743200" marR="0" lvl="5" indent="-342900" algn="l" rtl="0">
+              <a:lnSpc>
+                <a:spcPct val="100000"/>
+              </a:lnSpc>
+              <a:spcBef>
+                <a:spcPts val="0"/>
+              </a:spcBef>
+              <a:spcAft>
+                <a:spcPts val="0"/>
+              </a:spcAft>
+              <a:buClr>
+                <a:srgbClr val="CFD8DC"/>
+              </a:buClr>
+              <a:buSzPts val="1800"/>
+              <a:buFont typeface="Source Sans Pro"/>
+              <a:buChar char="■"/>
+              <a:defRPr sz="1800" b="0" i="0" u="none" strike="noStrike" cap="none">
+                <a:solidFill>
+                  <a:srgbClr val="263238"/>
+                </a:solidFill>
+                <a:latin typeface="Source Sans Pro"/>
+                <a:ea typeface="Source Sans Pro"/>
+                <a:cs typeface="Source Sans Pro"/>
+                <a:sym typeface="Source Sans Pro"/>
+              </a:defRPr>
+            </a:lvl6pPr>
+            <a:lvl7pPr marL="3200400" marR="0" lvl="6" indent="-342900" algn="l" rtl="0">
+              <a:lnSpc>
+                <a:spcPct val="100000"/>
+              </a:lnSpc>
+              <a:spcBef>
+                <a:spcPts val="0"/>
+              </a:spcBef>
+              <a:spcAft>
+                <a:spcPts val="0"/>
+              </a:spcAft>
+              <a:buClr>
+                <a:srgbClr val="CFD8DC"/>
+              </a:buClr>
+              <a:buSzPts val="1800"/>
+              <a:buFont typeface="Source Sans Pro"/>
+              <a:buChar char="●"/>
+              <a:defRPr sz="1800" b="0" i="0" u="none" strike="noStrike" cap="none">
+                <a:solidFill>
+                  <a:srgbClr val="263238"/>
+                </a:solidFill>
+                <a:latin typeface="Source Sans Pro"/>
+                <a:ea typeface="Source Sans Pro"/>
+                <a:cs typeface="Source Sans Pro"/>
+                <a:sym typeface="Source Sans Pro"/>
+              </a:defRPr>
+            </a:lvl7pPr>
+            <a:lvl8pPr marL="3657600" marR="0" lvl="7" indent="-342900" algn="l" rtl="0">
+              <a:lnSpc>
+                <a:spcPct val="100000"/>
+              </a:lnSpc>
+              <a:spcBef>
+                <a:spcPts val="0"/>
+              </a:spcBef>
+              <a:spcAft>
+                <a:spcPts val="0"/>
+              </a:spcAft>
+              <a:buClr>
+                <a:srgbClr val="CFD8DC"/>
+              </a:buClr>
+              <a:buSzPts val="1800"/>
+              <a:buFont typeface="Source Sans Pro"/>
+              <a:buChar char="○"/>
+              <a:defRPr sz="1800" b="0" i="0" u="none" strike="noStrike" cap="none">
+                <a:solidFill>
+                  <a:srgbClr val="263238"/>
+                </a:solidFill>
+                <a:latin typeface="Source Sans Pro"/>
+                <a:ea typeface="Source Sans Pro"/>
+                <a:cs typeface="Source Sans Pro"/>
+                <a:sym typeface="Source Sans Pro"/>
+              </a:defRPr>
+            </a:lvl8pPr>
+            <a:lvl9pPr marL="4114800" marR="0" lvl="8" indent="-342900" algn="l" rtl="0">
+              <a:lnSpc>
+                <a:spcPct val="100000"/>
+              </a:lnSpc>
+              <a:spcBef>
+                <a:spcPts val="0"/>
+              </a:spcBef>
+              <a:spcAft>
+                <a:spcPts val="0"/>
+              </a:spcAft>
+              <a:buClr>
+                <a:srgbClr val="CFD8DC"/>
+              </a:buClr>
+              <a:buSzPts val="1800"/>
+              <a:buFont typeface="Source Sans Pro"/>
+              <a:buChar char="■"/>
+              <a:defRPr sz="1800" b="0" i="0" u="none" strike="noStrike" cap="none">
+                <a:solidFill>
+                  <a:srgbClr val="263238"/>
+                </a:solidFill>
+                <a:latin typeface="Source Sans Pro"/>
+                <a:ea typeface="Source Sans Pro"/>
+                <a:cs typeface="Source Sans Pro"/>
+                <a:sym typeface="Source Sans Pro"/>
+              </a:defRPr>
+            </a:lvl9pPr>
+          </a:lstStyle>
+          <a:p>
+            <a:pPr marL="0" indent="0">
+              <a:buNone/>
+            </a:pPr>
+            <a:r>
+              <a:rPr lang="en-GB" sz="2800" dirty="0">
+                <a:solidFill>
+                  <a:srgbClr val="0091EA"/>
+                </a:solidFill>
+              </a:rPr>
+              <a:t>Multivariate One-step and Multi-step forecasting </a:t>
+            </a:r>
+          </a:p>
+        </p:txBody>
+      </p:sp>
+    </p:spTree>
+    <p:extLst>
+      <p:ext uri="{BB962C8B-B14F-4D97-AF65-F5344CB8AC3E}">
+        <p14:creationId xmlns:p14="http://schemas.microsoft.com/office/powerpoint/2010/main" val="1779902272"/>
+      </p:ext>
+    </p:extLst>
+  </p:cSld>
+  <p:clrMapOvr>
+    <a:masterClrMapping/>
+  </p:clrMapOvr>
+  <p:timing>
+    <p:tnLst>
+      <p:par>
+        <p:cTn id="1" dur="indefinite" restart="never" nodeType="tmRoot">
+          <p:childTnLst>
+            <p:seq concurrent="1" nextAc="seek">
+              <p:cTn id="2" dur="indefinite" nodeType="mainSeq">
+                <p:childTnLst>
+                  <p:par>
+                    <p:cTn id="3" fill="hold">
+                      <p:stCondLst>
+                        <p:cond delay="indefinite"/>
+                        <p:cond evt="onBegin" delay="0">
+                          <p:tn val="2"/>
+                        </p:cond>
+                      </p:stCondLst>
+                      <p:childTnLst>
+                        <p:par>
+                          <p:cTn id="4" fill="hold">
+                            <p:stCondLst>
+                              <p:cond delay="0"/>
+                            </p:stCondLst>
+                            <p:childTnLst>
+                              <p:par>
+                                <p:cTn id="5" presetID="10" presetClass="entr" presetSubtype="0" fill="hold" grpId="0" nodeType="withEffect">
+                                  <p:stCondLst>
+                                    <p:cond delay="0"/>
+                                  </p:stCondLst>
+                                  <p:childTnLst>
+                                    <p:set>
+                                      <p:cBhvr>
+                                        <p:cTn id="6" dur="1" fill="hold">
+                                          <p:stCondLst>
+                                            <p:cond delay="0"/>
+                                          </p:stCondLst>
+                                        </p:cTn>
+                                        <p:tgtEl>
+                                          <p:spTgt spid="17"/>
+                                        </p:tgtEl>
+                                        <p:attrNameLst>
+                                          <p:attrName>style.visibility</p:attrName>
+                                        </p:attrNameLst>
+                                      </p:cBhvr>
+                                      <p:to>
+                                        <p:strVal val="visible"/>
+                                      </p:to>
+                                    </p:set>
+                                    <p:animEffect transition="in" filter="fade">
+                                      <p:cBhvr>
+                                        <p:cTn id="7" dur="500"/>
+                                        <p:tgtEl>
+                                          <p:spTgt spid="17"/>
+                                        </p:tgtEl>
+                                      </p:cBhvr>
+                                    </p:animEffect>
+                                  </p:childTnLst>
+                                </p:cTn>
+                              </p:par>
+                            </p:childTnLst>
+                          </p:cTn>
+                        </p:par>
+                        <p:par>
+                          <p:cTn id="8" fill="hold">
+                            <p:stCondLst>
+                              <p:cond delay="500"/>
+                            </p:stCondLst>
+                            <p:childTnLst>
+                              <p:par>
+                                <p:cTn id="9" presetID="10" presetClass="entr" presetSubtype="0" fill="hold" grpId="0" nodeType="afterEffect">
+                                  <p:stCondLst>
+                                    <p:cond delay="0"/>
+                                  </p:stCondLst>
+                                  <p:childTnLst>
+                                    <p:set>
+                                      <p:cBhvr>
+                                        <p:cTn id="10" dur="1" fill="hold">
+                                          <p:stCondLst>
+                                            <p:cond delay="0"/>
+                                          </p:stCondLst>
+                                        </p:cTn>
+                                        <p:tgtEl>
+                                          <p:spTgt spid="14">
+                                            <p:txEl>
+                                              <p:pRg st="0" end="0"/>
+                                            </p:txEl>
+                                          </p:spTgt>
+                                        </p:tgtEl>
+                                        <p:attrNameLst>
+                                          <p:attrName>style.visibility</p:attrName>
+                                        </p:attrNameLst>
+                                      </p:cBhvr>
+                                      <p:to>
+                                        <p:strVal val="visible"/>
+                                      </p:to>
+                                    </p:set>
+                                    <p:animEffect transition="in" filter="fade">
+                                      <p:cBhvr>
+                                        <p:cTn id="11" dur="500"/>
+                                        <p:tgtEl>
+                                          <p:spTgt spid="14">
+                                            <p:txEl>
+                                              <p:pRg st="0" end="0"/>
+                                            </p:txEl>
+                                          </p:spTgt>
+                                        </p:tgtEl>
+                                      </p:cBhvr>
+                                    </p:animEffect>
+                                  </p:childTnLst>
+                                </p:cTn>
+                              </p:par>
+                            </p:childTnLst>
+                          </p:cTn>
+                        </p:par>
+                        <p:par>
+                          <p:cTn id="12" fill="hold">
+                            <p:stCondLst>
+                              <p:cond delay="1000"/>
+                            </p:stCondLst>
+                            <p:childTnLst>
+                              <p:par>
+                                <p:cTn id="13" presetID="10" presetClass="entr" presetSubtype="0" fill="hold" grpId="0" nodeType="afterEffect">
+                                  <p:stCondLst>
+                                    <p:cond delay="0"/>
+                                  </p:stCondLst>
+                                  <p:childTnLst>
+                                    <p:set>
+                                      <p:cBhvr>
+                                        <p:cTn id="14" dur="1" fill="hold">
+                                          <p:stCondLst>
+                                            <p:cond delay="0"/>
+                                          </p:stCondLst>
+                                        </p:cTn>
+                                        <p:tgtEl>
+                                          <p:spTgt spid="10">
+                                            <p:txEl>
+                                              <p:pRg st="0" end="0"/>
+                                            </p:txEl>
+                                          </p:spTgt>
+                                        </p:tgtEl>
+                                        <p:attrNameLst>
+                                          <p:attrName>style.visibility</p:attrName>
+                                        </p:attrNameLst>
+                                      </p:cBhvr>
+                                      <p:to>
+                                        <p:strVal val="visible"/>
+                                      </p:to>
+                                    </p:set>
+                                    <p:animEffect transition="in" filter="fade">
+                                      <p:cBhvr>
+                                        <p:cTn id="15" dur="500"/>
+                                        <p:tgtEl>
+                                          <p:spTgt spid="10">
+                                            <p:txEl>
+                                              <p:pRg st="0" end="0"/>
+                                            </p:txEl>
+                                          </p:spTgt>
+                                        </p:tgtEl>
+                                      </p:cBhvr>
+                                    </p:animEffect>
+                                  </p:childTnLst>
+                                </p:cTn>
+                              </p:par>
+                            </p:childTnLst>
+                          </p:cTn>
+                        </p:par>
+                      </p:childTnLst>
+                    </p:cTn>
+                  </p:par>
+                </p:childTnLst>
+              </p:cTn>
+              <p:prevCondLst>
+                <p:cond evt="onPrev" delay="0">
+                  <p:tgtEl>
+                    <p:sldTgt/>
+                  </p:tgtEl>
+                </p:cond>
+              </p:prevCondLst>
+              <p:nextCondLst>
+                <p:cond evt="onNext" delay="0">
+                  <p:tgtEl>
+                    <p:sldTgt/>
+                  </p:tgtEl>
+                </p:cond>
+              </p:nextCondLst>
+            </p:seq>
+          </p:childTnLst>
+        </p:cTn>
+      </p:par>
+    </p:tnLst>
+    <p:bldLst>
+      <p:bldP spid="14" grpId="0" uiExpand="1" build="p"/>
+      <p:bldP spid="17" grpId="0" animBg="1"/>
+      <p:bldP spid="10" grpId="0" uiExpand="1" build="p"/>
+    </p:bldLst>
+  </p:timing>
+</p:sld>
+</file>
+
+<file path=ppt/slides/slide14.xml><?xml version="1.0" encoding="utf-8"?>
+<p:sld xmlns:a="http://schemas.openxmlformats.org/drawingml/2006/main" xmlns:r="http://schemas.openxmlformats.org/officeDocument/2006/relationships" xmlns:p="http://schemas.openxmlformats.org/presentationml/2006/main">
+  <p:cSld>
+    <p:spTree>
+      <p:nvGrpSpPr>
+        <p:cNvPr id="1" name="Shape 257"/>
+        <p:cNvGrpSpPr/>
+        <p:nvPr/>
+      </p:nvGrpSpPr>
+      <p:grpSpPr>
+        <a:xfrm>
+          <a:off x="0" y="0"/>
+          <a:ext cx="0" cy="0"/>
+          <a:chOff x="0" y="0"/>
+          <a:chExt cx="0" cy="0"/>
+        </a:xfrm>
+      </p:grpSpPr>
+      <p:sp>
+        <p:nvSpPr>
           <p:cNvPr id="11" name="Rectangle 10"/>
           <p:cNvSpPr/>
           <p:nvPr/>
@@ -4400,7 +7128,7 @@
         </p:nvGrpSpPr>
         <p:grpSpPr>
           <a:xfrm>
-            <a:off x="871437" y="4992601"/>
+            <a:off x="871437" y="3510032"/>
             <a:ext cx="8186980" cy="721037"/>
             <a:chOff x="766520" y="2855107"/>
             <a:chExt cx="8186980" cy="721037"/>
@@ -4438,7 +7166,7 @@
               <p:cNvCxnSpPr/>
               <p:nvPr>
                 <p:custDataLst>
-                  <p:tags r:id="rId23"/>
+                  <p:tags r:id="rId25"/>
                 </p:custDataLst>
               </p:nvPr>
             </p:nvCxnSpPr>
@@ -4487,7 +7215,7 @@
               <p:cNvSpPr/>
               <p:nvPr>
                 <p:custDataLst>
-                  <p:tags r:id="rId24"/>
+                  <p:tags r:id="rId26"/>
                 </p:custDataLst>
               </p:nvPr>
             </p:nvSpPr>
@@ -4566,7 +7294,7 @@
               <p:cNvSpPr txBox="1"/>
               <p:nvPr>
                 <p:custDataLst>
-                  <p:tags r:id="rId25"/>
+                  <p:tags r:id="rId27"/>
                 </p:custDataLst>
               </p:nvPr>
             </p:nvSpPr>
@@ -4611,7 +7339,7 @@
               <p:cNvCxnSpPr/>
               <p:nvPr>
                 <p:custDataLst>
-                  <p:tags r:id="rId26"/>
+                  <p:tags r:id="rId28"/>
                 </p:custDataLst>
               </p:nvPr>
             </p:nvCxnSpPr>
@@ -4662,7 +7390,7 @@
               <p:cNvSpPr txBox="1"/>
               <p:nvPr>
                 <p:custDataLst>
-                  <p:tags r:id="rId27"/>
+                  <p:tags r:id="rId29"/>
                 </p:custDataLst>
               </p:nvPr>
             </p:nvSpPr>
@@ -4707,7 +7435,7 @@
               <p:cNvCxnSpPr/>
               <p:nvPr>
                 <p:custDataLst>
-                  <p:tags r:id="rId28"/>
+                  <p:tags r:id="rId30"/>
                 </p:custDataLst>
               </p:nvPr>
             </p:nvCxnSpPr>
@@ -4758,7 +7486,7 @@
               <p:cNvSpPr txBox="1"/>
               <p:nvPr>
                 <p:custDataLst>
-                  <p:tags r:id="rId29"/>
+                  <p:tags r:id="rId31"/>
                 </p:custDataLst>
               </p:nvPr>
             </p:nvSpPr>
@@ -4807,7 +7535,7 @@
               <p:cNvSpPr/>
               <p:nvPr>
                 <p:custDataLst>
-                  <p:tags r:id="rId30"/>
+                  <p:tags r:id="rId32"/>
                 </p:custDataLst>
               </p:nvPr>
             </p:nvSpPr>
@@ -4882,7 +7610,7 @@
             <p:cNvSpPr txBox="1"/>
             <p:nvPr>
               <p:custDataLst>
-                <p:tags r:id="rId21"/>
+                <p:tags r:id="rId23"/>
               </p:custDataLst>
             </p:nvPr>
           </p:nvSpPr>
@@ -4924,7 +7652,7 @@
             <p:cNvSpPr/>
             <p:nvPr>
               <p:custDataLst>
-                <p:tags r:id="rId22"/>
+                <p:tags r:id="rId24"/>
               </p:custDataLst>
             </p:nvPr>
           </p:nvSpPr>
@@ -5012,7 +7740,7 @@
         </p:nvGrpSpPr>
         <p:grpSpPr>
           <a:xfrm>
-            <a:off x="72194" y="3795628"/>
+            <a:off x="72194" y="2313059"/>
             <a:ext cx="3421380" cy="246221"/>
             <a:chOff x="53340" y="2561117"/>
             <a:chExt cx="3421380" cy="246221"/>
@@ -5032,7 +7760,7 @@
             </p:cNvCxnSpPr>
             <p:nvPr>
               <p:custDataLst>
-                <p:tags r:id="rId18"/>
+                <p:tags r:id="rId20"/>
               </p:custDataLst>
             </p:nvPr>
           </p:nvCxnSpPr>
@@ -5081,7 +7809,7 @@
             <p:cNvSpPr txBox="1"/>
             <p:nvPr>
               <p:custDataLst>
-                <p:tags r:id="rId19"/>
+                <p:tags r:id="rId21"/>
               </p:custDataLst>
             </p:nvPr>
           </p:nvSpPr>
@@ -5123,7 +7851,7 @@
             <p:cNvSpPr/>
             <p:nvPr>
               <p:custDataLst>
-                <p:tags r:id="rId20"/>
+                <p:tags r:id="rId22"/>
               </p:custDataLst>
             </p:nvPr>
           </p:nvSpPr>
@@ -5207,7 +7935,7 @@
         </p:nvGrpSpPr>
         <p:grpSpPr>
           <a:xfrm>
-            <a:off x="281323" y="4269720"/>
+            <a:off x="281323" y="2787151"/>
             <a:ext cx="6831751" cy="246221"/>
             <a:chOff x="262469" y="3036457"/>
             <a:chExt cx="6831751" cy="246221"/>
@@ -5227,7 +7955,7 @@
             </p:cNvCxnSpPr>
             <p:nvPr>
               <p:custDataLst>
-                <p:tags r:id="rId15"/>
+                <p:tags r:id="rId17"/>
               </p:custDataLst>
             </p:nvPr>
           </p:nvCxnSpPr>
@@ -5276,7 +8004,7 @@
             <p:cNvSpPr/>
             <p:nvPr>
               <p:custDataLst>
-                <p:tags r:id="rId16"/>
+                <p:tags r:id="rId18"/>
               </p:custDataLst>
             </p:nvPr>
           </p:nvSpPr>
@@ -5357,7 +8085,7 @@
             <p:cNvSpPr txBox="1"/>
             <p:nvPr>
               <p:custDataLst>
-                <p:tags r:id="rId17"/>
+                <p:tags r:id="rId19"/>
               </p:custDataLst>
             </p:nvPr>
           </p:nvSpPr>
@@ -5402,7 +8130,7 @@
         </p:nvGrpSpPr>
         <p:grpSpPr>
           <a:xfrm>
-            <a:off x="281323" y="4506766"/>
+            <a:off x="281323" y="3024197"/>
             <a:ext cx="5225837" cy="246221"/>
             <a:chOff x="262469" y="3265496"/>
             <a:chExt cx="5225837" cy="246221"/>
@@ -5423,7 +8151,7 @@
             </p:cNvCxnSpPr>
             <p:nvPr>
               <p:custDataLst>
-                <p:tags r:id="rId12"/>
+                <p:tags r:id="rId14"/>
               </p:custDataLst>
             </p:nvPr>
           </p:nvCxnSpPr>
@@ -5472,7 +8200,7 @@
             <p:cNvSpPr/>
             <p:nvPr>
               <p:custDataLst>
-                <p:tags r:id="rId13"/>
+                <p:tags r:id="rId15"/>
               </p:custDataLst>
             </p:nvPr>
           </p:nvSpPr>
@@ -5561,7 +8289,7 @@
             <p:cNvSpPr txBox="1"/>
             <p:nvPr>
               <p:custDataLst>
-                <p:tags r:id="rId14"/>
+                <p:tags r:id="rId16"/>
               </p:custDataLst>
             </p:nvPr>
           </p:nvSpPr>
@@ -5609,7 +8337,7 @@
         </p:nvGrpSpPr>
         <p:grpSpPr>
           <a:xfrm>
-            <a:off x="72194" y="3558582"/>
+            <a:off x="72194" y="2076013"/>
             <a:ext cx="2778760" cy="246221"/>
             <a:chOff x="53340" y="2323661"/>
             <a:chExt cx="2778760" cy="246221"/>
@@ -5627,7 +8355,7 @@
             <p:cNvSpPr txBox="1"/>
             <p:nvPr>
               <p:custDataLst>
-                <p:tags r:id="rId10"/>
+                <p:tags r:id="rId12"/>
               </p:custDataLst>
             </p:nvPr>
           </p:nvSpPr>
@@ -5669,7 +8397,7 @@
             <p:cNvSpPr/>
             <p:nvPr>
               <p:custDataLst>
-                <p:tags r:id="rId11"/>
+                <p:tags r:id="rId13"/>
               </p:custDataLst>
             </p:nvPr>
           </p:nvSpPr>
@@ -5754,10 +8482,10 @@
         </p:nvGrpSpPr>
         <p:grpSpPr>
           <a:xfrm>
-            <a:off x="72193" y="4743812"/>
-            <a:ext cx="7040881" cy="246221"/>
+            <a:off x="72193" y="3261243"/>
+            <a:ext cx="6583877" cy="246221"/>
             <a:chOff x="53339" y="3490054"/>
-            <a:chExt cx="7040881" cy="246221"/>
+            <a:chExt cx="6583877" cy="246221"/>
           </a:xfrm>
         </p:grpSpPr>
         <p:cxnSp>
@@ -5775,14 +8503,14 @@
             </p:cNvCxnSpPr>
             <p:nvPr>
               <p:custDataLst>
-                <p:tags r:id="rId7"/>
+                <p:tags r:id="rId9"/>
               </p:custDataLst>
             </p:nvPr>
           </p:nvCxnSpPr>
           <p:spPr>
             <a:xfrm>
               <a:off x="2124645" y="3613046"/>
-              <a:ext cx="3955431" cy="118"/>
+              <a:ext cx="3363661" cy="118"/>
             </a:xfrm>
             <a:prstGeom prst="line">
               <a:avLst/>
@@ -5824,7 +8552,7 @@
             <p:cNvSpPr txBox="1"/>
             <p:nvPr>
               <p:custDataLst>
-                <p:tags r:id="rId8"/>
+                <p:tags r:id="rId10"/>
               </p:custDataLst>
             </p:nvPr>
           </p:nvSpPr>
@@ -5869,14 +8597,14 @@
             <p:cNvSpPr/>
             <p:nvPr>
               <p:custDataLst>
-                <p:tags r:id="rId9"/>
+                <p:tags r:id="rId11"/>
               </p:custDataLst>
             </p:nvPr>
           </p:nvSpPr>
           <p:spPr>
             <a:xfrm>
-              <a:off x="6080076" y="3536856"/>
-              <a:ext cx="1014144" cy="152616"/>
+              <a:off x="5488306" y="3536856"/>
+              <a:ext cx="1148910" cy="152616"/>
             </a:xfrm>
             <a:prstGeom prst="snip2DiagRect">
               <a:avLst>
@@ -5933,7 +8661,7 @@
                   </a:solidFill>
                   <a:latin typeface="Calibri" panose="020F0502020204030204" pitchFamily="34" charset="0"/>
                 </a:rPr>
-                <a:t>Mar</a:t>
+                <a:t>Feb-Mar</a:t>
               </a:r>
             </a:p>
           </p:txBody>
@@ -5953,7 +8681,7 @@
         </p:nvGrpSpPr>
         <p:grpSpPr>
           <a:xfrm>
-            <a:off x="281322" y="4980859"/>
+            <a:off x="281322" y="3498290"/>
             <a:ext cx="7227539" cy="246221"/>
             <a:chOff x="262468" y="3723078"/>
             <a:chExt cx="7227539" cy="246221"/>
@@ -5974,7 +8702,7 @@
             </p:cNvCxnSpPr>
             <p:nvPr>
               <p:custDataLst>
-                <p:tags r:id="rId4"/>
+                <p:tags r:id="rId6"/>
               </p:custDataLst>
             </p:nvPr>
           </p:nvCxnSpPr>
@@ -6023,7 +8751,7 @@
             <p:cNvSpPr/>
             <p:nvPr>
               <p:custDataLst>
-                <p:tags r:id="rId5"/>
+                <p:tags r:id="rId7"/>
               </p:custDataLst>
             </p:nvPr>
           </p:nvSpPr>
@@ -6104,7 +8832,7 @@
             <p:cNvSpPr txBox="1"/>
             <p:nvPr>
               <p:custDataLst>
-                <p:tags r:id="rId6"/>
+                <p:tags r:id="rId8"/>
               </p:custDataLst>
             </p:nvPr>
           </p:nvSpPr>
@@ -6149,7 +8877,7 @@
         </p:nvGrpSpPr>
         <p:grpSpPr>
           <a:xfrm>
-            <a:off x="72193" y="4032674"/>
+            <a:off x="72193" y="2550105"/>
             <a:ext cx="4107181" cy="246221"/>
             <a:chOff x="53339" y="2780380"/>
             <a:chExt cx="4107181" cy="246221"/>
@@ -6169,7 +8897,7 @@
             </p:cNvCxnSpPr>
             <p:nvPr>
               <p:custDataLst>
-                <p:tags r:id="rId1"/>
+                <p:tags r:id="rId3"/>
               </p:custDataLst>
             </p:nvPr>
           </p:nvCxnSpPr>
@@ -6218,7 +8946,7 @@
             <p:cNvSpPr txBox="1"/>
             <p:nvPr>
               <p:custDataLst>
-                <p:tags r:id="rId2"/>
+                <p:tags r:id="rId4"/>
               </p:custDataLst>
             </p:nvPr>
           </p:nvSpPr>
@@ -6260,7 +8988,7 @@
             <p:cNvSpPr/>
             <p:nvPr>
               <p:custDataLst>
-                <p:tags r:id="rId3"/>
+                <p:tags r:id="rId5"/>
               </p:custDataLst>
             </p:nvPr>
           </p:nvSpPr>
@@ -6330,147 +9058,129 @@
           </p:txBody>
         </p:sp>
       </p:grpSp>
+      <p:cxnSp>
+        <p:nvCxnSpPr>
+          <p:cNvPr id="45" name="OTLSHAPE_M_041961451d4a44f0a8a40baf46574d42_Connector1">
+            <a:extLst>
+              <a:ext uri="{FF2B5EF4-FFF2-40B4-BE49-F238E27FC236}">
+                <a16:creationId xmlns:a16="http://schemas.microsoft.com/office/drawing/2014/main" id="{3754B111-C3B4-4434-90FA-8BBE9B39067C}"/>
+              </a:ext>
+            </a:extLst>
+          </p:cNvPr>
+          <p:cNvCxnSpPr/>
+          <p:nvPr>
+            <p:custDataLst>
+              <p:tags r:id="rId1"/>
+            </p:custDataLst>
+          </p:nvPr>
+        </p:nvCxnSpPr>
+        <p:spPr>
+          <a:xfrm>
+            <a:off x="5679882" y="3677169"/>
+            <a:ext cx="0" cy="263951"/>
+          </a:xfrm>
+          <a:prstGeom prst="line">
+            <a:avLst/>
+          </a:prstGeom>
+          <a:ln w="9525" cap="flat" cmpd="sng" algn="ctr">
+            <a:solidFill>
+              <a:srgbClr val="535C13"/>
+            </a:solidFill>
+            <a:prstDash val="solid"/>
+            <a:miter lim="800000"/>
+            <a:headEnd type="none" w="med" len="med"/>
+            <a:tailEnd type="none" w="med" len="med"/>
+          </a:ln>
+        </p:spPr>
+        <p:style>
+          <a:lnRef idx="1">
+            <a:schemeClr val="accent1"/>
+          </a:lnRef>
+          <a:fillRef idx="0">
+            <a:schemeClr val="accent1"/>
+          </a:fillRef>
+          <a:effectRef idx="0">
+            <a:schemeClr val="accent1"/>
+          </a:effectRef>
+          <a:fontRef idx="minor">
+            <a:schemeClr val="tx1"/>
+          </a:fontRef>
+        </p:style>
+      </p:cxnSp>
       <p:sp>
         <p:nvSpPr>
-          <p:cNvPr id="92" name="Rectangle 91">
+          <p:cNvPr id="58" name="OTLSHAPE_M_041961451d4a44f0a8a40baf46574d42_Shape">
             <a:extLst>
               <a:ext uri="{FF2B5EF4-FFF2-40B4-BE49-F238E27FC236}">
-                <a16:creationId xmlns:a16="http://schemas.microsoft.com/office/drawing/2014/main" id="{4AB92C7B-ED42-4141-AA16-14BAFC3629AE}"/>
+                <a16:creationId xmlns:a16="http://schemas.microsoft.com/office/drawing/2014/main" id="{176094BF-72B4-464E-9BBB-F7DB5359181E}"/>
               </a:ext>
             </a:extLst>
           </p:cNvPr>
           <p:cNvSpPr/>
-          <p:nvPr/>
+          <p:nvPr>
+            <p:custDataLst>
+              <p:tags r:id="rId2"/>
+            </p:custDataLst>
+          </p:nvPr>
         </p:nvSpPr>
         <p:spPr>
-          <a:xfrm>
-            <a:off x="690301" y="1984052"/>
-            <a:ext cx="3881699" cy="1200329"/>
+          <a:xfrm rot="16200000">
+            <a:off x="5789599" y="3607575"/>
+            <a:ext cx="121621" cy="260806"/>
           </a:xfrm>
-          <a:prstGeom prst="rect">
+          <a:prstGeom prst="flowChartMerge">
             <a:avLst/>
           </a:prstGeom>
+          <a:solidFill>
+            <a:srgbClr val="92D050"/>
+          </a:solidFill>
+          <a:ln w="12700" cap="flat" cmpd="sng" algn="ctr">
+            <a:noFill/>
+            <a:prstDash val="solid"/>
+            <a:miter lim="800000"/>
+          </a:ln>
+          <a:effectLst>
+            <a:outerShdw>
+              <a:scrgbClr r="0" g="0" b="0">
+                <a:alpha val="50000"/>
+              </a:scrgbClr>
+            </a:outerShdw>
+          </a:effectLst>
+          <a:extLst>
+            <a:ext uri="{53640926-AAD7-44D8-BBD7-CCE9431645EC}">
+              <a14:shadowObscured xmlns:a14="http://schemas.microsoft.com/office/drawing/2010/main" val="1"/>
+            </a:ext>
+          </a:extLst>
         </p:spPr>
+        <p:style>
+          <a:lnRef idx="2">
+            <a:schemeClr val="accent1">
+              <a:shade val="50000"/>
+            </a:schemeClr>
+          </a:lnRef>
+          <a:fillRef idx="1">
+            <a:schemeClr val="accent1"/>
+          </a:fillRef>
+          <a:effectRef idx="0">
+            <a:schemeClr val="accent1"/>
+          </a:effectRef>
+          <a:fontRef idx="minor">
+            <a:schemeClr val="lt1"/>
+          </a:fontRef>
+        </p:style>
         <p:txBody>
-          <a:bodyPr wrap="square">
-            <a:spAutoFit/>
-          </a:bodyPr>
+          <a:bodyPr rtlCol="0" anchor="ctr"/>
           <a:lstStyle/>
           <a:p>
-            <a:r>
-              <a:rPr lang="en-GB" sz="1800" dirty="0">
-                <a:solidFill>
-                  <a:srgbClr val="263238"/>
-                </a:solidFill>
-                <a:latin typeface="Source Sans Pro" panose="020B0503030403020204" pitchFamily="34" charset="0"/>
-                <a:ea typeface="Source Sans Pro" panose="020B0503030403020204" pitchFamily="34" charset="0"/>
-              </a:rPr>
-              <a:t>Semester 1: </a:t>
-            </a:r>
-          </a:p>
-          <a:p>
-            <a:pPr marL="285750" indent="-285750">
-              <a:buFont typeface="Arial" panose="020B0604020202020204" pitchFamily="34" charset="0"/>
-              <a:buChar char="•"/>
-            </a:pPr>
-            <a:r>
-              <a:rPr lang="en-GB" sz="1800" dirty="0">
-                <a:solidFill>
-                  <a:srgbClr val="263238"/>
-                </a:solidFill>
-                <a:latin typeface="Source Sans Pro" panose="020B0503030403020204" pitchFamily="34" charset="0"/>
-                <a:ea typeface="Source Sans Pro" panose="020B0503030403020204" pitchFamily="34" charset="0"/>
-              </a:rPr>
-              <a:t>Focus on full-time job hunt</a:t>
-            </a:r>
-          </a:p>
-          <a:p>
-            <a:pPr marL="285750" indent="-285750">
-              <a:buFont typeface="Arial" panose="020B0604020202020204" pitchFamily="34" charset="0"/>
-              <a:buChar char="•"/>
-            </a:pPr>
-            <a:r>
-              <a:rPr lang="en-GB" sz="1800" dirty="0">
-                <a:solidFill>
-                  <a:srgbClr val="263238"/>
-                </a:solidFill>
-                <a:latin typeface="Source Sans Pro" panose="020B0503030403020204" pitchFamily="34" charset="0"/>
-                <a:ea typeface="Source Sans Pro" panose="020B0503030403020204" pitchFamily="34" charset="0"/>
-              </a:rPr>
-              <a:t>Focus on planning Hons project</a:t>
-            </a:r>
-          </a:p>
-          <a:p>
-            <a:pPr marL="285750" indent="-285750">
-              <a:buFont typeface="Arial" panose="020B0604020202020204" pitchFamily="34" charset="0"/>
-              <a:buChar char="•"/>
-            </a:pPr>
-            <a:r>
-              <a:rPr lang="en-GB" sz="1800" dirty="0">
-                <a:solidFill>
-                  <a:srgbClr val="263238"/>
-                </a:solidFill>
-                <a:latin typeface="Source Sans Pro" panose="020B0503030403020204" pitchFamily="34" charset="0"/>
-                <a:ea typeface="Source Sans Pro" panose="020B0503030403020204" pitchFamily="34" charset="0"/>
-              </a:rPr>
-              <a:t>Focus on Masters application</a:t>
-            </a:r>
-          </a:p>
-        </p:txBody>
-      </p:sp>
-      <p:sp>
-        <p:nvSpPr>
-          <p:cNvPr id="93" name="Rectangle 92">
-            <a:extLst>
-              <a:ext uri="{FF2B5EF4-FFF2-40B4-BE49-F238E27FC236}">
-                <a16:creationId xmlns:a16="http://schemas.microsoft.com/office/drawing/2014/main" id="{0203C79C-FFE1-488E-BF6F-86DC5909125C}"/>
-              </a:ext>
-            </a:extLst>
-          </p:cNvPr>
-          <p:cNvSpPr/>
-          <p:nvPr/>
-        </p:nvSpPr>
-        <p:spPr>
-          <a:xfrm>
-            <a:off x="4524861" y="1948523"/>
-            <a:ext cx="3881699" cy="1200329"/>
-          </a:xfrm>
-          <a:prstGeom prst="rect">
-            <a:avLst/>
-          </a:prstGeom>
-        </p:spPr>
-        <p:txBody>
-          <a:bodyPr wrap="square">
-            <a:spAutoFit/>
-          </a:bodyPr>
-          <a:lstStyle/>
-          <a:p>
-            <a:r>
-              <a:rPr lang="en-GB" sz="1800" dirty="0">
-                <a:solidFill>
-                  <a:srgbClr val="263238"/>
-                </a:solidFill>
-                <a:latin typeface="Source Sans Pro" panose="020B0503030403020204" pitchFamily="34" charset="0"/>
-                <a:ea typeface="Source Sans Pro" panose="020B0503030403020204" pitchFamily="34" charset="0"/>
-              </a:rPr>
-              <a:t>Semester 2: </a:t>
-            </a:r>
-          </a:p>
-          <a:p>
-            <a:pPr marL="285750" indent="-285750">
-              <a:buFont typeface="Arial" panose="020B0604020202020204" pitchFamily="34" charset="0"/>
-              <a:buChar char="•"/>
-            </a:pPr>
-            <a:r>
-              <a:rPr lang="en-GB" sz="1800" dirty="0">
-                <a:solidFill>
-                  <a:srgbClr val="263238"/>
-                </a:solidFill>
-                <a:latin typeface="Source Sans Pro" panose="020B0503030403020204" pitchFamily="34" charset="0"/>
-                <a:ea typeface="Source Sans Pro" panose="020B0503030403020204" pitchFamily="34" charset="0"/>
-              </a:rPr>
-              <a:t>Minimal work from other courses, can devote almost full-time for Hons project </a:t>
-            </a:r>
+            <a:pPr algn="ctr"/>
+            <a:endParaRPr lang="en-US" sz="2800" dirty="0">
+              <a:solidFill>
+                <a:srgbClr val="FF0000"/>
+              </a:solidFill>
+              <a:highlight>
+                <a:srgbClr val="FFFF00"/>
+              </a:highlight>
+            </a:endParaRPr>
           </a:p>
         </p:txBody>
       </p:sp>
@@ -6622,401 +9332,6 @@
 </file>
 
 <file path=ppt/slides/slide2.xml><?xml version="1.0" encoding="utf-8"?>
-<p:sld xmlns:a="http://schemas.openxmlformats.org/drawingml/2006/main" xmlns:r="http://schemas.openxmlformats.org/officeDocument/2006/relationships" xmlns:p="http://schemas.openxmlformats.org/presentationml/2006/main">
-  <p:cSld>
-    <p:spTree>
-      <p:nvGrpSpPr>
-        <p:cNvPr id="1" name="Shape 257"/>
-        <p:cNvGrpSpPr/>
-        <p:nvPr/>
-      </p:nvGrpSpPr>
-      <p:grpSpPr>
-        <a:xfrm>
-          <a:off x="0" y="0"/>
-          <a:ext cx="0" cy="0"/>
-          <a:chOff x="0" y="0"/>
-          <a:chExt cx="0" cy="0"/>
-        </a:xfrm>
-      </p:grpSpPr>
-      <p:sp>
-        <p:nvSpPr>
-          <p:cNvPr id="11" name="Rectangle 10"/>
-          <p:cNvSpPr/>
-          <p:nvPr/>
-        </p:nvSpPr>
-        <p:spPr>
-          <a:xfrm>
-            <a:off x="449942" y="-790628"/>
-            <a:ext cx="4496131" cy="1944914"/>
-          </a:xfrm>
-          <a:prstGeom prst="rect">
-            <a:avLst/>
-          </a:prstGeom>
-          <a:noFill/>
-          <a:ln w="9525" cap="flat" cmpd="sng" algn="ctr">
-            <a:solidFill>
-              <a:schemeClr val="accent1"/>
-            </a:solidFill>
-            <a:prstDash val="solid"/>
-            <a:round/>
-            <a:headEnd type="none" w="med" len="med"/>
-            <a:tailEnd type="none" w="med" len="med"/>
-          </a:ln>
-        </p:spPr>
-        <p:style>
-          <a:lnRef idx="0">
-            <a:scrgbClr r="0" g="0" b="0"/>
-          </a:lnRef>
-          <a:fillRef idx="0">
-            <a:scrgbClr r="0" g="0" b="0"/>
-          </a:fillRef>
-          <a:effectRef idx="0">
-            <a:scrgbClr r="0" g="0" b="0"/>
-          </a:effectRef>
-          <a:fontRef idx="minor">
-            <a:schemeClr val="accent1"/>
-          </a:fontRef>
-        </p:style>
-        <p:txBody>
-          <a:bodyPr rtlCol="0" anchor="b"/>
-          <a:lstStyle/>
-          <a:p>
-            <a:pPr algn="ctr"/>
-            <a:r>
-              <a:rPr lang="en-US" sz="3200" b="1" dirty="0">
-                <a:solidFill>
-                  <a:srgbClr val="0091EA"/>
-                </a:solidFill>
-                <a:latin typeface="Roboto Slab"/>
-                <a:ea typeface="Roboto Slab"/>
-                <a:cs typeface="Roboto Slab"/>
-              </a:rPr>
-              <a:t>Project Overview</a:t>
-            </a:r>
-            <a:endParaRPr lang="en-GB" dirty="0"/>
-          </a:p>
-        </p:txBody>
-      </p:sp>
-      <p:pic>
-        <p:nvPicPr>
-          <p:cNvPr id="4" name="Picture 3">
-            <a:extLst>
-              <a:ext uri="{FF2B5EF4-FFF2-40B4-BE49-F238E27FC236}">
-                <a16:creationId xmlns:a16="http://schemas.microsoft.com/office/drawing/2014/main" id="{00282DFD-8E0A-4BC6-895A-550CC9E5BBD0}"/>
-              </a:ext>
-            </a:extLst>
-          </p:cNvPr>
-          <p:cNvPicPr>
-            <a:picLocks noChangeAspect="1"/>
-          </p:cNvPicPr>
-          <p:nvPr/>
-        </p:nvPicPr>
-        <p:blipFill rotWithShape="1">
-          <a:blip r:embed="rId3"/>
-          <a:srcRect l="8660" r="6804" b="32874"/>
-          <a:stretch/>
-        </p:blipFill>
-        <p:spPr>
-          <a:xfrm>
-            <a:off x="404256" y="1940314"/>
-            <a:ext cx="8335488" cy="3396715"/>
-          </a:xfrm>
-          <a:prstGeom prst="rect">
-            <a:avLst/>
-          </a:prstGeom>
-        </p:spPr>
-      </p:pic>
-      <p:sp>
-        <p:nvSpPr>
-          <p:cNvPr id="2" name="Multiplication Sign 1">
-            <a:extLst>
-              <a:ext uri="{FF2B5EF4-FFF2-40B4-BE49-F238E27FC236}">
-                <a16:creationId xmlns:a16="http://schemas.microsoft.com/office/drawing/2014/main" id="{50A90F3A-9444-493A-963D-0A83558112FD}"/>
-              </a:ext>
-            </a:extLst>
-          </p:cNvPr>
-          <p:cNvSpPr/>
-          <p:nvPr/>
-        </p:nvSpPr>
-        <p:spPr>
-          <a:xfrm>
-            <a:off x="0" y="3710864"/>
-            <a:ext cx="2565647" cy="506029"/>
-          </a:xfrm>
-          <a:prstGeom prst="mathMultiply">
-            <a:avLst>
-              <a:gd name="adj1" fmla="val 9485"/>
-            </a:avLst>
-          </a:prstGeom>
-        </p:spPr>
-        <p:style>
-          <a:lnRef idx="2">
-            <a:schemeClr val="accent1">
-              <a:shade val="50000"/>
-            </a:schemeClr>
-          </a:lnRef>
-          <a:fillRef idx="1">
-            <a:schemeClr val="accent1"/>
-          </a:fillRef>
-          <a:effectRef idx="0">
-            <a:schemeClr val="accent1"/>
-          </a:effectRef>
-          <a:fontRef idx="minor">
-            <a:schemeClr val="lt1"/>
-          </a:fontRef>
-        </p:style>
-        <p:txBody>
-          <a:bodyPr rtlCol="0" anchor="ctr"/>
-          <a:lstStyle/>
-          <a:p>
-            <a:pPr algn="ctr"/>
-            <a:endParaRPr lang="en-GB"/>
-          </a:p>
-        </p:txBody>
-      </p:sp>
-      <p:sp>
-        <p:nvSpPr>
-          <p:cNvPr id="5" name="Multiplication Sign 4">
-            <a:extLst>
-              <a:ext uri="{FF2B5EF4-FFF2-40B4-BE49-F238E27FC236}">
-                <a16:creationId xmlns:a16="http://schemas.microsoft.com/office/drawing/2014/main" id="{CE2F5794-CFCF-4CB7-BBAF-F02185DAD263}"/>
-              </a:ext>
-            </a:extLst>
-          </p:cNvPr>
-          <p:cNvSpPr/>
-          <p:nvPr/>
-        </p:nvSpPr>
-        <p:spPr>
-          <a:xfrm>
-            <a:off x="3806906" y="4555722"/>
-            <a:ext cx="2278333" cy="506029"/>
-          </a:xfrm>
-          <a:prstGeom prst="mathMultiply">
-            <a:avLst>
-              <a:gd name="adj1" fmla="val 9485"/>
-            </a:avLst>
-          </a:prstGeom>
-        </p:spPr>
-        <p:style>
-          <a:lnRef idx="2">
-            <a:schemeClr val="accent1">
-              <a:shade val="50000"/>
-            </a:schemeClr>
-          </a:lnRef>
-          <a:fillRef idx="1">
-            <a:schemeClr val="accent1"/>
-          </a:fillRef>
-          <a:effectRef idx="0">
-            <a:schemeClr val="accent1"/>
-          </a:effectRef>
-          <a:fontRef idx="minor">
-            <a:schemeClr val="lt1"/>
-          </a:fontRef>
-        </p:style>
-        <p:txBody>
-          <a:bodyPr rtlCol="0" anchor="ctr"/>
-          <a:lstStyle/>
-          <a:p>
-            <a:pPr algn="ctr"/>
-            <a:endParaRPr lang="en-GB"/>
-          </a:p>
-        </p:txBody>
-      </p:sp>
-    </p:spTree>
-    <p:extLst>
-      <p:ext uri="{BB962C8B-B14F-4D97-AF65-F5344CB8AC3E}">
-        <p14:creationId xmlns:p14="http://schemas.microsoft.com/office/powerpoint/2010/main" val="3666788451"/>
-      </p:ext>
-    </p:extLst>
-  </p:cSld>
-  <p:clrMapOvr>
-    <a:masterClrMapping/>
-  </p:clrMapOvr>
-  <p:timing>
-    <p:tnLst>
-      <p:par>
-        <p:cTn id="1" dur="indefinite" restart="never" nodeType="tmRoot">
-          <p:childTnLst>
-            <p:seq concurrent="1" nextAc="seek">
-              <p:cTn id="2" dur="indefinite" nodeType="mainSeq">
-                <p:childTnLst>
-                  <p:par>
-                    <p:cTn id="3" fill="hold">
-                      <p:stCondLst>
-                        <p:cond delay="indefinite"/>
-                        <p:cond evt="onBegin" delay="0">
-                          <p:tn val="2"/>
-                        </p:cond>
-                      </p:stCondLst>
-                      <p:childTnLst>
-                        <p:par>
-                          <p:cTn id="4" fill="hold">
-                            <p:stCondLst>
-                              <p:cond delay="0"/>
-                            </p:stCondLst>
-                            <p:childTnLst>
-                              <p:par>
-                                <p:cTn id="5" presetID="10" presetClass="entr" presetSubtype="0" fill="hold" grpId="0" nodeType="withEffect">
-                                  <p:stCondLst>
-                                    <p:cond delay="0"/>
-                                  </p:stCondLst>
-                                  <p:childTnLst>
-                                    <p:set>
-                                      <p:cBhvr>
-                                        <p:cTn id="6" dur="1" fill="hold">
-                                          <p:stCondLst>
-                                            <p:cond delay="0"/>
-                                          </p:stCondLst>
-                                        </p:cTn>
-                                        <p:tgtEl>
-                                          <p:spTgt spid="11"/>
-                                        </p:tgtEl>
-                                        <p:attrNameLst>
-                                          <p:attrName>style.visibility</p:attrName>
-                                        </p:attrNameLst>
-                                      </p:cBhvr>
-                                      <p:to>
-                                        <p:strVal val="visible"/>
-                                      </p:to>
-                                    </p:set>
-                                    <p:animEffect transition="in" filter="fade">
-                                      <p:cBhvr>
-                                        <p:cTn id="7" dur="500"/>
-                                        <p:tgtEl>
-                                          <p:spTgt spid="11"/>
-                                        </p:tgtEl>
-                                      </p:cBhvr>
-                                    </p:animEffect>
-                                  </p:childTnLst>
-                                </p:cTn>
-                              </p:par>
-                            </p:childTnLst>
-                          </p:cTn>
-                        </p:par>
-                      </p:childTnLst>
-                    </p:cTn>
-                  </p:par>
-                  <p:par>
-                    <p:cTn id="8" fill="hold">
-                      <p:stCondLst>
-                        <p:cond delay="indefinite"/>
-                      </p:stCondLst>
-                      <p:childTnLst>
-                        <p:par>
-                          <p:cTn id="9" fill="hold">
-                            <p:stCondLst>
-                              <p:cond delay="0"/>
-                            </p:stCondLst>
-                            <p:childTnLst>
-                              <p:par>
-                                <p:cTn id="10" presetID="1" presetClass="entr" presetSubtype="0" fill="hold" grpId="0" nodeType="clickEffect">
-                                  <p:stCondLst>
-                                    <p:cond delay="0"/>
-                                  </p:stCondLst>
-                                  <p:childTnLst>
-                                    <p:set>
-                                      <p:cBhvr>
-                                        <p:cTn id="11" dur="1" fill="hold">
-                                          <p:stCondLst>
-                                            <p:cond delay="0"/>
-                                          </p:stCondLst>
-                                        </p:cTn>
-                                        <p:tgtEl>
-                                          <p:spTgt spid="2"/>
-                                        </p:tgtEl>
-                                        <p:attrNameLst>
-                                          <p:attrName>style.visibility</p:attrName>
-                                        </p:attrNameLst>
-                                      </p:cBhvr>
-                                      <p:to>
-                                        <p:strVal val="visible"/>
-                                      </p:to>
-                                    </p:set>
-                                  </p:childTnLst>
-                                </p:cTn>
-                              </p:par>
-                            </p:childTnLst>
-                          </p:cTn>
-                        </p:par>
-                      </p:childTnLst>
-                    </p:cTn>
-                  </p:par>
-                  <p:par>
-                    <p:cTn id="12" fill="hold">
-                      <p:stCondLst>
-                        <p:cond delay="indefinite"/>
-                      </p:stCondLst>
-                      <p:childTnLst>
-                        <p:par>
-                          <p:cTn id="13" fill="hold">
-                            <p:stCondLst>
-                              <p:cond delay="0"/>
-                            </p:stCondLst>
-                            <p:childTnLst>
-                              <p:par>
-                                <p:cTn id="14" presetID="1" presetClass="entr" presetSubtype="0" fill="hold" grpId="0" nodeType="clickEffect">
-                                  <p:stCondLst>
-                                    <p:cond delay="0"/>
-                                  </p:stCondLst>
-                                  <p:childTnLst>
-                                    <p:set>
-                                      <p:cBhvr>
-                                        <p:cTn id="15" dur="1" fill="hold">
-                                          <p:stCondLst>
-                                            <p:cond delay="0"/>
-                                          </p:stCondLst>
-                                        </p:cTn>
-                                        <p:tgtEl>
-                                          <p:spTgt spid="5"/>
-                                        </p:tgtEl>
-                                        <p:attrNameLst>
-                                          <p:attrName>style.visibility</p:attrName>
-                                        </p:attrNameLst>
-                                      </p:cBhvr>
-                                      <p:to>
-                                        <p:strVal val="visible"/>
-                                      </p:to>
-                                    </p:set>
-                                  </p:childTnLst>
-                                </p:cTn>
-                              </p:par>
-                            </p:childTnLst>
-                          </p:cTn>
-                        </p:par>
-                      </p:childTnLst>
-                    </p:cTn>
-                  </p:par>
-                </p:childTnLst>
-              </p:cTn>
-              <p:prevCondLst>
-                <p:cond evt="onPrev" delay="0">
-                  <p:tgtEl>
-                    <p:sldTgt/>
-                  </p:tgtEl>
-                </p:cond>
-              </p:prevCondLst>
-              <p:nextCondLst>
-                <p:cond evt="onNext" delay="0">
-                  <p:tgtEl>
-                    <p:sldTgt/>
-                  </p:tgtEl>
-                </p:cond>
-              </p:nextCondLst>
-            </p:seq>
-          </p:childTnLst>
-        </p:cTn>
-      </p:par>
-    </p:tnLst>
-    <p:bldLst>
-      <p:bldP spid="11" grpId="0" animBg="1"/>
-      <p:bldP spid="2" grpId="0" animBg="1"/>
-      <p:bldP spid="5" grpId="0" animBg="1"/>
-    </p:bldLst>
-  </p:timing>
-</p:sld>
-</file>
-
-<file path=ppt/slides/slide3.xml><?xml version="1.0" encoding="utf-8"?>
 <p:sld xmlns:a="http://schemas.openxmlformats.org/drawingml/2006/main" xmlns:r="http://schemas.openxmlformats.org/officeDocument/2006/relationships" xmlns:p="http://schemas.openxmlformats.org/presentationml/2006/main">
   <p:cSld>
     <p:spTree>
@@ -7881,7 +10196,7 @@
 </p:sld>
 </file>
 
-<file path=ppt/slides/slide4.xml><?xml version="1.0" encoding="utf-8"?>
+<file path=ppt/slides/slide3.xml><?xml version="1.0" encoding="utf-8"?>
 <p:sld xmlns:a="http://schemas.openxmlformats.org/drawingml/2006/main" xmlns:r="http://schemas.openxmlformats.org/officeDocument/2006/relationships" xmlns:p="http://schemas.openxmlformats.org/presentationml/2006/main">
   <p:cSld>
     <p:spTree>
@@ -8006,7 +10321,7 @@
                 </a:solidFill>
                 <a:latin typeface="Roboto Slab"/>
               </a:rPr>
-              <a:t>Current Progress: Achieved</a:t>
+              <a:t>Current Progress: Summary</a:t>
             </a:r>
             <a:endParaRPr lang="en-GB" sz="3200" dirty="0"/>
           </a:p>
@@ -8027,7 +10342,7 @@
         <p:spPr>
           <a:xfrm>
             <a:off x="772357" y="2092549"/>
-            <a:ext cx="5742278" cy="1323439"/>
+            <a:ext cx="5742278" cy="1569660"/>
           </a:xfrm>
           <a:prstGeom prst="rect">
             <a:avLst/>
@@ -8049,20 +10364,22 @@
                 <a:latin typeface="Source Sans Pro" panose="020B0503030403020204" pitchFamily="34" charset="0"/>
                 <a:ea typeface="Source Sans Pro" panose="020B0503030403020204" pitchFamily="34" charset="0"/>
               </a:rPr>
-              <a:t>Transform the time series into a supervised learning problem</a:t>
+              <a:t>Transform the time series data so that it is </a:t>
             </a:r>
-          </a:p>
-          <a:p>
-            <a:pPr marL="342900" indent="-342900" fontAlgn="base">
-              <a:buFont typeface="+mj-lt"/>
-              <a:buAutoNum type="arabicPeriod"/>
-            </a:pPr>
+            <a:r>
+              <a:rPr lang="en-GB" sz="1600" dirty="0">
+                <a:latin typeface="Source Sans Pro" panose="020B0503030403020204" pitchFamily="34" charset="0"/>
+                <a:ea typeface="Source Sans Pro" panose="020B0503030403020204" pitchFamily="34" charset="0"/>
+                <a:hlinkClick r:id="rId3"/>
+              </a:rPr>
+              <a:t>stationary</a:t>
+            </a:r>
             <a:r>
               <a:rPr lang="en-GB" sz="1600" dirty="0">
                 <a:latin typeface="Source Sans Pro" panose="020B0503030403020204" pitchFamily="34" charset="0"/>
                 <a:ea typeface="Source Sans Pro" panose="020B0503030403020204" pitchFamily="34" charset="0"/>
               </a:rPr>
-              <a:t>Transform the time series data so that it is stationary.</a:t>
+              <a:t>.</a:t>
             </a:r>
           </a:p>
           <a:p>
@@ -8077,6 +10394,29 @@
               </a:rPr>
               <a:t>Transform the observations to have a specific scale.</a:t>
             </a:r>
+          </a:p>
+          <a:p>
+            <a:pPr marL="342900" indent="-342900" fontAlgn="base">
+              <a:buFont typeface="+mj-lt"/>
+              <a:buAutoNum type="arabicPeriod"/>
+            </a:pPr>
+            <a:r>
+              <a:rPr lang="en-GB" sz="1600" dirty="0">
+                <a:latin typeface="Source Sans Pro" panose="020B0503030403020204" pitchFamily="34" charset="0"/>
+                <a:ea typeface="Source Sans Pro" panose="020B0503030403020204" pitchFamily="34" charset="0"/>
+              </a:rPr>
+              <a:t>Transform the time series into a supervised learning problem</a:t>
+            </a:r>
+          </a:p>
+          <a:p>
+            <a:pPr marL="342900" indent="-342900" fontAlgn="base">
+              <a:buFont typeface="+mj-lt"/>
+              <a:buAutoNum type="arabicPeriod"/>
+            </a:pPr>
+            <a:endParaRPr lang="en-GB" sz="1600" dirty="0">
+              <a:latin typeface="Source Sans Pro" panose="020B0503030403020204" pitchFamily="34" charset="0"/>
+              <a:ea typeface="Source Sans Pro" panose="020B0503030403020204" pitchFamily="34" charset="0"/>
+            </a:endParaRPr>
           </a:p>
           <a:p>
             <a:pPr fontAlgn="base"/>
@@ -8478,8 +10818,8 @@
         </p:nvSpPr>
         <p:spPr>
           <a:xfrm>
-            <a:off x="772357" y="5162861"/>
-            <a:ext cx="7443926" cy="584775"/>
+            <a:off x="772357" y="5451621"/>
+            <a:ext cx="7443926" cy="830997"/>
           </a:xfrm>
           <a:prstGeom prst="rect">
             <a:avLst/>
@@ -8513,7 +10853,7 @@
                 <a:latin typeface="Source Sans Pro" panose="020B0503030403020204" pitchFamily="34" charset="0"/>
                 <a:ea typeface="Source Sans Pro" panose="020B0503030403020204" pitchFamily="34" charset="0"/>
               </a:rPr>
-              <a:t>Trend accuracy</a:t>
+              <a:t>Trend accuracy (tomorrow’s price is predicted to be up and the actual price is up too, thus the trend is correct)</a:t>
             </a:r>
           </a:p>
         </p:txBody>
@@ -8534,7 +10874,7 @@
         </p:nvSpPr>
         <p:spPr>
           <a:xfrm>
-            <a:off x="513565" y="4470364"/>
+            <a:off x="513565" y="4759124"/>
             <a:ext cx="8244116" cy="766007"/>
           </a:xfrm>
           <a:prstGeom prst="rect">
@@ -9048,27 +11388,651 @@
                             </p:childTnLst>
                           </p:cTn>
                         </p:par>
+                      </p:childTnLst>
+                    </p:cTn>
+                  </p:par>
+                </p:childTnLst>
+              </p:cTn>
+              <p:prevCondLst>
+                <p:cond evt="onPrev" delay="0">
+                  <p:tgtEl>
+                    <p:sldTgt/>
+                  </p:tgtEl>
+                </p:cond>
+              </p:prevCondLst>
+              <p:nextCondLst>
+                <p:cond evt="onNext" delay="0">
+                  <p:tgtEl>
+                    <p:sldTgt/>
+                  </p:tgtEl>
+                </p:cond>
+              </p:nextCondLst>
+            </p:seq>
+          </p:childTnLst>
+        </p:cTn>
+      </p:par>
+    </p:tnLst>
+    <p:bldLst>
+      <p:bldP spid="14" grpId="0" uiExpand="1" build="p"/>
+      <p:bldP spid="17" grpId="0" animBg="1"/>
+      <p:bldP spid="8" grpId="0" uiExpand="1" build="p"/>
+      <p:bldP spid="9" grpId="0" uiExpand="1" build="p"/>
+    </p:bldLst>
+  </p:timing>
+</p:sld>
+</file>
+
+<file path=ppt/slides/slide4.xml><?xml version="1.0" encoding="utf-8"?>
+<p:sld xmlns:a="http://schemas.openxmlformats.org/drawingml/2006/main" xmlns:r="http://schemas.openxmlformats.org/officeDocument/2006/relationships" xmlns:p="http://schemas.openxmlformats.org/presentationml/2006/main">
+  <p:cSld>
+    <p:spTree>
+      <p:nvGrpSpPr>
+        <p:cNvPr id="1" name="Shape 257"/>
+        <p:cNvGrpSpPr/>
+        <p:nvPr/>
+      </p:nvGrpSpPr>
+      <p:grpSpPr>
+        <a:xfrm>
+          <a:off x="0" y="0"/>
+          <a:ext cx="0" cy="0"/>
+          <a:chOff x="0" y="0"/>
+          <a:chExt cx="0" cy="0"/>
+        </a:xfrm>
+      </p:grpSpPr>
+      <p:sp>
+        <p:nvSpPr>
+          <p:cNvPr id="14" name="Google Shape;115;p19"/>
+          <p:cNvSpPr txBox="1">
+            <a:spLocks noGrp="1"/>
+          </p:cNvSpPr>
+          <p:nvPr>
+            <p:ph type="body" idx="1"/>
+          </p:nvPr>
+        </p:nvSpPr>
+        <p:spPr>
+          <a:xfrm>
+            <a:off x="449942" y="1325114"/>
+            <a:ext cx="8244116" cy="766007"/>
+          </a:xfrm>
+          <a:prstGeom prst="rect">
+            <a:avLst/>
+          </a:prstGeom>
+          <a:noFill/>
+          <a:ln>
+            <a:noFill/>
+          </a:ln>
+        </p:spPr>
+        <p:style>
+          <a:lnRef idx="0">
+            <a:scrgbClr r="0" g="0" b="0"/>
+          </a:lnRef>
+          <a:fillRef idx="0">
+            <a:scrgbClr r="0" g="0" b="0"/>
+          </a:fillRef>
+          <a:effectRef idx="0">
+            <a:scrgbClr r="0" g="0" b="0"/>
+          </a:effectRef>
+          <a:fontRef idx="minor">
+            <a:schemeClr val="dk1"/>
+          </a:fontRef>
+        </p:style>
+        <p:txBody>
+          <a:bodyPr spcFirstLastPara="1" wrap="square" lIns="91425" tIns="91425" rIns="91425" bIns="91425" anchor="t" anchorCtr="0">
+            <a:noAutofit/>
+          </a:bodyPr>
+          <a:lstStyle/>
+          <a:p>
+            <a:pPr marL="0" lvl="0" indent="0">
+              <a:buNone/>
+            </a:pPr>
+            <a:r>
+              <a:rPr lang="en-GB" sz="2800" dirty="0">
+                <a:solidFill>
+                  <a:srgbClr val="0091EA"/>
+                </a:solidFill>
+              </a:rPr>
+              <a:t>LSTM Training and Testing Data Preparation</a:t>
+            </a:r>
+          </a:p>
+        </p:txBody>
+      </p:sp>
+      <p:sp>
+        <p:nvSpPr>
+          <p:cNvPr id="17" name="Rectangle 16"/>
+          <p:cNvSpPr/>
+          <p:nvPr/>
+        </p:nvSpPr>
+        <p:spPr>
+          <a:xfrm>
+            <a:off x="449942" y="-790628"/>
+            <a:ext cx="4496131" cy="1944914"/>
+          </a:xfrm>
+          <a:prstGeom prst="rect">
+            <a:avLst/>
+          </a:prstGeom>
+          <a:noFill/>
+          <a:ln w="9525" cap="flat" cmpd="sng" algn="ctr">
+            <a:solidFill>
+              <a:schemeClr val="accent1"/>
+            </a:solidFill>
+            <a:prstDash val="solid"/>
+            <a:round/>
+            <a:headEnd type="none" w="med" len="med"/>
+            <a:tailEnd type="none" w="med" len="med"/>
+          </a:ln>
+        </p:spPr>
+        <p:style>
+          <a:lnRef idx="0">
+            <a:scrgbClr r="0" g="0" b="0"/>
+          </a:lnRef>
+          <a:fillRef idx="0">
+            <a:scrgbClr r="0" g="0" b="0"/>
+          </a:fillRef>
+          <a:effectRef idx="0">
+            <a:scrgbClr r="0" g="0" b="0"/>
+          </a:effectRef>
+          <a:fontRef idx="minor">
+            <a:schemeClr val="accent1"/>
+          </a:fontRef>
+        </p:style>
+        <p:txBody>
+          <a:bodyPr rtlCol="0" anchor="b"/>
+          <a:lstStyle/>
+          <a:p>
+            <a:pPr algn="ctr"/>
+            <a:r>
+              <a:rPr lang="en-US" sz="3200" b="1" dirty="0">
+                <a:solidFill>
+                  <a:srgbClr val="0091EA"/>
+                </a:solidFill>
+                <a:latin typeface="Roboto Slab"/>
+              </a:rPr>
+              <a:t>Current Progress: Achieved</a:t>
+            </a:r>
+            <a:endParaRPr lang="en-GB" sz="3200" dirty="0"/>
+          </a:p>
+        </p:txBody>
+      </p:sp>
+      <p:sp>
+        <p:nvSpPr>
+          <p:cNvPr id="2" name="TextBox 1">
+            <a:extLst>
+              <a:ext uri="{FF2B5EF4-FFF2-40B4-BE49-F238E27FC236}">
+                <a16:creationId xmlns:a16="http://schemas.microsoft.com/office/drawing/2014/main" id="{02F5F27B-5397-45D8-A1DA-A28D527FBDD4}"/>
+              </a:ext>
+            </a:extLst>
+          </p:cNvPr>
+          <p:cNvSpPr txBox="1"/>
+          <p:nvPr/>
+        </p:nvSpPr>
+        <p:spPr>
+          <a:xfrm>
+            <a:off x="591888" y="2088747"/>
+            <a:ext cx="3426659" cy="5016758"/>
+          </a:xfrm>
+          <a:prstGeom prst="rect">
+            <a:avLst/>
+          </a:prstGeom>
+          <a:noFill/>
+        </p:spPr>
+        <p:txBody>
+          <a:bodyPr wrap="square" rtlCol="0">
+            <a:spAutoFit/>
+          </a:bodyPr>
+          <a:lstStyle/>
+          <a:p>
+            <a:pPr fontAlgn="base"/>
+            <a:r>
+              <a:rPr lang="en-GB" sz="1600" dirty="0">
+                <a:latin typeface="Source Sans Pro" panose="020B0503030403020204" pitchFamily="34" charset="0"/>
+                <a:ea typeface="Source Sans Pro" panose="020B0503030403020204" pitchFamily="34" charset="0"/>
+              </a:rPr>
+              <a:t>1. Raw price data</a:t>
+            </a:r>
+          </a:p>
+          <a:p>
+            <a:pPr lvl="8" fontAlgn="base"/>
+            <a:r>
+              <a:rPr lang="en-GB" sz="1600" dirty="0">
+                <a:latin typeface="Source Sans Pro" panose="020B0503030403020204" pitchFamily="34" charset="0"/>
+                <a:ea typeface="Source Sans Pro" panose="020B0503030403020204" pitchFamily="34" charset="0"/>
+              </a:rPr>
+              <a:t>2018-01-02    43.67</a:t>
+            </a:r>
+          </a:p>
+          <a:p>
+            <a:pPr lvl="8" fontAlgn="base"/>
+            <a:r>
+              <a:rPr lang="en-GB" sz="1600" dirty="0">
+                <a:latin typeface="Source Sans Pro" panose="020B0503030403020204" pitchFamily="34" charset="0"/>
+                <a:ea typeface="Source Sans Pro" panose="020B0503030403020204" pitchFamily="34" charset="0"/>
+              </a:rPr>
+              <a:t>2018-01-03    44.98</a:t>
+            </a:r>
+          </a:p>
+          <a:p>
+            <a:pPr lvl="8" fontAlgn="base"/>
+            <a:r>
+              <a:rPr lang="en-GB" sz="1600" dirty="0">
+                <a:latin typeface="Source Sans Pro" panose="020B0503030403020204" pitchFamily="34" charset="0"/>
+                <a:ea typeface="Source Sans Pro" panose="020B0503030403020204" pitchFamily="34" charset="0"/>
+              </a:rPr>
+              <a:t>2018-01-04    46.88</a:t>
+            </a:r>
+          </a:p>
+          <a:p>
+            <a:pPr lvl="8" fontAlgn="base"/>
+            <a:r>
+              <a:rPr lang="en-GB" sz="1600" dirty="0">
+                <a:latin typeface="Source Sans Pro" panose="020B0503030403020204" pitchFamily="34" charset="0"/>
+                <a:ea typeface="Source Sans Pro" panose="020B0503030403020204" pitchFamily="34" charset="0"/>
+              </a:rPr>
+              <a:t>2018-01-05    45.80</a:t>
+            </a:r>
+          </a:p>
+          <a:p>
+            <a:pPr lvl="8" fontAlgn="base"/>
+            <a:r>
+              <a:rPr lang="en-GB" sz="1600" dirty="0">
+                <a:latin typeface="Source Sans Pro" panose="020B0503030403020204" pitchFamily="34" charset="0"/>
+                <a:ea typeface="Source Sans Pro" panose="020B0503030403020204" pitchFamily="34" charset="0"/>
+              </a:rPr>
+              <a:t>2018-01-08    45.55</a:t>
+            </a:r>
+          </a:p>
+          <a:p>
+            <a:pPr lvl="8" fontAlgn="base"/>
+            <a:r>
+              <a:rPr lang="en-GB" sz="1600" dirty="0">
+                <a:latin typeface="Source Sans Pro" panose="020B0503030403020204" pitchFamily="34" charset="0"/>
+                <a:ea typeface="Source Sans Pro" panose="020B0503030403020204" pitchFamily="34" charset="0"/>
+              </a:rPr>
+              <a:t>2018-01-09    42.97</a:t>
+            </a:r>
+          </a:p>
+          <a:p>
+            <a:pPr lvl="8" fontAlgn="base"/>
+            <a:r>
+              <a:rPr lang="en-GB" sz="1600" dirty="0">
+                <a:latin typeface="Source Sans Pro" panose="020B0503030403020204" pitchFamily="34" charset="0"/>
+                <a:ea typeface="Source Sans Pro" panose="020B0503030403020204" pitchFamily="34" charset="0"/>
+              </a:rPr>
+              <a:t>2018-01-10    43.31</a:t>
+            </a:r>
+          </a:p>
+          <a:p>
+            <a:pPr fontAlgn="base"/>
+            <a:endParaRPr lang="en-GB" sz="1600" dirty="0">
+              <a:latin typeface="Source Sans Pro" panose="020B0503030403020204" pitchFamily="34" charset="0"/>
+              <a:ea typeface="Source Sans Pro" panose="020B0503030403020204" pitchFamily="34" charset="0"/>
+            </a:endParaRPr>
+          </a:p>
+          <a:p>
+            <a:pPr fontAlgn="base"/>
+            <a:r>
+              <a:rPr lang="en-GB" sz="1600" dirty="0">
+                <a:latin typeface="Source Sans Pro" panose="020B0503030403020204" pitchFamily="34" charset="0"/>
+                <a:ea typeface="Source Sans Pro" panose="020B0503030403020204" pitchFamily="34" charset="0"/>
+              </a:rPr>
+              <a:t>2. Transform the time series data  so that it is </a:t>
+            </a:r>
+            <a:r>
+              <a:rPr lang="en-GB" sz="1600" dirty="0">
+                <a:latin typeface="Source Sans Pro" panose="020B0503030403020204" pitchFamily="34" charset="0"/>
+                <a:ea typeface="Source Sans Pro" panose="020B0503030403020204" pitchFamily="34" charset="0"/>
+                <a:hlinkClick r:id="rId3"/>
+              </a:rPr>
+              <a:t>stationary by differencing</a:t>
+            </a:r>
+            <a:r>
+              <a:rPr lang="en-GB" sz="1600" dirty="0">
+                <a:latin typeface="Source Sans Pro" panose="020B0503030403020204" pitchFamily="34" charset="0"/>
+                <a:ea typeface="Source Sans Pro" panose="020B0503030403020204" pitchFamily="34" charset="0"/>
+              </a:rPr>
+              <a:t>.</a:t>
+            </a:r>
+          </a:p>
+          <a:p>
+            <a:pPr fontAlgn="base"/>
+            <a:r>
+              <a:rPr lang="en-GB" sz="1600" dirty="0">
+                <a:latin typeface="Source Sans Pro" panose="020B0503030403020204" pitchFamily="34" charset="0"/>
+                <a:ea typeface="Source Sans Pro" panose="020B0503030403020204" pitchFamily="34" charset="0"/>
+              </a:rPr>
+              <a:t>[ 1.31],</a:t>
+            </a:r>
+          </a:p>
+          <a:p>
+            <a:pPr fontAlgn="base"/>
+            <a:r>
+              <a:rPr lang="en-GB" sz="1600" dirty="0">
+                <a:latin typeface="Source Sans Pro" panose="020B0503030403020204" pitchFamily="34" charset="0"/>
+                <a:ea typeface="Source Sans Pro" panose="020B0503030403020204" pitchFamily="34" charset="0"/>
+              </a:rPr>
+              <a:t>[ 1.9 ],</a:t>
+            </a:r>
+          </a:p>
+          <a:p>
+            <a:pPr fontAlgn="base"/>
+            <a:r>
+              <a:rPr lang="en-GB" sz="1600" dirty="0">
+                <a:latin typeface="Source Sans Pro" panose="020B0503030403020204" pitchFamily="34" charset="0"/>
+                <a:ea typeface="Source Sans Pro" panose="020B0503030403020204" pitchFamily="34" charset="0"/>
+              </a:rPr>
+              <a:t>[-1.08],</a:t>
+            </a:r>
+          </a:p>
+          <a:p>
+            <a:pPr fontAlgn="base"/>
+            <a:r>
+              <a:rPr lang="en-GB" sz="1600" dirty="0">
+                <a:latin typeface="Source Sans Pro" panose="020B0503030403020204" pitchFamily="34" charset="0"/>
+                <a:ea typeface="Source Sans Pro" panose="020B0503030403020204" pitchFamily="34" charset="0"/>
+              </a:rPr>
+              <a:t>[-0.25],</a:t>
+            </a:r>
+          </a:p>
+          <a:p>
+            <a:pPr fontAlgn="base"/>
+            <a:r>
+              <a:rPr lang="en-GB" sz="1600" dirty="0">
+                <a:latin typeface="Source Sans Pro" panose="020B0503030403020204" pitchFamily="34" charset="0"/>
+                <a:ea typeface="Source Sans Pro" panose="020B0503030403020204" pitchFamily="34" charset="0"/>
+              </a:rPr>
+              <a:t>[-2.58],</a:t>
+            </a:r>
+          </a:p>
+          <a:p>
+            <a:pPr fontAlgn="base"/>
+            <a:r>
+              <a:rPr lang="en-GB" sz="1600" dirty="0">
+                <a:latin typeface="Source Sans Pro" panose="020B0503030403020204" pitchFamily="34" charset="0"/>
+                <a:ea typeface="Source Sans Pro" panose="020B0503030403020204" pitchFamily="34" charset="0"/>
+              </a:rPr>
+              <a:t>[ 0.34]</a:t>
+            </a:r>
+          </a:p>
+          <a:p>
+            <a:pPr marL="342900" indent="-342900" fontAlgn="base">
+              <a:buFont typeface="+mj-lt"/>
+              <a:buAutoNum type="arabicPeriod"/>
+            </a:pPr>
+            <a:endParaRPr lang="en-GB" sz="1600" dirty="0">
+              <a:latin typeface="Source Sans Pro" panose="020B0503030403020204" pitchFamily="34" charset="0"/>
+              <a:ea typeface="Source Sans Pro" panose="020B0503030403020204" pitchFamily="34" charset="0"/>
+            </a:endParaRPr>
+          </a:p>
+          <a:p>
+            <a:pPr fontAlgn="base"/>
+            <a:endParaRPr lang="en-GB" sz="1600" dirty="0">
+              <a:latin typeface="Source Sans Pro" panose="020B0503030403020204" pitchFamily="34" charset="0"/>
+              <a:ea typeface="Source Sans Pro" panose="020B0503030403020204" pitchFamily="34" charset="0"/>
+            </a:endParaRPr>
+          </a:p>
+          <a:p>
+            <a:pPr fontAlgn="base"/>
+            <a:endParaRPr lang="en-GB" sz="1600" dirty="0">
+              <a:latin typeface="Source Sans Pro" panose="020B0503030403020204" pitchFamily="34" charset="0"/>
+              <a:ea typeface="Source Sans Pro" panose="020B0503030403020204" pitchFamily="34" charset="0"/>
+            </a:endParaRPr>
+          </a:p>
+        </p:txBody>
+      </p:sp>
+      <p:sp>
+        <p:nvSpPr>
+          <p:cNvPr id="11" name="TextBox 10">
+            <a:extLst>
+              <a:ext uri="{FF2B5EF4-FFF2-40B4-BE49-F238E27FC236}">
+                <a16:creationId xmlns:a16="http://schemas.microsoft.com/office/drawing/2014/main" id="{50A18BEC-496E-4A47-A9E2-33A8B1FF412A}"/>
+              </a:ext>
+            </a:extLst>
+          </p:cNvPr>
+          <p:cNvSpPr txBox="1"/>
+          <p:nvPr/>
+        </p:nvSpPr>
+        <p:spPr>
+          <a:xfrm>
+            <a:off x="4584818" y="2088746"/>
+            <a:ext cx="3331961" cy="5262979"/>
+          </a:xfrm>
+          <a:prstGeom prst="rect">
+            <a:avLst/>
+          </a:prstGeom>
+          <a:noFill/>
+        </p:spPr>
+        <p:txBody>
+          <a:bodyPr wrap="square" rtlCol="0">
+            <a:spAutoFit/>
+          </a:bodyPr>
+          <a:lstStyle/>
+          <a:p>
+            <a:pPr fontAlgn="base"/>
+            <a:r>
+              <a:rPr lang="en-GB" sz="1600" dirty="0">
+                <a:latin typeface="Source Sans Pro" panose="020B0503030403020204" pitchFamily="34" charset="0"/>
+                <a:ea typeface="Source Sans Pro" panose="020B0503030403020204" pitchFamily="34" charset="0"/>
+              </a:rPr>
+              <a:t>3 Transform the observations to have a specific scale.</a:t>
+            </a:r>
+          </a:p>
+          <a:p>
+            <a:pPr fontAlgn="base"/>
+            <a:r>
+              <a:rPr lang="en-GB" sz="1600" dirty="0">
+                <a:latin typeface="Source Sans Pro" panose="020B0503030403020204" pitchFamily="34" charset="0"/>
+                <a:ea typeface="Source Sans Pro" panose="020B0503030403020204" pitchFamily="34" charset="0"/>
+              </a:rPr>
+              <a:t>[ 0.73660714]</a:t>
+            </a:r>
+          </a:p>
+          <a:p>
+            <a:pPr fontAlgn="base"/>
+            <a:r>
+              <a:rPr lang="en-GB" sz="1600" dirty="0">
+                <a:latin typeface="Source Sans Pro" panose="020B0503030403020204" pitchFamily="34" charset="0"/>
+                <a:ea typeface="Source Sans Pro" panose="020B0503030403020204" pitchFamily="34" charset="0"/>
+              </a:rPr>
+              <a:t>[ 1. ]</a:t>
+            </a:r>
+          </a:p>
+          <a:p>
+            <a:pPr fontAlgn="base"/>
+            <a:r>
+              <a:rPr lang="en-GB" sz="1600" dirty="0">
+                <a:latin typeface="Source Sans Pro" panose="020B0503030403020204" pitchFamily="34" charset="0"/>
+                <a:ea typeface="Source Sans Pro" panose="020B0503030403020204" pitchFamily="34" charset="0"/>
+              </a:rPr>
+              <a:t>[-0.33035714]</a:t>
+            </a:r>
+          </a:p>
+          <a:p>
+            <a:pPr fontAlgn="base"/>
+            <a:r>
+              <a:rPr lang="en-GB" sz="1600" dirty="0">
+                <a:latin typeface="Source Sans Pro" panose="020B0503030403020204" pitchFamily="34" charset="0"/>
+                <a:ea typeface="Source Sans Pro" panose="020B0503030403020204" pitchFamily="34" charset="0"/>
+              </a:rPr>
+              <a:t>[ 0.04017857]</a:t>
+            </a:r>
+          </a:p>
+          <a:p>
+            <a:pPr fontAlgn="base"/>
+            <a:r>
+              <a:rPr lang="en-GB" sz="1600" dirty="0">
+                <a:latin typeface="Source Sans Pro" panose="020B0503030403020204" pitchFamily="34" charset="0"/>
+                <a:ea typeface="Source Sans Pro" panose="020B0503030403020204" pitchFamily="34" charset="0"/>
+              </a:rPr>
+              <a:t>[-1. ]</a:t>
+            </a:r>
+          </a:p>
+          <a:p>
+            <a:pPr fontAlgn="base"/>
+            <a:r>
+              <a:rPr lang="en-GB" sz="1600" dirty="0">
+                <a:latin typeface="Source Sans Pro" panose="020B0503030403020204" pitchFamily="34" charset="0"/>
+                <a:ea typeface="Source Sans Pro" panose="020B0503030403020204" pitchFamily="34" charset="0"/>
+              </a:rPr>
+              <a:t>[ 0.30357143]</a:t>
+            </a:r>
+          </a:p>
+          <a:p>
+            <a:pPr fontAlgn="base"/>
+            <a:endParaRPr lang="en-GB" sz="1600" dirty="0">
+              <a:latin typeface="Source Sans Pro" panose="020B0503030403020204" pitchFamily="34" charset="0"/>
+              <a:ea typeface="Source Sans Pro" panose="020B0503030403020204" pitchFamily="34" charset="0"/>
+            </a:endParaRPr>
+          </a:p>
+          <a:p>
+            <a:pPr fontAlgn="base"/>
+            <a:r>
+              <a:rPr lang="en-GB" sz="1600" dirty="0">
+                <a:latin typeface="Source Sans Pro" panose="020B0503030403020204" pitchFamily="34" charset="0"/>
+                <a:ea typeface="Source Sans Pro" panose="020B0503030403020204" pitchFamily="34" charset="0"/>
+              </a:rPr>
+              <a:t>4 Transform the time series into a supervised learning problem</a:t>
+            </a:r>
+          </a:p>
+          <a:p>
+            <a:pPr fontAlgn="base"/>
+            <a:r>
+              <a:rPr lang="en-GB" sz="1600" dirty="0">
+                <a:latin typeface="Source Sans Pro" panose="020B0503030403020204" pitchFamily="34" charset="0"/>
+                <a:ea typeface="Source Sans Pro" panose="020B0503030403020204" pitchFamily="34" charset="0"/>
+              </a:rPr>
+              <a:t>	var1(t-1)	var1(t)</a:t>
+            </a:r>
+          </a:p>
+          <a:p>
+            <a:pPr fontAlgn="base"/>
+            <a:r>
+              <a:rPr lang="en-GB" sz="1600" dirty="0">
+                <a:latin typeface="Source Sans Pro" panose="020B0503030403020204" pitchFamily="34" charset="0"/>
+                <a:ea typeface="Source Sans Pro" panose="020B0503030403020204" pitchFamily="34" charset="0"/>
+              </a:rPr>
+              <a:t>1	0.736607	1.000000</a:t>
+            </a:r>
+          </a:p>
+          <a:p>
+            <a:pPr fontAlgn="base"/>
+            <a:r>
+              <a:rPr lang="en-GB" sz="1600" dirty="0">
+                <a:latin typeface="Source Sans Pro" panose="020B0503030403020204" pitchFamily="34" charset="0"/>
+                <a:ea typeface="Source Sans Pro" panose="020B0503030403020204" pitchFamily="34" charset="0"/>
+              </a:rPr>
+              <a:t>2	1.000000	-0.330357</a:t>
+            </a:r>
+          </a:p>
+          <a:p>
+            <a:pPr fontAlgn="base"/>
+            <a:r>
+              <a:rPr lang="en-GB" sz="1600" dirty="0">
+                <a:latin typeface="Source Sans Pro" panose="020B0503030403020204" pitchFamily="34" charset="0"/>
+                <a:ea typeface="Source Sans Pro" panose="020B0503030403020204" pitchFamily="34" charset="0"/>
+              </a:rPr>
+              <a:t>3	-0.330357	0.040179</a:t>
+            </a:r>
+          </a:p>
+          <a:p>
+            <a:pPr fontAlgn="base"/>
+            <a:r>
+              <a:rPr lang="en-GB" sz="1600" dirty="0">
+                <a:latin typeface="Source Sans Pro" panose="020B0503030403020204" pitchFamily="34" charset="0"/>
+                <a:ea typeface="Source Sans Pro" panose="020B0503030403020204" pitchFamily="34" charset="0"/>
+              </a:rPr>
+              <a:t>4	0.040179	-1.000000</a:t>
+            </a:r>
+          </a:p>
+          <a:p>
+            <a:pPr fontAlgn="base"/>
+            <a:r>
+              <a:rPr lang="en-GB" sz="1600" dirty="0">
+                <a:latin typeface="Source Sans Pro" panose="020B0503030403020204" pitchFamily="34" charset="0"/>
+                <a:ea typeface="Source Sans Pro" panose="020B0503030403020204" pitchFamily="34" charset="0"/>
+              </a:rPr>
+              <a:t>5	-1.000000	0.303571</a:t>
+            </a:r>
+          </a:p>
+          <a:p>
+            <a:pPr fontAlgn="base"/>
+            <a:endParaRPr lang="en-GB" sz="1600" dirty="0">
+              <a:latin typeface="Source Sans Pro" panose="020B0503030403020204" pitchFamily="34" charset="0"/>
+              <a:ea typeface="Source Sans Pro" panose="020B0503030403020204" pitchFamily="34" charset="0"/>
+            </a:endParaRPr>
+          </a:p>
+          <a:p>
+            <a:pPr marL="342900" indent="-342900" fontAlgn="base">
+              <a:buFont typeface="+mj-lt"/>
+              <a:buAutoNum type="arabicPeriod"/>
+            </a:pPr>
+            <a:endParaRPr lang="en-GB" sz="1600" dirty="0">
+              <a:latin typeface="Source Sans Pro" panose="020B0503030403020204" pitchFamily="34" charset="0"/>
+              <a:ea typeface="Source Sans Pro" panose="020B0503030403020204" pitchFamily="34" charset="0"/>
+            </a:endParaRPr>
+          </a:p>
+          <a:p>
+            <a:pPr fontAlgn="base"/>
+            <a:endParaRPr lang="en-GB" sz="1600" dirty="0">
+              <a:latin typeface="Source Sans Pro" panose="020B0503030403020204" pitchFamily="34" charset="0"/>
+              <a:ea typeface="Source Sans Pro" panose="020B0503030403020204" pitchFamily="34" charset="0"/>
+            </a:endParaRPr>
+          </a:p>
+          <a:p>
+            <a:pPr fontAlgn="base"/>
+            <a:endParaRPr lang="en-GB" sz="1600" dirty="0">
+              <a:latin typeface="Source Sans Pro" panose="020B0503030403020204" pitchFamily="34" charset="0"/>
+              <a:ea typeface="Source Sans Pro" panose="020B0503030403020204" pitchFamily="34" charset="0"/>
+            </a:endParaRPr>
+          </a:p>
+        </p:txBody>
+      </p:sp>
+    </p:spTree>
+    <p:extLst>
+      <p:ext uri="{BB962C8B-B14F-4D97-AF65-F5344CB8AC3E}">
+        <p14:creationId xmlns:p14="http://schemas.microsoft.com/office/powerpoint/2010/main" val="152653731"/>
+      </p:ext>
+    </p:extLst>
+  </p:cSld>
+  <p:clrMapOvr>
+    <a:masterClrMapping/>
+  </p:clrMapOvr>
+  <p:timing>
+    <p:tnLst>
+      <p:par>
+        <p:cTn id="1" dur="indefinite" restart="never" nodeType="tmRoot">
+          <p:childTnLst>
+            <p:seq concurrent="1" nextAc="seek">
+              <p:cTn id="2" dur="indefinite" nodeType="mainSeq">
+                <p:childTnLst>
+                  <p:par>
+                    <p:cTn id="3" fill="hold">
+                      <p:stCondLst>
+                        <p:cond delay="indefinite"/>
+                        <p:cond evt="onBegin" delay="0">
+                          <p:tn val="2"/>
+                        </p:cond>
+                      </p:stCondLst>
+                      <p:childTnLst>
                         <p:par>
-                          <p:cTn id="20" fill="hold">
+                          <p:cTn id="4" fill="hold">
                             <p:stCondLst>
-                              <p:cond delay="2000"/>
+                              <p:cond delay="0"/>
                             </p:stCondLst>
                             <p:childTnLst>
                               <p:par>
-                                <p:cTn id="21" presetID="10" presetClass="entr" presetSubtype="0" fill="hold" nodeType="afterEffect">
+                                <p:cTn id="5" presetID="10" presetClass="entr" presetSubtype="0" fill="hold" grpId="0" nodeType="withEffect">
                                   <p:stCondLst>
                                     <p:cond delay="0"/>
                                   </p:stCondLst>
                                   <p:childTnLst>
                                     <p:set>
                                       <p:cBhvr>
-                                        <p:cTn id="22" dur="1" fill="hold">
+                                        <p:cTn id="6" dur="1" fill="hold">
                                           <p:stCondLst>
                                             <p:cond delay="0"/>
                                           </p:stCondLst>
                                         </p:cTn>
                                         <p:tgtEl>
-                                          <p:sldTgt/>
+                                          <p:spTgt spid="17"/>
                                         </p:tgtEl>
                                         <p:attrNameLst>
                                           <p:attrName>style.visibility</p:attrName>
@@ -9080,9 +12044,61 @@
                                     </p:set>
                                     <p:animEffect transition="in" filter="fade">
                                       <p:cBhvr>
-                                        <p:cTn id="23" dur="500"/>
+                                        <p:cTn id="7" dur="500"/>
                                         <p:tgtEl>
-                                          <p:sldTgt/>
+                                          <p:spTgt spid="17"/>
+                                        </p:tgtEl>
+                                      </p:cBhvr>
+                                    </p:animEffect>
+                                  </p:childTnLst>
+                                </p:cTn>
+                              </p:par>
+                            </p:childTnLst>
+                          </p:cTn>
+                        </p:par>
+                        <p:par>
+                          <p:cTn id="8" fill="hold">
+                            <p:stCondLst>
+                              <p:cond delay="500"/>
+                            </p:stCondLst>
+                            <p:childTnLst>
+                              <p:par>
+                                <p:cTn id="9" presetID="10" presetClass="entr" presetSubtype="0" fill="hold" grpId="0" nodeType="afterEffect">
+                                  <p:stCondLst>
+                                    <p:cond delay="0"/>
+                                  </p:stCondLst>
+                                  <p:childTnLst>
+                                    <p:set>
+                                      <p:cBhvr>
+                                        <p:cTn id="10" dur="1" fill="hold">
+                                          <p:stCondLst>
+                                            <p:cond delay="0"/>
+                                          </p:stCondLst>
+                                        </p:cTn>
+                                        <p:tgtEl>
+                                          <p:spTgt spid="14">
+                                            <p:txEl>
+                                              <p:pRg st="0" end="0"/>
+                                            </p:txEl>
+                                          </p:spTgt>
+                                        </p:tgtEl>
+                                        <p:attrNameLst>
+                                          <p:attrName>style.visibility</p:attrName>
+                                        </p:attrNameLst>
+                                      </p:cBhvr>
+                                      <p:to>
+                                        <p:strVal val="visible"/>
+                                      </p:to>
+                                    </p:set>
+                                    <p:animEffect transition="in" filter="fade">
+                                      <p:cBhvr>
+                                        <p:cTn id="11" dur="500"/>
+                                        <p:tgtEl>
+                                          <p:spTgt spid="14">
+                                            <p:txEl>
+                                              <p:pRg st="0" end="0"/>
+                                            </p:txEl>
+                                          </p:spTgt>
                                         </p:tgtEl>
                                       </p:cBhvr>
                                     </p:animEffect>
@@ -9119,8 +12135,6 @@
     <p:bldLst>
       <p:bldP spid="14" grpId="0" uiExpand="1" build="p"/>
       <p:bldP spid="17" grpId="0" animBg="1"/>
-      <p:bldP spid="8" grpId="0" uiExpand="1" build="p"/>
-      <p:bldP spid="9" grpId="0" uiExpand="1" build="p"/>
     </p:bldLst>
   </p:timing>
 </p:sld>
@@ -9195,7 +12209,7 @@
                   <a:srgbClr val="0091EA"/>
                 </a:solidFill>
               </a:rPr>
-              <a:t>Univariate 1-step Forecasting (a quick example)</a:t>
+              <a:t>Univariate 1-step Baseline (a quick example)</a:t>
             </a:r>
           </a:p>
         </p:txBody>
@@ -9272,7 +12286,7 @@
         <p:spPr>
           <a:xfrm>
             <a:off x="850037" y="5773206"/>
-            <a:ext cx="7443926" cy="830997"/>
+            <a:ext cx="7443926" cy="584775"/>
           </a:xfrm>
           <a:prstGeom prst="rect">
             <a:avLst/>
@@ -9293,7 +12307,7 @@
                 <a:latin typeface="Source Sans Pro" panose="020B0503030403020204" pitchFamily="34" charset="0"/>
                 <a:ea typeface="Source Sans Pro" panose="020B0503030403020204" pitchFamily="34" charset="0"/>
               </a:rPr>
-              <a:t>LSTM RMSE Score: 2.468 US dollar </a:t>
+              <a:t>LSTM RMSE Score: 1.572 US dollar </a:t>
             </a:r>
           </a:p>
           <a:p>
@@ -9306,30 +12320,17 @@
                 <a:latin typeface="Source Sans Pro" panose="020B0503030403020204" pitchFamily="34" charset="0"/>
                 <a:ea typeface="Source Sans Pro" panose="020B0503030403020204" pitchFamily="34" charset="0"/>
               </a:rPr>
-              <a:t>LSTM trend Score: 36.8 % </a:t>
-            </a:r>
-          </a:p>
-          <a:p>
-            <a:pPr marL="342900" indent="-342900" fontAlgn="base">
-              <a:buFont typeface="+mj-lt"/>
-              <a:buAutoNum type="arabicPeriod"/>
-            </a:pPr>
-            <a:r>
-              <a:rPr lang="en-GB" sz="1600" dirty="0">
-                <a:latin typeface="Source Sans Pro" panose="020B0503030403020204" pitchFamily="34" charset="0"/>
-                <a:ea typeface="Source Sans Pro" panose="020B0503030403020204" pitchFamily="34" charset="0"/>
-              </a:rPr>
-              <a:t>Took 74 seconds to train!</a:t>
+              <a:t>LSTM trend Score: 0 % </a:t>
             </a:r>
           </a:p>
         </p:txBody>
       </p:sp>
       <p:pic>
         <p:nvPicPr>
-          <p:cNvPr id="3074" name="Picture 2">
+          <p:cNvPr id="2050" name="Picture 2">
             <a:extLst>
               <a:ext uri="{FF2B5EF4-FFF2-40B4-BE49-F238E27FC236}">
-                <a16:creationId xmlns:a16="http://schemas.microsoft.com/office/drawing/2014/main" id="{818FB475-07FD-4485-92E4-8287C2819836}"/>
+                <a16:creationId xmlns:a16="http://schemas.microsoft.com/office/drawing/2014/main" id="{9E5D0817-B908-4C11-B2A2-0EDD0747A8F8}"/>
               </a:ext>
             </a:extLst>
           </p:cNvPr>
@@ -9353,8 +12354,8 @@
         </p:blipFill>
         <p:spPr bwMode="auto">
           <a:xfrm>
-            <a:off x="449942" y="1814705"/>
-            <a:ext cx="7844021" cy="3889009"/>
+            <a:off x="449942" y="1884196"/>
+            <a:ext cx="7844021" cy="3889010"/>
           </a:xfrm>
           <a:prstGeom prst="rect">
             <a:avLst/>
@@ -9595,7 +12596,7 @@
                   <a:srgbClr val="0091EA"/>
                 </a:solidFill>
               </a:rPr>
-              <a:t>Univariate 1-step Forecasting (more training data)</a:t>
+              <a:t>Univariate 1-step Baseline (more data)</a:t>
             </a:r>
           </a:p>
         </p:txBody>
@@ -9672,7 +12673,7 @@
         <p:spPr>
           <a:xfrm>
             <a:off x="850037" y="5703714"/>
-            <a:ext cx="7443926" cy="830997"/>
+            <a:ext cx="7443926" cy="584775"/>
           </a:xfrm>
           <a:prstGeom prst="rect">
             <a:avLst/>
@@ -9693,7 +12694,7 @@
                 <a:latin typeface="Source Sans Pro" panose="020B0503030403020204" pitchFamily="34" charset="0"/>
                 <a:ea typeface="Source Sans Pro" panose="020B0503030403020204" pitchFamily="34" charset="0"/>
               </a:rPr>
-              <a:t>LSTM RMSE Score: 1.459 US dollar</a:t>
+              <a:t>LSTM RMSE Score: 1.443 US dollar</a:t>
             </a:r>
           </a:p>
           <a:p>
@@ -9706,30 +12707,17 @@
                 <a:latin typeface="Source Sans Pro" panose="020B0503030403020204" pitchFamily="34" charset="0"/>
                 <a:ea typeface="Source Sans Pro" panose="020B0503030403020204" pitchFamily="34" charset="0"/>
               </a:rPr>
-              <a:t>LSTM trend Score: 51.0 % </a:t>
-            </a:r>
-          </a:p>
-          <a:p>
-            <a:pPr marL="342900" indent="-342900" fontAlgn="base">
-              <a:buFont typeface="+mj-lt"/>
-              <a:buAutoNum type="arabicPeriod"/>
-            </a:pPr>
-            <a:r>
-              <a:rPr lang="en-GB" sz="1600" dirty="0">
-                <a:latin typeface="Source Sans Pro" panose="020B0503030403020204" pitchFamily="34" charset="0"/>
-                <a:ea typeface="Source Sans Pro" panose="020B0503030403020204" pitchFamily="34" charset="0"/>
-              </a:rPr>
-              <a:t>Took 1 hour to train…</a:t>
+              <a:t>LSTM trend Score: 0%</a:t>
             </a:r>
           </a:p>
         </p:txBody>
       </p:sp>
       <p:pic>
         <p:nvPicPr>
-          <p:cNvPr id="2050" name="Picture 2">
+          <p:cNvPr id="4098" name="Picture 2">
             <a:extLst>
               <a:ext uri="{FF2B5EF4-FFF2-40B4-BE49-F238E27FC236}">
-                <a16:creationId xmlns:a16="http://schemas.microsoft.com/office/drawing/2014/main" id="{191C845E-D0A3-40E4-B2B5-03F528F8CAFF}"/>
+                <a16:creationId xmlns:a16="http://schemas.microsoft.com/office/drawing/2014/main" id="{CC9BF71A-A776-407F-B0C3-4F6A9BB26534}"/>
               </a:ext>
             </a:extLst>
           </p:cNvPr>
@@ -9753,8 +12741,8 @@
         </p:blipFill>
         <p:spPr bwMode="auto">
           <a:xfrm>
-            <a:off x="449942" y="1741049"/>
-            <a:ext cx="7844021" cy="3962665"/>
+            <a:off x="449941" y="1728035"/>
+            <a:ext cx="7755595" cy="3975679"/>
           </a:xfrm>
           <a:prstGeom prst="rect">
             <a:avLst/>
@@ -9995,7 +12983,7 @@
                   <a:srgbClr val="0091EA"/>
                 </a:solidFill>
               </a:rPr>
-              <a:t>Univariate 3-step Forecasting (a quick example)</a:t>
+              <a:t>Univariate 1-step Forecasting (a quick example)</a:t>
             </a:r>
           </a:p>
         </p:txBody>
@@ -10071,7 +13059,7 @@
         </p:nvSpPr>
         <p:spPr>
           <a:xfrm>
-            <a:off x="850037" y="5859379"/>
+            <a:off x="850037" y="5773206"/>
             <a:ext cx="7443926" cy="830997"/>
           </a:xfrm>
           <a:prstGeom prst="rect">
@@ -10089,18 +13077,11 @@
               <a:buAutoNum type="arabicPeriod"/>
             </a:pPr>
             <a:r>
-              <a:rPr lang="fr-FR" sz="1600" dirty="0">
-                <a:latin typeface="Source Sans Pro" panose="020B0503030403020204" pitchFamily="34" charset="0"/>
-                <a:ea typeface="Source Sans Pro" panose="020B0503030403020204" pitchFamily="34" charset="0"/>
-              </a:rPr>
-              <a:t>RMSE:  	t+1:  5.095,  t+2:  4.266,  t+3:  6.202   </a:t>
-            </a:r>
-            <a:r>
               <a:rPr lang="en-GB" sz="1600" dirty="0">
                 <a:latin typeface="Source Sans Pro" panose="020B0503030403020204" pitchFamily="34" charset="0"/>
                 <a:ea typeface="Source Sans Pro" panose="020B0503030403020204" pitchFamily="34" charset="0"/>
               </a:rPr>
-              <a:t>US dollar </a:t>
+              <a:t>LSTM RMSE Score: 2.468 US dollar </a:t>
             </a:r>
           </a:p>
           <a:p>
@@ -10113,7 +13094,7 @@
                 <a:latin typeface="Source Sans Pro" panose="020B0503030403020204" pitchFamily="34" charset="0"/>
                 <a:ea typeface="Source Sans Pro" panose="020B0503030403020204" pitchFamily="34" charset="0"/>
               </a:rPr>
-              <a:t>Trend Score:          t+1: 31.5%,  t+2:  31.5%  ,  t+3: 42.1%</a:t>
+              <a:t>LSTM trend Score: 36.8 % </a:t>
             </a:r>
           </a:p>
           <a:p>
@@ -10126,17 +13107,17 @@
                 <a:latin typeface="Source Sans Pro" panose="020B0503030403020204" pitchFamily="34" charset="0"/>
                 <a:ea typeface="Source Sans Pro" panose="020B0503030403020204" pitchFamily="34" charset="0"/>
               </a:rPr>
-              <a:t>Took 72 second to train!</a:t>
+              <a:t>Took 74 seconds to train!</a:t>
             </a:r>
           </a:p>
         </p:txBody>
       </p:sp>
       <p:pic>
         <p:nvPicPr>
-          <p:cNvPr id="5122" name="Picture 2">
+          <p:cNvPr id="3074" name="Picture 2">
             <a:extLst>
               <a:ext uri="{FF2B5EF4-FFF2-40B4-BE49-F238E27FC236}">
-                <a16:creationId xmlns:a16="http://schemas.microsoft.com/office/drawing/2014/main" id="{CB195A27-1905-4A34-93C0-81DC687B24C8}"/>
+                <a16:creationId xmlns:a16="http://schemas.microsoft.com/office/drawing/2014/main" id="{818FB475-07FD-4485-92E4-8287C2819836}"/>
               </a:ext>
             </a:extLst>
           </p:cNvPr>
@@ -10160,8 +13141,8 @@
         </p:blipFill>
         <p:spPr bwMode="auto">
           <a:xfrm>
-            <a:off x="449942" y="1778596"/>
-            <a:ext cx="7635280" cy="4080783"/>
+            <a:off x="449942" y="1814705"/>
+            <a:ext cx="7844021" cy="3889009"/>
           </a:xfrm>
           <a:prstGeom prst="rect">
             <a:avLst/>
@@ -10178,104 +13159,10 @@
           </a:extLst>
         </p:spPr>
       </p:pic>
-      <p:sp>
-        <p:nvSpPr>
-          <p:cNvPr id="2" name="Rectangle 3">
-            <a:extLst>
-              <a:ext uri="{FF2B5EF4-FFF2-40B4-BE49-F238E27FC236}">
-                <a16:creationId xmlns:a16="http://schemas.microsoft.com/office/drawing/2014/main" id="{FF628130-C000-4674-B6C1-19DC9A941D11}"/>
-              </a:ext>
-            </a:extLst>
-          </p:cNvPr>
-          <p:cNvSpPr>
-            <a:spLocks noChangeArrowheads="1"/>
-          </p:cNvSpPr>
-          <p:nvPr/>
-        </p:nvSpPr>
-        <p:spPr bwMode="auto">
-          <a:xfrm>
-            <a:off x="0" y="90100"/>
-            <a:ext cx="65" cy="276999"/>
-          </a:xfrm>
-          <a:prstGeom prst="rect">
-            <a:avLst/>
-          </a:prstGeom>
-          <a:noFill/>
-          <a:ln>
-            <a:noFill/>
-          </a:ln>
-          <a:effectLst/>
-          <a:extLst>
-            <a:ext uri="{909E8E84-426E-40DD-AFC4-6F175D3DCCD1}">
-              <a14:hiddenFill xmlns:a14="http://schemas.microsoft.com/office/drawing/2010/main">
-                <a:solidFill>
-                  <a:schemeClr val="accent1"/>
-                </a:solidFill>
-              </a14:hiddenFill>
-            </a:ext>
-            <a:ext uri="{91240B29-F687-4F45-9708-019B960494DF}">
-              <a14:hiddenLine xmlns:a14="http://schemas.microsoft.com/office/drawing/2010/main" w="9525">
-                <a:solidFill>
-                  <a:schemeClr val="tx1"/>
-                </a:solidFill>
-                <a:miter lim="800000"/>
-                <a:headEnd/>
-                <a:tailEnd/>
-              </a14:hiddenLine>
-            </a:ext>
-            <a:ext uri="{AF507438-7753-43E0-B8FC-AC1667EBCBE1}">
-              <a14:hiddenEffects xmlns:a14="http://schemas.microsoft.com/office/drawing/2010/main">
-                <a:effectLst>
-                  <a:outerShdw dist="35921" dir="2700000" algn="ctr" rotWithShape="0">
-                    <a:schemeClr val="bg2"/>
-                  </a:outerShdw>
-                </a:effectLst>
-              </a14:hiddenEffects>
-            </a:ext>
-          </a:extLst>
-        </p:spPr>
-        <p:txBody>
-          <a:bodyPr vert="horz" wrap="none" lIns="0" tIns="0" rIns="0" bIns="0" numCol="1" anchor="ctr" anchorCtr="0" compatLnSpc="1">
-            <a:prstTxWarp prst="textNoShape">
-              <a:avLst/>
-            </a:prstTxWarp>
-            <a:spAutoFit/>
-          </a:bodyPr>
-          <a:lstStyle/>
-          <a:p>
-            <a:pPr marL="0" marR="0" lvl="0" indent="0" algn="l" defTabSz="914400" rtl="0" eaLnBrk="0" fontAlgn="base" latinLnBrk="0" hangingPunct="0">
-              <a:lnSpc>
-                <a:spcPct val="100000"/>
-              </a:lnSpc>
-              <a:spcBef>
-                <a:spcPct val="0"/>
-              </a:spcBef>
-              <a:spcAft>
-                <a:spcPct val="0"/>
-              </a:spcAft>
-              <a:buClrTx/>
-              <a:buSzTx/>
-              <a:buFontTx/>
-              <a:buNone/>
-              <a:tabLst/>
-            </a:pPr>
-            <a:endParaRPr kumimoji="0" lang="en-US" altLang="en-US" sz="1800" b="0" i="0" u="none" strike="noStrike" cap="none" normalizeH="0" baseline="0" dirty="0">
-              <a:ln>
-                <a:noFill/>
-              </a:ln>
-              <a:solidFill>
-                <a:schemeClr val="tx1"/>
-              </a:solidFill>
-              <a:effectLst/>
-              <a:latin typeface="Arial" panose="020B0604020202020204" pitchFamily="34" charset="0"/>
-            </a:endParaRPr>
-          </a:p>
-        </p:txBody>
-      </p:sp>
     </p:spTree>
     <p:extLst>
       <p:ext uri="{BB962C8B-B14F-4D97-AF65-F5344CB8AC3E}">
-        <p14:creationId xmlns:p14="http://schemas.microsoft.com/office/powerpoint/2010/main" val="592432139"/>
+        <p14:creationId xmlns:p14="http://schemas.microsoft.com/office/powerpoint/2010/main" val="2409222780"/>
       </p:ext>
     </p:extLst>
   </p:cSld>
@@ -10496,7 +13383,7 @@
                   <a:srgbClr val="0091EA"/>
                 </a:solidFill>
               </a:rPr>
-              <a:t>Univariate 3-step Forecasting (more training data)</a:t>
+              <a:t>Univariate 1-step Forecasting (more training data)</a:t>
             </a:r>
           </a:p>
         </p:txBody>
@@ -10572,7 +13459,7 @@
         </p:nvSpPr>
         <p:spPr>
           <a:xfrm>
-            <a:off x="850037" y="5859379"/>
+            <a:off x="850037" y="5703714"/>
             <a:ext cx="7443926" cy="830997"/>
           </a:xfrm>
           <a:prstGeom prst="rect">
@@ -10590,18 +13477,11 @@
               <a:buAutoNum type="arabicPeriod"/>
             </a:pPr>
             <a:r>
-              <a:rPr lang="fr-FR" sz="1600" dirty="0">
-                <a:latin typeface="Source Sans Pro" panose="020B0503030403020204" pitchFamily="34" charset="0"/>
-                <a:ea typeface="Source Sans Pro" panose="020B0503030403020204" pitchFamily="34" charset="0"/>
-              </a:rPr>
-              <a:t>RMSE:  	t+1:  1.577,  t+2:  2.174,  t+3:  2.740   </a:t>
-            </a:r>
-            <a:r>
               <a:rPr lang="en-GB" sz="1600" dirty="0">
                 <a:latin typeface="Source Sans Pro" panose="020B0503030403020204" pitchFamily="34" charset="0"/>
                 <a:ea typeface="Source Sans Pro" panose="020B0503030403020204" pitchFamily="34" charset="0"/>
               </a:rPr>
-              <a:t>US dollar </a:t>
+              <a:t>LSTM RMSE Score: 1.459 US dollar</a:t>
             </a:r>
           </a:p>
           <a:p>
@@ -10614,7 +13494,7 @@
                 <a:latin typeface="Source Sans Pro" panose="020B0503030403020204" pitchFamily="34" charset="0"/>
                 <a:ea typeface="Source Sans Pro" panose="020B0503030403020204" pitchFamily="34" charset="0"/>
               </a:rPr>
-              <a:t>Trend Score:          t+1: 48.6%,  t+2:  49.4% ,  t+3: 52.1%</a:t>
+              <a:t>LSTM trend Score: 51.0 % </a:t>
             </a:r>
           </a:p>
           <a:p>
@@ -10632,106 +13512,12 @@
           </a:p>
         </p:txBody>
       </p:sp>
-      <p:sp>
-        <p:nvSpPr>
-          <p:cNvPr id="2" name="Rectangle 3">
+      <p:pic>
+        <p:nvPicPr>
+          <p:cNvPr id="2050" name="Picture 2">
             <a:extLst>
               <a:ext uri="{FF2B5EF4-FFF2-40B4-BE49-F238E27FC236}">
-                <a16:creationId xmlns:a16="http://schemas.microsoft.com/office/drawing/2014/main" id="{FF628130-C000-4674-B6C1-19DC9A941D11}"/>
-              </a:ext>
-            </a:extLst>
-          </p:cNvPr>
-          <p:cNvSpPr>
-            <a:spLocks noChangeArrowheads="1"/>
-          </p:cNvSpPr>
-          <p:nvPr/>
-        </p:nvSpPr>
-        <p:spPr bwMode="auto">
-          <a:xfrm>
-            <a:off x="0" y="90100"/>
-            <a:ext cx="65" cy="276999"/>
-          </a:xfrm>
-          <a:prstGeom prst="rect">
-            <a:avLst/>
-          </a:prstGeom>
-          <a:noFill/>
-          <a:ln>
-            <a:noFill/>
-          </a:ln>
-          <a:effectLst/>
-          <a:extLst>
-            <a:ext uri="{909E8E84-426E-40DD-AFC4-6F175D3DCCD1}">
-              <a14:hiddenFill xmlns:a14="http://schemas.microsoft.com/office/drawing/2010/main">
-                <a:solidFill>
-                  <a:schemeClr val="accent1"/>
-                </a:solidFill>
-              </a14:hiddenFill>
-            </a:ext>
-            <a:ext uri="{91240B29-F687-4F45-9708-019B960494DF}">
-              <a14:hiddenLine xmlns:a14="http://schemas.microsoft.com/office/drawing/2010/main" w="9525">
-                <a:solidFill>
-                  <a:schemeClr val="tx1"/>
-                </a:solidFill>
-                <a:miter lim="800000"/>
-                <a:headEnd/>
-                <a:tailEnd/>
-              </a14:hiddenLine>
-            </a:ext>
-            <a:ext uri="{AF507438-7753-43E0-B8FC-AC1667EBCBE1}">
-              <a14:hiddenEffects xmlns:a14="http://schemas.microsoft.com/office/drawing/2010/main">
-                <a:effectLst>
-                  <a:outerShdw dist="35921" dir="2700000" algn="ctr" rotWithShape="0">
-                    <a:schemeClr val="bg2"/>
-                  </a:outerShdw>
-                </a:effectLst>
-              </a14:hiddenEffects>
-            </a:ext>
-          </a:extLst>
-        </p:spPr>
-        <p:txBody>
-          <a:bodyPr vert="horz" wrap="none" lIns="0" tIns="0" rIns="0" bIns="0" numCol="1" anchor="ctr" anchorCtr="0" compatLnSpc="1">
-            <a:prstTxWarp prst="textNoShape">
-              <a:avLst/>
-            </a:prstTxWarp>
-            <a:spAutoFit/>
-          </a:bodyPr>
-          <a:lstStyle/>
-          <a:p>
-            <a:pPr marL="0" marR="0" lvl="0" indent="0" algn="l" defTabSz="914400" rtl="0" eaLnBrk="0" fontAlgn="base" latinLnBrk="0" hangingPunct="0">
-              <a:lnSpc>
-                <a:spcPct val="100000"/>
-              </a:lnSpc>
-              <a:spcBef>
-                <a:spcPct val="0"/>
-              </a:spcBef>
-              <a:spcAft>
-                <a:spcPct val="0"/>
-              </a:spcAft>
-              <a:buClrTx/>
-              <a:buSzTx/>
-              <a:buFontTx/>
-              <a:buNone/>
-              <a:tabLst/>
-            </a:pPr>
-            <a:endParaRPr kumimoji="0" lang="en-US" altLang="en-US" sz="1800" b="0" i="0" u="none" strike="noStrike" cap="none" normalizeH="0" baseline="0" dirty="0">
-              <a:ln>
-                <a:noFill/>
-              </a:ln>
-              <a:solidFill>
-                <a:schemeClr val="tx1"/>
-              </a:solidFill>
-              <a:effectLst/>
-              <a:latin typeface="Arial" panose="020B0604020202020204" pitchFamily="34" charset="0"/>
-            </a:endParaRPr>
-          </a:p>
-        </p:txBody>
-      </p:sp>
-      <p:pic>
-        <p:nvPicPr>
-          <p:cNvPr id="6146" name="Picture 2">
-            <a:extLst>
-              <a:ext uri="{FF2B5EF4-FFF2-40B4-BE49-F238E27FC236}">
-                <a16:creationId xmlns:a16="http://schemas.microsoft.com/office/drawing/2014/main" id="{44ACE156-ADBB-47D7-AEC5-64EFC2FBD978}"/>
+                <a16:creationId xmlns:a16="http://schemas.microsoft.com/office/drawing/2014/main" id="{191C845E-D0A3-40E4-B2B5-03F528F8CAFF}"/>
               </a:ext>
             </a:extLst>
           </p:cNvPr>
@@ -10755,8 +13541,8 @@
         </p:blipFill>
         <p:spPr bwMode="auto">
           <a:xfrm>
-            <a:off x="449942" y="1775472"/>
-            <a:ext cx="7443926" cy="4179469"/>
+            <a:off x="449942" y="1741049"/>
+            <a:ext cx="7844021" cy="3962665"/>
           </a:xfrm>
           <a:prstGeom prst="rect">
             <a:avLst/>
@@ -10776,7 +13562,7 @@
     </p:spTree>
     <p:extLst>
       <p:ext uri="{BB962C8B-B14F-4D97-AF65-F5344CB8AC3E}">
-        <p14:creationId xmlns:p14="http://schemas.microsoft.com/office/powerpoint/2010/main" val="1003872142"/>
+        <p14:creationId xmlns:p14="http://schemas.microsoft.com/office/powerpoint/2010/main" val="1918629143"/>
       </p:ext>
     </p:extLst>
   </p:cSld>
@@ -10957,7 +13743,7 @@
         </p:nvSpPr>
         <p:spPr>
           <a:xfrm>
-            <a:off x="449942" y="1325114"/>
+            <a:off x="449942" y="1154286"/>
             <a:ext cx="8244116" cy="766007"/>
           </a:xfrm>
           <a:prstGeom prst="rect">
@@ -10997,7 +13783,7 @@
                   <a:srgbClr val="0091EA"/>
                 </a:solidFill>
               </a:rPr>
-              <a:t>Evaluation</a:t>
+              <a:t>Univariate 3-step Baseline (a quick example)</a:t>
             </a:r>
           </a:p>
         </p:txBody>
@@ -11053,7 +13839,7 @@
                 </a:solidFill>
                 <a:latin typeface="Roboto Slab"/>
               </a:rPr>
-              <a:t>Current Progress: Next Steps</a:t>
+              <a:t>Current Progress: Achieved</a:t>
             </a:r>
             <a:endParaRPr lang="en-GB" sz="3200" dirty="0"/>
           </a:p>
@@ -11061,102 +13847,10 @@
       </p:sp>
       <p:sp>
         <p:nvSpPr>
-          <p:cNvPr id="2" name="TextBox 1">
+          <p:cNvPr id="7" name="Rectangle 6">
             <a:extLst>
               <a:ext uri="{FF2B5EF4-FFF2-40B4-BE49-F238E27FC236}">
-                <a16:creationId xmlns:a16="http://schemas.microsoft.com/office/drawing/2014/main" id="{02F5F27B-5397-45D8-A1DA-A28D527FBDD4}"/>
-              </a:ext>
-            </a:extLst>
-          </p:cNvPr>
-          <p:cNvSpPr txBox="1"/>
-          <p:nvPr/>
-        </p:nvSpPr>
-        <p:spPr>
-          <a:xfrm>
-            <a:off x="772357" y="2074289"/>
-            <a:ext cx="5065810" cy="1415772"/>
-          </a:xfrm>
-          <a:prstGeom prst="rect">
-            <a:avLst/>
-          </a:prstGeom>
-          <a:noFill/>
-        </p:spPr>
-        <p:txBody>
-          <a:bodyPr wrap="none" rtlCol="0">
-            <a:spAutoFit/>
-          </a:bodyPr>
-          <a:lstStyle/>
-          <a:p>
-            <a:pPr marL="342900" indent="-342900" fontAlgn="base">
-              <a:buFont typeface="+mj-lt"/>
-              <a:buAutoNum type="arabicPeriod"/>
-            </a:pPr>
-            <a:r>
-              <a:rPr lang="en-GB" dirty="0">
-                <a:latin typeface="Source Sans Pro" panose="020B0503030403020204" pitchFamily="34" charset="0"/>
-                <a:ea typeface="Source Sans Pro" panose="020B0503030403020204" pitchFamily="34" charset="0"/>
-              </a:rPr>
-              <a:t>Compare to baseline models like Persistence Model Forecast</a:t>
-            </a:r>
-          </a:p>
-          <a:p>
-            <a:pPr marL="342900" indent="-342900" fontAlgn="base">
-              <a:buFont typeface="+mj-lt"/>
-              <a:buAutoNum type="arabicPeriod"/>
-            </a:pPr>
-            <a:r>
-              <a:rPr lang="en-GB" dirty="0">
-                <a:latin typeface="Source Sans Pro" panose="020B0503030403020204" pitchFamily="34" charset="0"/>
-                <a:ea typeface="Source Sans Pro" panose="020B0503030403020204" pitchFamily="34" charset="0"/>
-              </a:rPr>
-              <a:t>Training, validation, and testing set</a:t>
-            </a:r>
-          </a:p>
-          <a:p>
-            <a:pPr marL="342900" indent="-342900" fontAlgn="base">
-              <a:buFont typeface="+mj-lt"/>
-              <a:buAutoNum type="arabicPeriod"/>
-            </a:pPr>
-            <a:r>
-              <a:rPr lang="en-GB" dirty="0">
-                <a:latin typeface="Source Sans Pro" panose="020B0503030403020204" pitchFamily="34" charset="0"/>
-                <a:ea typeface="Source Sans Pro" panose="020B0503030403020204" pitchFamily="34" charset="0"/>
-              </a:rPr>
-              <a:t>Parameter optimisation </a:t>
-            </a:r>
-          </a:p>
-          <a:p>
-            <a:pPr marL="342900" indent="-342900" fontAlgn="base">
-              <a:buFont typeface="+mj-lt"/>
-              <a:buAutoNum type="arabicPeriod"/>
-            </a:pPr>
-            <a:endParaRPr lang="en-GB" dirty="0">
-              <a:latin typeface="Source Sans Pro" panose="020B0503030403020204" pitchFamily="34" charset="0"/>
-              <a:ea typeface="Source Sans Pro" panose="020B0503030403020204" pitchFamily="34" charset="0"/>
-            </a:endParaRPr>
-          </a:p>
-          <a:p>
-            <a:pPr fontAlgn="base"/>
-            <a:endParaRPr lang="en-GB" dirty="0">
-              <a:latin typeface="Source Sans Pro" panose="020B0503030403020204" pitchFamily="34" charset="0"/>
-              <a:ea typeface="Source Sans Pro" panose="020B0503030403020204" pitchFamily="34" charset="0"/>
-            </a:endParaRPr>
-          </a:p>
-          <a:p>
-            <a:pPr fontAlgn="base"/>
-            <a:endParaRPr lang="en-GB" dirty="0">
-              <a:latin typeface="Source Sans Pro" panose="020B0503030403020204" pitchFamily="34" charset="0"/>
-              <a:ea typeface="Source Sans Pro" panose="020B0503030403020204" pitchFamily="34" charset="0"/>
-            </a:endParaRPr>
-          </a:p>
-        </p:txBody>
-      </p:sp>
-      <p:sp>
-        <p:nvSpPr>
-          <p:cNvPr id="9" name="Rectangle 8">
-            <a:extLst>
-              <a:ext uri="{FF2B5EF4-FFF2-40B4-BE49-F238E27FC236}">
-                <a16:creationId xmlns:a16="http://schemas.microsoft.com/office/drawing/2014/main" id="{62DC7D65-7063-4899-A919-B72F9DD48024}"/>
+                <a16:creationId xmlns:a16="http://schemas.microsoft.com/office/drawing/2014/main" id="{B110BA66-323F-4557-8FEA-C92666DD4FF7}"/>
               </a:ext>
             </a:extLst>
           </p:cNvPr>
@@ -11165,8 +13859,8 @@
         </p:nvSpPr>
         <p:spPr>
           <a:xfrm>
-            <a:off x="772357" y="3874876"/>
-            <a:ext cx="7443926" cy="584775"/>
+            <a:off x="850037" y="5859379"/>
+            <a:ext cx="7443926" cy="830997"/>
           </a:xfrm>
           <a:prstGeom prst="rect">
             <a:avLst/>
@@ -11183,11 +13877,18 @@
               <a:buAutoNum type="arabicPeriod"/>
             </a:pPr>
             <a:r>
+              <a:rPr lang="fr-FR" sz="1600" dirty="0">
+                <a:latin typeface="Source Sans Pro" panose="020B0503030403020204" pitchFamily="34" charset="0"/>
+                <a:ea typeface="Source Sans Pro" panose="020B0503030403020204" pitchFamily="34" charset="0"/>
+              </a:rPr>
+              <a:t>RMSE:  	t+1:  5.095,  t+2:  4.266,  t+3:  6.202   </a:t>
+            </a:r>
+            <a:r>
               <a:rPr lang="en-GB" sz="1600" dirty="0">
                 <a:latin typeface="Source Sans Pro" panose="020B0503030403020204" pitchFamily="34" charset="0"/>
                 <a:ea typeface="Source Sans Pro" panose="020B0503030403020204" pitchFamily="34" charset="0"/>
               </a:rPr>
-              <a:t>Training data not only just include share price data but also other indicators</a:t>
+              <a:t>US dollar </a:t>
             </a:r>
           </a:p>
           <a:p>
@@ -11195,320 +13896,174 @@
               <a:buFont typeface="+mj-lt"/>
               <a:buAutoNum type="arabicPeriod"/>
             </a:pPr>
-            <a:endParaRPr lang="en-GB" sz="1600" dirty="0">
-              <a:latin typeface="Source Sans Pro" panose="020B0503030403020204" pitchFamily="34" charset="0"/>
-              <a:ea typeface="Source Sans Pro" panose="020B0503030403020204" pitchFamily="34" charset="0"/>
-            </a:endParaRPr>
+            <a:r>
+              <a:rPr lang="en-GB" sz="1600" dirty="0">
+                <a:latin typeface="Source Sans Pro" panose="020B0503030403020204" pitchFamily="34" charset="0"/>
+                <a:ea typeface="Source Sans Pro" panose="020B0503030403020204" pitchFamily="34" charset="0"/>
+              </a:rPr>
+              <a:t>Trend Score:          t+1: 31.5%,  t+2:  31.5%  ,  t+3: 42.1%</a:t>
+            </a:r>
+          </a:p>
+          <a:p>
+            <a:pPr marL="342900" indent="-342900" fontAlgn="base">
+              <a:buFont typeface="+mj-lt"/>
+              <a:buAutoNum type="arabicPeriod"/>
+            </a:pPr>
+            <a:r>
+              <a:rPr lang="en-GB" sz="1600" dirty="0">
+                <a:latin typeface="Source Sans Pro" panose="020B0503030403020204" pitchFamily="34" charset="0"/>
+                <a:ea typeface="Source Sans Pro" panose="020B0503030403020204" pitchFamily="34" charset="0"/>
+              </a:rPr>
+              <a:t>Took 72 second to train!</a:t>
+            </a:r>
           </a:p>
         </p:txBody>
       </p:sp>
       <p:sp>
         <p:nvSpPr>
-          <p:cNvPr id="10" name="Google Shape;115;p19">
+          <p:cNvPr id="2" name="Rectangle 3">
             <a:extLst>
               <a:ext uri="{FF2B5EF4-FFF2-40B4-BE49-F238E27FC236}">
-                <a16:creationId xmlns:a16="http://schemas.microsoft.com/office/drawing/2014/main" id="{BA5E5C99-3D29-4E2A-918E-F552533F3756}"/>
+                <a16:creationId xmlns:a16="http://schemas.microsoft.com/office/drawing/2014/main" id="{FF628130-C000-4674-B6C1-19DC9A941D11}"/>
               </a:ext>
             </a:extLst>
           </p:cNvPr>
-          <p:cNvSpPr txBox="1">
-            <a:spLocks/>
+          <p:cNvSpPr>
+            <a:spLocks noChangeArrowheads="1"/>
           </p:cNvSpPr>
           <p:nvPr/>
         </p:nvSpPr>
-        <p:spPr>
+        <p:spPr bwMode="auto">
           <a:xfrm>
-            <a:off x="513565" y="3182379"/>
-            <a:ext cx="8244116" cy="766007"/>
+            <a:off x="0" y="90100"/>
+            <a:ext cx="65" cy="276999"/>
           </a:xfrm>
           <a:prstGeom prst="rect">
             <a:avLst/>
           </a:prstGeom>
+          <a:noFill/>
+          <a:ln>
+            <a:noFill/>
+          </a:ln>
+          <a:effectLst/>
+          <a:extLst>
+            <a:ext uri="{909E8E84-426E-40DD-AFC4-6F175D3DCCD1}">
+              <a14:hiddenFill xmlns:a14="http://schemas.microsoft.com/office/drawing/2010/main">
+                <a:solidFill>
+                  <a:schemeClr val="accent1"/>
+                </a:solidFill>
+              </a14:hiddenFill>
+            </a:ext>
+            <a:ext uri="{91240B29-F687-4F45-9708-019B960494DF}">
+              <a14:hiddenLine xmlns:a14="http://schemas.microsoft.com/office/drawing/2010/main" w="9525">
+                <a:solidFill>
+                  <a:schemeClr val="tx1"/>
+                </a:solidFill>
+                <a:miter lim="800000"/>
+                <a:headEnd/>
+                <a:tailEnd/>
+              </a14:hiddenLine>
+            </a:ext>
+            <a:ext uri="{AF507438-7753-43E0-B8FC-AC1667EBCBE1}">
+              <a14:hiddenEffects xmlns:a14="http://schemas.microsoft.com/office/drawing/2010/main">
+                <a:effectLst>
+                  <a:outerShdw dist="35921" dir="2700000" algn="ctr" rotWithShape="0">
+                    <a:schemeClr val="bg2"/>
+                  </a:outerShdw>
+                </a:effectLst>
+              </a14:hiddenEffects>
+            </a:ext>
+          </a:extLst>
         </p:spPr>
-        <p:style>
-          <a:lnRef idx="0">
-            <a:scrgbClr r="0" g="0" b="0"/>
-          </a:lnRef>
-          <a:fillRef idx="0">
-            <a:scrgbClr r="0" g="0" b="0"/>
-          </a:fillRef>
-          <a:effectRef idx="0">
-            <a:scrgbClr r="0" g="0" b="0"/>
-          </a:effectRef>
-          <a:fontRef idx="minor">
-            <a:schemeClr val="dk1"/>
-          </a:fontRef>
-        </p:style>
         <p:txBody>
-          <a:bodyPr spcFirstLastPara="1" wrap="square" lIns="91425" tIns="91425" rIns="91425" bIns="91425" anchor="t" anchorCtr="0">
-            <a:noAutofit/>
+          <a:bodyPr vert="horz" wrap="none" lIns="0" tIns="0" rIns="0" bIns="0" numCol="1" anchor="ctr" anchorCtr="0" compatLnSpc="1">
+            <a:prstTxWarp prst="textNoShape">
+              <a:avLst/>
+            </a:prstTxWarp>
+            <a:spAutoFit/>
           </a:bodyPr>
-          <a:lstStyle>
-            <a:defPPr marR="0" lvl="0" algn="l" rtl="0">
+          <a:lstStyle/>
+          <a:p>
+            <a:pPr marL="0" marR="0" lvl="0" indent="0" algn="l" defTabSz="914400" rtl="0" eaLnBrk="0" fontAlgn="base" latinLnBrk="0" hangingPunct="0">
               <a:lnSpc>
                 <a:spcPct val="100000"/>
               </a:lnSpc>
               <a:spcBef>
-                <a:spcPts val="0"/>
+                <a:spcPct val="0"/>
               </a:spcBef>
               <a:spcAft>
-                <a:spcPts val="0"/>
+                <a:spcPct val="0"/>
               </a:spcAft>
-            </a:defPPr>
-            <a:lvl1pPr marL="457200" marR="0" lvl="0" indent="-419100" algn="l" rtl="0">
-              <a:lnSpc>
-                <a:spcPct val="100000"/>
-              </a:lnSpc>
-              <a:spcBef>
-                <a:spcPts val="600"/>
-              </a:spcBef>
-              <a:spcAft>
-                <a:spcPts val="0"/>
-              </a:spcAft>
-              <a:buClr>
-                <a:srgbClr val="CFD8DC"/>
-              </a:buClr>
-              <a:buSzPts val="3000"/>
-              <a:buFont typeface="Source Sans Pro"/>
-              <a:buChar char="◎"/>
-              <a:defRPr sz="3000" b="0" i="0" u="none" strike="noStrike" cap="none">
-                <a:solidFill>
-                  <a:srgbClr val="263238"/>
-                </a:solidFill>
-                <a:latin typeface="Source Sans Pro"/>
-                <a:ea typeface="Source Sans Pro"/>
-                <a:cs typeface="Source Sans Pro"/>
-                <a:sym typeface="Source Sans Pro"/>
-              </a:defRPr>
-            </a:lvl1pPr>
-            <a:lvl2pPr marL="914400" marR="0" lvl="1" indent="-381000" algn="l" rtl="0">
-              <a:lnSpc>
-                <a:spcPct val="100000"/>
-              </a:lnSpc>
-              <a:spcBef>
-                <a:spcPts val="0"/>
-              </a:spcBef>
-              <a:spcAft>
-                <a:spcPts val="0"/>
-              </a:spcAft>
-              <a:buClr>
-                <a:srgbClr val="CFD8DC"/>
-              </a:buClr>
-              <a:buSzPts val="2400"/>
-              <a:buFont typeface="Source Sans Pro"/>
-              <a:buChar char="○"/>
-              <a:defRPr sz="2400" b="0" i="0" u="none" strike="noStrike" cap="none">
-                <a:solidFill>
-                  <a:srgbClr val="263238"/>
-                </a:solidFill>
-                <a:latin typeface="Source Sans Pro"/>
-                <a:ea typeface="Source Sans Pro"/>
-                <a:cs typeface="Source Sans Pro"/>
-                <a:sym typeface="Source Sans Pro"/>
-              </a:defRPr>
-            </a:lvl2pPr>
-            <a:lvl3pPr marL="1371600" marR="0" lvl="2" indent="-381000" algn="l" rtl="0">
-              <a:lnSpc>
-                <a:spcPct val="100000"/>
-              </a:lnSpc>
-              <a:spcBef>
-                <a:spcPts val="0"/>
-              </a:spcBef>
-              <a:spcAft>
-                <a:spcPts val="0"/>
-              </a:spcAft>
-              <a:buClr>
-                <a:srgbClr val="CFD8DC"/>
-              </a:buClr>
-              <a:buSzPts val="2400"/>
-              <a:buFont typeface="Source Sans Pro"/>
-              <a:buChar char="◉"/>
-              <a:defRPr sz="2400" b="0" i="0" u="none" strike="noStrike" cap="none">
-                <a:solidFill>
-                  <a:srgbClr val="263238"/>
-                </a:solidFill>
-                <a:latin typeface="Source Sans Pro"/>
-                <a:ea typeface="Source Sans Pro"/>
-                <a:cs typeface="Source Sans Pro"/>
-                <a:sym typeface="Source Sans Pro"/>
-              </a:defRPr>
-            </a:lvl3pPr>
-            <a:lvl4pPr marL="1828800" marR="0" lvl="3" indent="-342900" algn="l" rtl="0">
-              <a:lnSpc>
-                <a:spcPct val="100000"/>
-              </a:lnSpc>
-              <a:spcBef>
-                <a:spcPts val="0"/>
-              </a:spcBef>
-              <a:spcAft>
-                <a:spcPts val="0"/>
-              </a:spcAft>
-              <a:buClr>
-                <a:srgbClr val="CFD8DC"/>
-              </a:buClr>
-              <a:buSzPts val="1800"/>
-              <a:buFont typeface="Source Sans Pro"/>
-              <a:buChar char="●"/>
-              <a:defRPr sz="1800" b="0" i="0" u="none" strike="noStrike" cap="none">
-                <a:solidFill>
-                  <a:srgbClr val="263238"/>
-                </a:solidFill>
-                <a:latin typeface="Source Sans Pro"/>
-                <a:ea typeface="Source Sans Pro"/>
-                <a:cs typeface="Source Sans Pro"/>
-                <a:sym typeface="Source Sans Pro"/>
-              </a:defRPr>
-            </a:lvl4pPr>
-            <a:lvl5pPr marL="2286000" marR="0" lvl="4" indent="-342900" algn="l" rtl="0">
-              <a:lnSpc>
-                <a:spcPct val="100000"/>
-              </a:lnSpc>
-              <a:spcBef>
-                <a:spcPts val="0"/>
-              </a:spcBef>
-              <a:spcAft>
-                <a:spcPts val="0"/>
-              </a:spcAft>
-              <a:buClr>
-                <a:srgbClr val="CFD8DC"/>
-              </a:buClr>
-              <a:buSzPts val="1800"/>
-              <a:buFont typeface="Source Sans Pro"/>
-              <a:buChar char="○"/>
-              <a:defRPr sz="1800" b="0" i="0" u="none" strike="noStrike" cap="none">
-                <a:solidFill>
-                  <a:srgbClr val="263238"/>
-                </a:solidFill>
-                <a:latin typeface="Source Sans Pro"/>
-                <a:ea typeface="Source Sans Pro"/>
-                <a:cs typeface="Source Sans Pro"/>
-                <a:sym typeface="Source Sans Pro"/>
-              </a:defRPr>
-            </a:lvl5pPr>
-            <a:lvl6pPr marL="2743200" marR="0" lvl="5" indent="-342900" algn="l" rtl="0">
-              <a:lnSpc>
-                <a:spcPct val="100000"/>
-              </a:lnSpc>
-              <a:spcBef>
-                <a:spcPts val="0"/>
-              </a:spcBef>
-              <a:spcAft>
-                <a:spcPts val="0"/>
-              </a:spcAft>
-              <a:buClr>
-                <a:srgbClr val="CFD8DC"/>
-              </a:buClr>
-              <a:buSzPts val="1800"/>
-              <a:buFont typeface="Source Sans Pro"/>
-              <a:buChar char="■"/>
-              <a:defRPr sz="1800" b="0" i="0" u="none" strike="noStrike" cap="none">
-                <a:solidFill>
-                  <a:srgbClr val="263238"/>
-                </a:solidFill>
-                <a:latin typeface="Source Sans Pro"/>
-                <a:ea typeface="Source Sans Pro"/>
-                <a:cs typeface="Source Sans Pro"/>
-                <a:sym typeface="Source Sans Pro"/>
-              </a:defRPr>
-            </a:lvl6pPr>
-            <a:lvl7pPr marL="3200400" marR="0" lvl="6" indent="-342900" algn="l" rtl="0">
-              <a:lnSpc>
-                <a:spcPct val="100000"/>
-              </a:lnSpc>
-              <a:spcBef>
-                <a:spcPts val="0"/>
-              </a:spcBef>
-              <a:spcAft>
-                <a:spcPts val="0"/>
-              </a:spcAft>
-              <a:buClr>
-                <a:srgbClr val="CFD8DC"/>
-              </a:buClr>
-              <a:buSzPts val="1800"/>
-              <a:buFont typeface="Source Sans Pro"/>
-              <a:buChar char="●"/>
-              <a:defRPr sz="1800" b="0" i="0" u="none" strike="noStrike" cap="none">
-                <a:solidFill>
-                  <a:srgbClr val="263238"/>
-                </a:solidFill>
-                <a:latin typeface="Source Sans Pro"/>
-                <a:ea typeface="Source Sans Pro"/>
-                <a:cs typeface="Source Sans Pro"/>
-                <a:sym typeface="Source Sans Pro"/>
-              </a:defRPr>
-            </a:lvl7pPr>
-            <a:lvl8pPr marL="3657600" marR="0" lvl="7" indent="-342900" algn="l" rtl="0">
-              <a:lnSpc>
-                <a:spcPct val="100000"/>
-              </a:lnSpc>
-              <a:spcBef>
-                <a:spcPts val="0"/>
-              </a:spcBef>
-              <a:spcAft>
-                <a:spcPts val="0"/>
-              </a:spcAft>
-              <a:buClr>
-                <a:srgbClr val="CFD8DC"/>
-              </a:buClr>
-              <a:buSzPts val="1800"/>
-              <a:buFont typeface="Source Sans Pro"/>
-              <a:buChar char="○"/>
-              <a:defRPr sz="1800" b="0" i="0" u="none" strike="noStrike" cap="none">
-                <a:solidFill>
-                  <a:srgbClr val="263238"/>
-                </a:solidFill>
-                <a:latin typeface="Source Sans Pro"/>
-                <a:ea typeface="Source Sans Pro"/>
-                <a:cs typeface="Source Sans Pro"/>
-                <a:sym typeface="Source Sans Pro"/>
-              </a:defRPr>
-            </a:lvl8pPr>
-            <a:lvl9pPr marL="4114800" marR="0" lvl="8" indent="-342900" algn="l" rtl="0">
-              <a:lnSpc>
-                <a:spcPct val="100000"/>
-              </a:lnSpc>
-              <a:spcBef>
-                <a:spcPts val="0"/>
-              </a:spcBef>
-              <a:spcAft>
-                <a:spcPts val="0"/>
-              </a:spcAft>
-              <a:buClr>
-                <a:srgbClr val="CFD8DC"/>
-              </a:buClr>
-              <a:buSzPts val="1800"/>
-              <a:buFont typeface="Source Sans Pro"/>
-              <a:buChar char="■"/>
-              <a:defRPr sz="1800" b="0" i="0" u="none" strike="noStrike" cap="none">
-                <a:solidFill>
-                  <a:srgbClr val="263238"/>
-                </a:solidFill>
-                <a:latin typeface="Source Sans Pro"/>
-                <a:ea typeface="Source Sans Pro"/>
-                <a:cs typeface="Source Sans Pro"/>
-                <a:sym typeface="Source Sans Pro"/>
-              </a:defRPr>
-            </a:lvl9pPr>
-          </a:lstStyle>
-          <a:p>
-            <a:pPr marL="0" indent="0">
+              <a:buClrTx/>
+              <a:buSzTx/>
+              <a:buFontTx/>
               <a:buNone/>
+              <a:tabLst/>
             </a:pPr>
-            <a:r>
-              <a:rPr lang="en-GB" sz="2800" dirty="0">
-                <a:solidFill>
-                  <a:srgbClr val="0091EA"/>
-                </a:solidFill>
-              </a:rPr>
-              <a:t>Multivariate One-step vs Multi-step forecasting </a:t>
-            </a:r>
+            <a:endParaRPr kumimoji="0" lang="en-US" altLang="en-US" sz="1800" b="0" i="0" u="none" strike="noStrike" cap="none" normalizeH="0" baseline="0" dirty="0">
+              <a:ln>
+                <a:noFill/>
+              </a:ln>
+              <a:solidFill>
+                <a:schemeClr val="tx1"/>
+              </a:solidFill>
+              <a:effectLst/>
+              <a:latin typeface="Arial" panose="020B0604020202020204" pitchFamily="34" charset="0"/>
+            </a:endParaRPr>
           </a:p>
         </p:txBody>
       </p:sp>
+      <p:pic>
+        <p:nvPicPr>
+          <p:cNvPr id="3078" name="Picture 6">
+            <a:extLst>
+              <a:ext uri="{FF2B5EF4-FFF2-40B4-BE49-F238E27FC236}">
+                <a16:creationId xmlns:a16="http://schemas.microsoft.com/office/drawing/2014/main" id="{EC953E66-D8ED-4B03-9295-C68EB9E57290}"/>
+              </a:ext>
+            </a:extLst>
+          </p:cNvPr>
+          <p:cNvPicPr>
+            <a:picLocks noChangeAspect="1" noChangeArrowheads="1"/>
+          </p:cNvPicPr>
+          <p:nvPr/>
+        </p:nvPicPr>
+        <p:blipFill>
+          <a:blip r:embed="rId3">
+            <a:extLst>
+              <a:ext uri="{28A0092B-C50C-407E-A947-70E740481C1C}">
+                <a14:useLocalDpi xmlns:a14="http://schemas.microsoft.com/office/drawing/2010/main" val="0"/>
+              </a:ext>
+            </a:extLst>
+          </a:blip>
+          <a:srcRect/>
+          <a:stretch>
+            <a:fillRect/>
+          </a:stretch>
+        </p:blipFill>
+        <p:spPr bwMode="auto">
+          <a:xfrm>
+            <a:off x="333375" y="1762233"/>
+            <a:ext cx="7868414" cy="4107971"/>
+          </a:xfrm>
+          <a:prstGeom prst="rect">
+            <a:avLst/>
+          </a:prstGeom>
+          <a:noFill/>
+          <a:extLst>
+            <a:ext uri="{909E8E84-426E-40DD-AFC4-6F175D3DCCD1}">
+              <a14:hiddenFill xmlns:a14="http://schemas.microsoft.com/office/drawing/2010/main">
+                <a:solidFill>
+                  <a:srgbClr val="FFFFFF"/>
+                </a:solidFill>
+              </a14:hiddenFill>
+            </a:ext>
+          </a:extLst>
+        </p:spPr>
+      </p:pic>
     </p:spTree>
     <p:extLst>
       <p:ext uri="{BB962C8B-B14F-4D97-AF65-F5344CB8AC3E}">
-        <p14:creationId xmlns:p14="http://schemas.microsoft.com/office/powerpoint/2010/main" val="1779902272"/>
+        <p14:creationId xmlns:p14="http://schemas.microsoft.com/office/powerpoint/2010/main" val="592432139"/>
       </p:ext>
     </p:extLst>
   </p:cSld>
@@ -11628,58 +14183,6 @@
                             </p:childTnLst>
                           </p:cTn>
                         </p:par>
-                        <p:par>
-                          <p:cTn id="12" fill="hold">
-                            <p:stCondLst>
-                              <p:cond delay="1000"/>
-                            </p:stCondLst>
-                            <p:childTnLst>
-                              <p:par>
-                                <p:cTn id="13" presetID="10" presetClass="entr" presetSubtype="0" fill="hold" grpId="0" nodeType="afterEffect">
-                                  <p:stCondLst>
-                                    <p:cond delay="0"/>
-                                  </p:stCondLst>
-                                  <p:childTnLst>
-                                    <p:set>
-                                      <p:cBhvr>
-                                        <p:cTn id="14" dur="1" fill="hold">
-                                          <p:stCondLst>
-                                            <p:cond delay="0"/>
-                                          </p:stCondLst>
-                                        </p:cTn>
-                                        <p:tgtEl>
-                                          <p:spTgt spid="10">
-                                            <p:txEl>
-                                              <p:pRg st="0" end="0"/>
-                                            </p:txEl>
-                                          </p:spTgt>
-                                        </p:tgtEl>
-                                        <p:attrNameLst>
-                                          <p:attrName>style.visibility</p:attrName>
-                                        </p:attrNameLst>
-                                      </p:cBhvr>
-                                      <p:to>
-                                        <p:strVal val="visible"/>
-                                      </p:to>
-                                    </p:set>
-                                    <p:animEffect transition="in" filter="fade">
-                                      <p:cBhvr>
-                                        <p:cTn id="15" dur="500"/>
-                                        <p:tgtEl>
-                                          <p:spTgt spid="10">
-                                            <p:txEl>
-                                              <p:pRg st="0" end="0"/>
-                                            </p:txEl>
-                                          </p:spTgt>
-                                        </p:tgtEl>
-                                      </p:cBhvr>
-                                    </p:animEffect>
-                                  </p:childTnLst>
-                                </p:cTn>
-                              </p:par>
-                            </p:childTnLst>
-                          </p:cTn>
-                        </p:par>
                       </p:childTnLst>
                     </p:cTn>
                   </p:par>
@@ -11707,7 +14210,6 @@
     <p:bldLst>
       <p:bldP spid="14" grpId="0" uiExpand="1" build="p"/>
       <p:bldP spid="17" grpId="0" animBg="1"/>
-      <p:bldP spid="10" grpId="0" uiExpand="1" build="p"/>
     </p:bldLst>
   </p:timing>
 </p:sld>
@@ -11852,6 +14354,18 @@
 </file>
 
 <file path=ppt/tags/tag30.xml><?xml version="1.0" encoding="utf-8"?>
+<p:tagLst xmlns:a="http://schemas.openxmlformats.org/drawingml/2006/main" xmlns:r="http://schemas.openxmlformats.org/officeDocument/2006/relationships" xmlns:p="http://schemas.openxmlformats.org/presentationml/2006/main">
+  <p:tag name="OTLMARKERSHAPE" val="OTL"/>
+</p:tagLst>
+</file>
+
+<file path=ppt/tags/tag31.xml><?xml version="1.0" encoding="utf-8"?>
+<p:tagLst xmlns:a="http://schemas.openxmlformats.org/drawingml/2006/main" xmlns:r="http://schemas.openxmlformats.org/officeDocument/2006/relationships" xmlns:p="http://schemas.openxmlformats.org/presentationml/2006/main">
+  <p:tag name="OTLMARKERSHAPE" val="OTL"/>
+</p:tagLst>
+</file>
+
+<file path=ppt/tags/tag32.xml><?xml version="1.0" encoding="utf-8"?>
 <p:tagLst xmlns:a="http://schemas.openxmlformats.org/drawingml/2006/main" xmlns:r="http://schemas.openxmlformats.org/officeDocument/2006/relationships" xmlns:p="http://schemas.openxmlformats.org/presentationml/2006/main">
   <p:tag name="OTLMARKERSHAPE" val="OTL"/>
 </p:tagLst>
